--- a/Presentation_projet.pptx
+++ b/Presentation_projet.pptx
@@ -6,25 +6,24 @@
     <p:sldMasterId id="2147483661" r:id="rId2"/>
   </p:sldMasterIdLst>
   <p:notesMasterIdLst>
-    <p:notesMasterId r:id="rId19"/>
+    <p:notesMasterId r:id="rId18"/>
   </p:notesMasterIdLst>
   <p:sldIdLst>
     <p:sldId id="256" r:id="rId3"/>
     <p:sldId id="257" r:id="rId4"/>
     <p:sldId id="260" r:id="rId5"/>
-    <p:sldId id="261" r:id="rId6"/>
-    <p:sldId id="263" r:id="rId7"/>
-    <p:sldId id="264" r:id="rId8"/>
-    <p:sldId id="265" r:id="rId9"/>
-    <p:sldId id="266" r:id="rId10"/>
-    <p:sldId id="267" r:id="rId11"/>
-    <p:sldId id="268" r:id="rId12"/>
-    <p:sldId id="269" r:id="rId13"/>
-    <p:sldId id="270" r:id="rId14"/>
-    <p:sldId id="272" r:id="rId15"/>
-    <p:sldId id="273" r:id="rId16"/>
-    <p:sldId id="274" r:id="rId17"/>
-    <p:sldId id="259" r:id="rId18"/>
+    <p:sldId id="272" r:id="rId6"/>
+    <p:sldId id="273" r:id="rId7"/>
+    <p:sldId id="274" r:id="rId8"/>
+    <p:sldId id="275" r:id="rId9"/>
+    <p:sldId id="265" r:id="rId10"/>
+    <p:sldId id="263" r:id="rId11"/>
+    <p:sldId id="264" r:id="rId12"/>
+    <p:sldId id="261" r:id="rId13"/>
+    <p:sldId id="276" r:id="rId14"/>
+    <p:sldId id="279" r:id="rId15"/>
+    <p:sldId id="259" r:id="rId16"/>
+    <p:sldId id="278" r:id="rId17"/>
   </p:sldIdLst>
   <p:sldSz cx="9144000" cy="5143500" type="screen16x9"/>
   <p:notesSz cx="6858000" cy="9144000"/>
@@ -224,7 +223,7 @@
           <a:p>
             <a:fld id="{F7358810-C50C-4515-83AE-3B111BDBC00C}" type="datetimeFigureOut">
               <a:rPr lang="fr-FR" smtClean="0"/>
-              <a:t>24/03/2018</a:t>
+              <a:t>25/03/2018</a:t>
             </a:fld>
             <a:endParaRPr lang="fr-FR"/>
           </a:p>
@@ -576,258 +575,6 @@
 </p:notes>
 </file>
 
-<file path=ppt/notesSlides/notesSlide10.xml><?xml version="1.0" encoding="utf-8"?>
-<p:notes xmlns:a="http://schemas.openxmlformats.org/drawingml/2006/main" xmlns:r="http://schemas.openxmlformats.org/officeDocument/2006/relationships" xmlns:p="http://schemas.openxmlformats.org/presentationml/2006/main">
-  <p:cSld>
-    <p:spTree>
-      <p:nvGrpSpPr>
-        <p:cNvPr id="1" name=""/>
-        <p:cNvGrpSpPr/>
-        <p:nvPr/>
-      </p:nvGrpSpPr>
-      <p:grpSpPr>
-        <a:xfrm>
-          <a:off x="0" y="0"/>
-          <a:ext cx="0" cy="0"/>
-          <a:chOff x="0" y="0"/>
-          <a:chExt cx="0" cy="0"/>
-        </a:xfrm>
-      </p:grpSpPr>
-      <p:sp>
-        <p:nvSpPr>
-          <p:cNvPr id="2" name="Espace réservé de l'image des diapositives 1"/>
-          <p:cNvSpPr>
-            <a:spLocks noGrp="1" noRot="1" noChangeAspect="1"/>
-          </p:cNvSpPr>
-          <p:nvPr>
-            <p:ph type="sldImg"/>
-          </p:nvPr>
-        </p:nvSpPr>
-        <p:spPr/>
-      </p:sp>
-      <p:sp>
-        <p:nvSpPr>
-          <p:cNvPr id="3" name="Espace réservé des commentaires 2"/>
-          <p:cNvSpPr>
-            <a:spLocks noGrp="1"/>
-          </p:cNvSpPr>
-          <p:nvPr>
-            <p:ph type="body" idx="1"/>
-          </p:nvPr>
-        </p:nvSpPr>
-        <p:spPr/>
-        <p:txBody>
-          <a:bodyPr/>
-          <a:lstStyle/>
-          <a:p>
-            <a:endParaRPr lang="fr-FR" dirty="0"/>
-          </a:p>
-        </p:txBody>
-      </p:sp>
-      <p:sp>
-        <p:nvSpPr>
-          <p:cNvPr id="4" name="Espace réservé du numéro de diapositive 3"/>
-          <p:cNvSpPr>
-            <a:spLocks noGrp="1"/>
-          </p:cNvSpPr>
-          <p:nvPr>
-            <p:ph type="sldNum" sz="quarter" idx="10"/>
-          </p:nvPr>
-        </p:nvSpPr>
-        <p:spPr/>
-        <p:txBody>
-          <a:bodyPr/>
-          <a:lstStyle/>
-          <a:p>
-            <a:fld id="{0A2D56C7-1177-41BB-BBA0-5AE79DBFDCEB}" type="slidenum">
-              <a:rPr lang="fr-FR" smtClean="0"/>
-              <a:t>13</a:t>
-            </a:fld>
-            <a:endParaRPr lang="fr-FR"/>
-          </a:p>
-        </p:txBody>
-      </p:sp>
-    </p:spTree>
-    <p:extLst>
-      <p:ext uri="{BB962C8B-B14F-4D97-AF65-F5344CB8AC3E}">
-        <p14:creationId xmlns:p14="http://schemas.microsoft.com/office/powerpoint/2010/main" val="1959795991"/>
-      </p:ext>
-    </p:extLst>
-  </p:cSld>
-  <p:clrMapOvr>
-    <a:masterClrMapping/>
-  </p:clrMapOvr>
-</p:notes>
-</file>
-
-<file path=ppt/notesSlides/notesSlide11.xml><?xml version="1.0" encoding="utf-8"?>
-<p:notes xmlns:a="http://schemas.openxmlformats.org/drawingml/2006/main" xmlns:r="http://schemas.openxmlformats.org/officeDocument/2006/relationships" xmlns:p="http://schemas.openxmlformats.org/presentationml/2006/main">
-  <p:cSld>
-    <p:spTree>
-      <p:nvGrpSpPr>
-        <p:cNvPr id="1" name=""/>
-        <p:cNvGrpSpPr/>
-        <p:nvPr/>
-      </p:nvGrpSpPr>
-      <p:grpSpPr>
-        <a:xfrm>
-          <a:off x="0" y="0"/>
-          <a:ext cx="0" cy="0"/>
-          <a:chOff x="0" y="0"/>
-          <a:chExt cx="0" cy="0"/>
-        </a:xfrm>
-      </p:grpSpPr>
-      <p:sp>
-        <p:nvSpPr>
-          <p:cNvPr id="2" name="Espace réservé de l'image des diapositives 1"/>
-          <p:cNvSpPr>
-            <a:spLocks noGrp="1" noRot="1" noChangeAspect="1"/>
-          </p:cNvSpPr>
-          <p:nvPr>
-            <p:ph type="sldImg"/>
-          </p:nvPr>
-        </p:nvSpPr>
-        <p:spPr/>
-      </p:sp>
-      <p:sp>
-        <p:nvSpPr>
-          <p:cNvPr id="3" name="Espace réservé des commentaires 2"/>
-          <p:cNvSpPr>
-            <a:spLocks noGrp="1"/>
-          </p:cNvSpPr>
-          <p:nvPr>
-            <p:ph type="body" idx="1"/>
-          </p:nvPr>
-        </p:nvSpPr>
-        <p:spPr/>
-        <p:txBody>
-          <a:bodyPr/>
-          <a:lstStyle/>
-          <a:p>
-            <a:endParaRPr lang="fr-FR" dirty="0"/>
-          </a:p>
-        </p:txBody>
-      </p:sp>
-      <p:sp>
-        <p:nvSpPr>
-          <p:cNvPr id="4" name="Espace réservé du numéro de diapositive 3"/>
-          <p:cNvSpPr>
-            <a:spLocks noGrp="1"/>
-          </p:cNvSpPr>
-          <p:nvPr>
-            <p:ph type="sldNum" sz="quarter" idx="10"/>
-          </p:nvPr>
-        </p:nvSpPr>
-        <p:spPr/>
-        <p:txBody>
-          <a:bodyPr/>
-          <a:lstStyle/>
-          <a:p>
-            <a:fld id="{0A2D56C7-1177-41BB-BBA0-5AE79DBFDCEB}" type="slidenum">
-              <a:rPr lang="fr-FR" smtClean="0"/>
-              <a:t>14</a:t>
-            </a:fld>
-            <a:endParaRPr lang="fr-FR"/>
-          </a:p>
-        </p:txBody>
-      </p:sp>
-    </p:spTree>
-    <p:extLst>
-      <p:ext uri="{BB962C8B-B14F-4D97-AF65-F5344CB8AC3E}">
-        <p14:creationId xmlns:p14="http://schemas.microsoft.com/office/powerpoint/2010/main" val="3706056950"/>
-      </p:ext>
-    </p:extLst>
-  </p:cSld>
-  <p:clrMapOvr>
-    <a:masterClrMapping/>
-  </p:clrMapOvr>
-</p:notes>
-</file>
-
-<file path=ppt/notesSlides/notesSlide12.xml><?xml version="1.0" encoding="utf-8"?>
-<p:notes xmlns:a="http://schemas.openxmlformats.org/drawingml/2006/main" xmlns:r="http://schemas.openxmlformats.org/officeDocument/2006/relationships" xmlns:p="http://schemas.openxmlformats.org/presentationml/2006/main">
-  <p:cSld>
-    <p:spTree>
-      <p:nvGrpSpPr>
-        <p:cNvPr id="1" name=""/>
-        <p:cNvGrpSpPr/>
-        <p:nvPr/>
-      </p:nvGrpSpPr>
-      <p:grpSpPr>
-        <a:xfrm>
-          <a:off x="0" y="0"/>
-          <a:ext cx="0" cy="0"/>
-          <a:chOff x="0" y="0"/>
-          <a:chExt cx="0" cy="0"/>
-        </a:xfrm>
-      </p:grpSpPr>
-      <p:sp>
-        <p:nvSpPr>
-          <p:cNvPr id="2" name="Espace réservé de l'image des diapositives 1"/>
-          <p:cNvSpPr>
-            <a:spLocks noGrp="1" noRot="1" noChangeAspect="1"/>
-          </p:cNvSpPr>
-          <p:nvPr>
-            <p:ph type="sldImg"/>
-          </p:nvPr>
-        </p:nvSpPr>
-        <p:spPr/>
-      </p:sp>
-      <p:sp>
-        <p:nvSpPr>
-          <p:cNvPr id="3" name="Espace réservé des commentaires 2"/>
-          <p:cNvSpPr>
-            <a:spLocks noGrp="1"/>
-          </p:cNvSpPr>
-          <p:nvPr>
-            <p:ph type="body" idx="1"/>
-          </p:nvPr>
-        </p:nvSpPr>
-        <p:spPr/>
-        <p:txBody>
-          <a:bodyPr/>
-          <a:lstStyle/>
-          <a:p>
-            <a:endParaRPr lang="fr-FR" dirty="0"/>
-          </a:p>
-        </p:txBody>
-      </p:sp>
-      <p:sp>
-        <p:nvSpPr>
-          <p:cNvPr id="4" name="Espace réservé du numéro de diapositive 3"/>
-          <p:cNvSpPr>
-            <a:spLocks noGrp="1"/>
-          </p:cNvSpPr>
-          <p:nvPr>
-            <p:ph type="sldNum" sz="quarter" idx="10"/>
-          </p:nvPr>
-        </p:nvSpPr>
-        <p:spPr/>
-        <p:txBody>
-          <a:bodyPr/>
-          <a:lstStyle/>
-          <a:p>
-            <a:fld id="{0A2D56C7-1177-41BB-BBA0-5AE79DBFDCEB}" type="slidenum">
-              <a:rPr lang="fr-FR" smtClean="0"/>
-              <a:t>15</a:t>
-            </a:fld>
-            <a:endParaRPr lang="fr-FR"/>
-          </a:p>
-        </p:txBody>
-      </p:sp>
-    </p:spTree>
-    <p:extLst>
-      <p:ext uri="{BB962C8B-B14F-4D97-AF65-F5344CB8AC3E}">
-        <p14:creationId xmlns:p14="http://schemas.microsoft.com/office/powerpoint/2010/main" val="1350303596"/>
-      </p:ext>
-    </p:extLst>
-  </p:cSld>
-  <p:clrMapOvr>
-    <a:masterClrMapping/>
-  </p:clrMapOvr>
-</p:notes>
-</file>
-
 <file path=ppt/notesSlides/notesSlide2.xml><?xml version="1.0" encoding="utf-8"?>
 <p:notes xmlns:a="http://schemas.openxmlformats.org/drawingml/2006/main" xmlns:r="http://schemas.openxmlformats.org/officeDocument/2006/relationships" xmlns:p="http://schemas.openxmlformats.org/presentationml/2006/main">
   <p:cSld>
@@ -893,7 +640,7 @@
           <a:p>
             <a:fld id="{0A2D56C7-1177-41BB-BBA0-5AE79DBFDCEB}" type="slidenum">
               <a:rPr lang="fr-FR" smtClean="0"/>
-              <a:t>5</a:t>
+              <a:t>4</a:t>
             </a:fld>
             <a:endParaRPr lang="fr-FR"/>
           </a:p>
@@ -902,7 +649,7 @@
     </p:spTree>
     <p:extLst>
       <p:ext uri="{BB962C8B-B14F-4D97-AF65-F5344CB8AC3E}">
-        <p14:creationId xmlns:p14="http://schemas.microsoft.com/office/powerpoint/2010/main" val="1305952010"/>
+        <p14:creationId xmlns:p14="http://schemas.microsoft.com/office/powerpoint/2010/main" val="1959795991"/>
       </p:ext>
     </p:extLst>
   </p:cSld>
@@ -977,7 +724,7 @@
           <a:p>
             <a:fld id="{0A2D56C7-1177-41BB-BBA0-5AE79DBFDCEB}" type="slidenum">
               <a:rPr lang="fr-FR" smtClean="0"/>
-              <a:t>6</a:t>
+              <a:t>5</a:t>
             </a:fld>
             <a:endParaRPr lang="fr-FR"/>
           </a:p>
@@ -986,7 +733,7 @@
     </p:spTree>
     <p:extLst>
       <p:ext uri="{BB962C8B-B14F-4D97-AF65-F5344CB8AC3E}">
-        <p14:creationId xmlns:p14="http://schemas.microsoft.com/office/powerpoint/2010/main" val="2744669980"/>
+        <p14:creationId xmlns:p14="http://schemas.microsoft.com/office/powerpoint/2010/main" val="3706056950"/>
       </p:ext>
     </p:extLst>
   </p:cSld>
@@ -1061,7 +808,7 @@
           <a:p>
             <a:fld id="{0A2D56C7-1177-41BB-BBA0-5AE79DBFDCEB}" type="slidenum">
               <a:rPr lang="fr-FR" smtClean="0"/>
-              <a:t>7</a:t>
+              <a:t>6</a:t>
             </a:fld>
             <a:endParaRPr lang="fr-FR"/>
           </a:p>
@@ -1070,7 +817,7 @@
     </p:spTree>
     <p:extLst>
       <p:ext uri="{BB962C8B-B14F-4D97-AF65-F5344CB8AC3E}">
-        <p14:creationId xmlns:p14="http://schemas.microsoft.com/office/powerpoint/2010/main" val="2922674703"/>
+        <p14:creationId xmlns:p14="http://schemas.microsoft.com/office/powerpoint/2010/main" val="1350303596"/>
       </p:ext>
     </p:extLst>
   </p:cSld>
@@ -1154,7 +901,7 @@
     </p:spTree>
     <p:extLst>
       <p:ext uri="{BB962C8B-B14F-4D97-AF65-F5344CB8AC3E}">
-        <p14:creationId xmlns:p14="http://schemas.microsoft.com/office/powerpoint/2010/main" val="2465011737"/>
+        <p14:creationId xmlns:p14="http://schemas.microsoft.com/office/powerpoint/2010/main" val="2922674703"/>
       </p:ext>
     </p:extLst>
   </p:cSld>
@@ -1238,7 +985,7 @@
     </p:spTree>
     <p:extLst>
       <p:ext uri="{BB962C8B-B14F-4D97-AF65-F5344CB8AC3E}">
-        <p14:creationId xmlns:p14="http://schemas.microsoft.com/office/powerpoint/2010/main" val="567873780"/>
+        <p14:creationId xmlns:p14="http://schemas.microsoft.com/office/powerpoint/2010/main" val="1305952010"/>
       </p:ext>
     </p:extLst>
   </p:cSld>
@@ -1322,175 +1069,7 @@
     </p:spTree>
     <p:extLst>
       <p:ext uri="{BB962C8B-B14F-4D97-AF65-F5344CB8AC3E}">
-        <p14:creationId xmlns:p14="http://schemas.microsoft.com/office/powerpoint/2010/main" val="2556790588"/>
-      </p:ext>
-    </p:extLst>
-  </p:cSld>
-  <p:clrMapOvr>
-    <a:masterClrMapping/>
-  </p:clrMapOvr>
-</p:notes>
-</file>
-
-<file path=ppt/notesSlides/notesSlide8.xml><?xml version="1.0" encoding="utf-8"?>
-<p:notes xmlns:a="http://schemas.openxmlformats.org/drawingml/2006/main" xmlns:r="http://schemas.openxmlformats.org/officeDocument/2006/relationships" xmlns:p="http://schemas.openxmlformats.org/presentationml/2006/main">
-  <p:cSld>
-    <p:spTree>
-      <p:nvGrpSpPr>
-        <p:cNvPr id="1" name=""/>
-        <p:cNvGrpSpPr/>
-        <p:nvPr/>
-      </p:nvGrpSpPr>
-      <p:grpSpPr>
-        <a:xfrm>
-          <a:off x="0" y="0"/>
-          <a:ext cx="0" cy="0"/>
-          <a:chOff x="0" y="0"/>
-          <a:chExt cx="0" cy="0"/>
-        </a:xfrm>
-      </p:grpSpPr>
-      <p:sp>
-        <p:nvSpPr>
-          <p:cNvPr id="2" name="Espace réservé de l'image des diapositives 1"/>
-          <p:cNvSpPr>
-            <a:spLocks noGrp="1" noRot="1" noChangeAspect="1"/>
-          </p:cNvSpPr>
-          <p:nvPr>
-            <p:ph type="sldImg"/>
-          </p:nvPr>
-        </p:nvSpPr>
-        <p:spPr/>
-      </p:sp>
-      <p:sp>
-        <p:nvSpPr>
-          <p:cNvPr id="3" name="Espace réservé des commentaires 2"/>
-          <p:cNvSpPr>
-            <a:spLocks noGrp="1"/>
-          </p:cNvSpPr>
-          <p:nvPr>
-            <p:ph type="body" idx="1"/>
-          </p:nvPr>
-        </p:nvSpPr>
-        <p:spPr/>
-        <p:txBody>
-          <a:bodyPr/>
-          <a:lstStyle/>
-          <a:p>
-            <a:endParaRPr lang="fr-FR" dirty="0"/>
-          </a:p>
-        </p:txBody>
-      </p:sp>
-      <p:sp>
-        <p:nvSpPr>
-          <p:cNvPr id="4" name="Espace réservé du numéro de diapositive 3"/>
-          <p:cNvSpPr>
-            <a:spLocks noGrp="1"/>
-          </p:cNvSpPr>
-          <p:nvPr>
-            <p:ph type="sldNum" sz="quarter" idx="10"/>
-          </p:nvPr>
-        </p:nvSpPr>
-        <p:spPr/>
-        <p:txBody>
-          <a:bodyPr/>
-          <a:lstStyle/>
-          <a:p>
-            <a:fld id="{0A2D56C7-1177-41BB-BBA0-5AE79DBFDCEB}" type="slidenum">
-              <a:rPr lang="fr-FR" smtClean="0"/>
-              <a:t>11</a:t>
-            </a:fld>
-            <a:endParaRPr lang="fr-FR"/>
-          </a:p>
-        </p:txBody>
-      </p:sp>
-    </p:spTree>
-    <p:extLst>
-      <p:ext uri="{BB962C8B-B14F-4D97-AF65-F5344CB8AC3E}">
-        <p14:creationId xmlns:p14="http://schemas.microsoft.com/office/powerpoint/2010/main" val="1297626261"/>
-      </p:ext>
-    </p:extLst>
-  </p:cSld>
-  <p:clrMapOvr>
-    <a:masterClrMapping/>
-  </p:clrMapOvr>
-</p:notes>
-</file>
-
-<file path=ppt/notesSlides/notesSlide9.xml><?xml version="1.0" encoding="utf-8"?>
-<p:notes xmlns:a="http://schemas.openxmlformats.org/drawingml/2006/main" xmlns:r="http://schemas.openxmlformats.org/officeDocument/2006/relationships" xmlns:p="http://schemas.openxmlformats.org/presentationml/2006/main">
-  <p:cSld>
-    <p:spTree>
-      <p:nvGrpSpPr>
-        <p:cNvPr id="1" name=""/>
-        <p:cNvGrpSpPr/>
-        <p:nvPr/>
-      </p:nvGrpSpPr>
-      <p:grpSpPr>
-        <a:xfrm>
-          <a:off x="0" y="0"/>
-          <a:ext cx="0" cy="0"/>
-          <a:chOff x="0" y="0"/>
-          <a:chExt cx="0" cy="0"/>
-        </a:xfrm>
-      </p:grpSpPr>
-      <p:sp>
-        <p:nvSpPr>
-          <p:cNvPr id="2" name="Espace réservé de l'image des diapositives 1"/>
-          <p:cNvSpPr>
-            <a:spLocks noGrp="1" noRot="1" noChangeAspect="1"/>
-          </p:cNvSpPr>
-          <p:nvPr>
-            <p:ph type="sldImg"/>
-          </p:nvPr>
-        </p:nvSpPr>
-        <p:spPr/>
-      </p:sp>
-      <p:sp>
-        <p:nvSpPr>
-          <p:cNvPr id="3" name="Espace réservé des commentaires 2"/>
-          <p:cNvSpPr>
-            <a:spLocks noGrp="1"/>
-          </p:cNvSpPr>
-          <p:nvPr>
-            <p:ph type="body" idx="1"/>
-          </p:nvPr>
-        </p:nvSpPr>
-        <p:spPr/>
-        <p:txBody>
-          <a:bodyPr/>
-          <a:lstStyle/>
-          <a:p>
-            <a:endParaRPr lang="fr-FR" dirty="0"/>
-          </a:p>
-        </p:txBody>
-      </p:sp>
-      <p:sp>
-        <p:nvSpPr>
-          <p:cNvPr id="4" name="Espace réservé du numéro de diapositive 3"/>
-          <p:cNvSpPr>
-            <a:spLocks noGrp="1"/>
-          </p:cNvSpPr>
-          <p:nvPr>
-            <p:ph type="sldNum" sz="quarter" idx="10"/>
-          </p:nvPr>
-        </p:nvSpPr>
-        <p:spPr/>
-        <p:txBody>
-          <a:bodyPr/>
-          <a:lstStyle/>
-          <a:p>
-            <a:fld id="{0A2D56C7-1177-41BB-BBA0-5AE79DBFDCEB}" type="slidenum">
-              <a:rPr lang="fr-FR" smtClean="0"/>
-              <a:t>12</a:t>
-            </a:fld>
-            <a:endParaRPr lang="fr-FR"/>
-          </a:p>
-        </p:txBody>
-      </p:sp>
-    </p:spTree>
-    <p:extLst>
-      <p:ext uri="{BB962C8B-B14F-4D97-AF65-F5344CB8AC3E}">
-        <p14:creationId xmlns:p14="http://schemas.microsoft.com/office/powerpoint/2010/main" val="2989371674"/>
+        <p14:creationId xmlns:p14="http://schemas.microsoft.com/office/powerpoint/2010/main" val="2744669980"/>
       </p:ext>
     </p:extLst>
   </p:cSld>
@@ -5858,7 +5437,7 @@
         <p:spPr>
           <a:xfrm>
             <a:off x="6896" y="195485"/>
-            <a:ext cx="1252736" cy="504056"/>
+            <a:ext cx="1646608" cy="504056"/>
           </a:xfrm>
           <a:prstGeom prst="homePlate">
             <a:avLst>
@@ -5892,22 +5471,15 @@
           <a:p>
             <a:pPr algn="ctr"/>
             <a:r>
-              <a:rPr lang="fr-FR" sz="1200" dirty="0" smtClean="0">
+              <a:rPr lang="fr-FR" sz="1400" dirty="0">
                 <a:solidFill>
                   <a:schemeClr val="bg1">
                     <a:lumMod val="50000"/>
                   </a:schemeClr>
                 </a:solidFill>
               </a:rPr>
-              <a:t>Contexte</a:t>
-            </a:r>
-            <a:endParaRPr lang="fr-FR" sz="1200" dirty="0">
-              <a:solidFill>
-                <a:schemeClr val="bg1">
-                  <a:lumMod val="50000"/>
-                </a:schemeClr>
-              </a:solidFill>
-            </a:endParaRPr>
+              <a:t>Introduction</a:t>
+            </a:r>
           </a:p>
         </p:txBody>
       </p:sp>
@@ -5919,8 +5491,8 @@
         </p:nvSpPr>
         <p:spPr>
           <a:xfrm>
-            <a:off x="4499992" y="195486"/>
-            <a:ext cx="2520280" cy="504055"/>
+            <a:off x="3300112" y="195486"/>
+            <a:ext cx="2207992" cy="504055"/>
           </a:xfrm>
           <a:prstGeom prst="homePlate">
             <a:avLst/>
@@ -5955,9 +5527,8 @@
             <a:pPr algn="ctr"/>
             <a:r>
               <a:rPr lang="fr-FR" sz="1400" b="1" dirty="0" smtClean="0"/>
-              <a:t>Description fonctionnelle</a:t>
-            </a:r>
-            <a:endParaRPr lang="fr-FR" sz="1400" b="1" dirty="0" smtClean="0"/>
+              <a:t>Description technique</a:t>
+            </a:r>
           </a:p>
         </p:txBody>
       </p:sp>
@@ -5973,8 +5544,8 @@
         </p:nvSpPr>
         <p:spPr>
           <a:xfrm>
-            <a:off x="107504" y="1059582"/>
-            <a:ext cx="3816424" cy="433557"/>
+            <a:off x="379712" y="1199716"/>
+            <a:ext cx="3960440" cy="433557"/>
           </a:xfrm>
         </p:spPr>
         <p:txBody>
@@ -5992,10 +5563,9 @@
               <a:buChar char="Ø"/>
             </a:pPr>
             <a:r>
-              <a:rPr lang="fr-FR" sz="1800" dirty="0" smtClean="0"/>
-              <a:t>Pages principales du site:</a:t>
-            </a:r>
-            <a:endParaRPr lang="fr-FR" sz="1800" dirty="0" smtClean="0"/>
+              <a:rPr lang="fr-FR" sz="2000" dirty="0" smtClean="0"/>
+              <a:t>Architecture du site</a:t>
+            </a:r>
           </a:p>
         </p:txBody>
       </p:sp>
@@ -6007,8 +5577,8 @@
         </p:nvSpPr>
         <p:spPr>
           <a:xfrm>
-            <a:off x="1259633" y="195485"/>
-            <a:ext cx="1512167" cy="504056"/>
+            <a:off x="1653504" y="195485"/>
+            <a:ext cx="1646608" cy="504056"/>
           </a:xfrm>
           <a:prstGeom prst="homePlate">
             <a:avLst>
@@ -6042,147 +5612,59 @@
           <a:p>
             <a:pPr algn="ctr"/>
             <a:r>
-              <a:rPr lang="fr-FR" sz="1200" dirty="0" smtClean="0">
+              <a:rPr lang="fr-FR" sz="1400" dirty="0">
                 <a:solidFill>
                   <a:schemeClr val="bg1">
                     <a:lumMod val="50000"/>
                   </a:schemeClr>
                 </a:solidFill>
               </a:rPr>
-              <a:t>Gestion de projet</a:t>
-            </a:r>
-            <a:endParaRPr lang="fr-FR" sz="1200" dirty="0">
-              <a:solidFill>
-                <a:schemeClr val="bg1">
-                  <a:lumMod val="50000"/>
-                </a:schemeClr>
-              </a:solidFill>
-            </a:endParaRPr>
-          </a:p>
-        </p:txBody>
-      </p:sp>
-      <p:sp>
-        <p:nvSpPr>
-          <p:cNvPr id="8" name="Pentagone 7"/>
-          <p:cNvSpPr/>
+              <a:t>Démonstration</a:t>
+            </a:r>
+          </a:p>
+        </p:txBody>
+      </p:sp>
+      <p:pic>
+        <p:nvPicPr>
+          <p:cNvPr id="12" name="Image 11" descr="https://raw.githubusercontent.com/zeknoun/yourjob1/master/schema%20v5.png"/>
+          <p:cNvPicPr/>
           <p:nvPr/>
-        </p:nvSpPr>
-        <p:spPr>
-          <a:xfrm>
-            <a:off x="2771800" y="195485"/>
-            <a:ext cx="1728192" cy="504056"/>
-          </a:xfrm>
-          <a:prstGeom prst="homePlate">
-            <a:avLst>
-              <a:gd name="adj" fmla="val 0"/>
-            </a:avLst>
+        </p:nvPicPr>
+        <p:blipFill>
+          <a:blip r:embed="rId3">
+            <a:extLst>
+              <a:ext uri="{28A0092B-C50C-407E-A947-70E740481C1C}">
+                <a14:useLocalDpi xmlns:a14="http://schemas.microsoft.com/office/drawing/2010/main" val="0"/>
+              </a:ext>
+            </a:extLst>
+          </a:blip>
+          <a:srcRect/>
+          <a:stretch>
+            <a:fillRect/>
+          </a:stretch>
+        </p:blipFill>
+        <p:spPr bwMode="auto">
+          <a:xfrm>
+            <a:off x="379712" y="1633273"/>
+            <a:ext cx="8424936" cy="3256868"/>
+          </a:xfrm>
+          <a:prstGeom prst="rect">
+            <a:avLst/>
           </a:prstGeom>
-          <a:solidFill>
-            <a:srgbClr val="C3BDC0"/>
-          </a:solidFill>
+          <a:noFill/>
           <a:ln>
             <a:noFill/>
           </a:ln>
         </p:spPr>
-        <p:style>
-          <a:lnRef idx="3">
-            <a:schemeClr val="lt1"/>
-          </a:lnRef>
-          <a:fillRef idx="1">
-            <a:schemeClr val="accent3"/>
-          </a:fillRef>
-          <a:effectRef idx="1">
-            <a:schemeClr val="accent3"/>
-          </a:effectRef>
-          <a:fontRef idx="minor">
-            <a:schemeClr val="lt1"/>
-          </a:fontRef>
-        </p:style>
-        <p:txBody>
-          <a:bodyPr rtlCol="0" anchor="ctr"/>
-          <a:lstStyle/>
-          <a:p>
-            <a:pPr algn="ctr"/>
-            <a:r>
-              <a:rPr lang="fr-FR" sz="1200" dirty="0" smtClean="0">
-                <a:solidFill>
-                  <a:schemeClr val="bg1">
-                    <a:lumMod val="50000"/>
-                  </a:schemeClr>
-                </a:solidFill>
-              </a:rPr>
-              <a:t>Description technique</a:t>
-            </a:r>
-            <a:endParaRPr lang="fr-FR" sz="1200" dirty="0">
-              <a:solidFill>
-                <a:schemeClr val="bg1">
-                  <a:lumMod val="50000"/>
-                </a:schemeClr>
-              </a:solidFill>
-            </a:endParaRPr>
-          </a:p>
-        </p:txBody>
-      </p:sp>
-      <p:sp>
-        <p:nvSpPr>
-          <p:cNvPr id="13" name="Titre 1"/>
-          <p:cNvSpPr txBox="1">
-            <a:spLocks/>
-          </p:cNvSpPr>
-          <p:nvPr/>
-        </p:nvSpPr>
-        <p:spPr>
-          <a:xfrm>
-            <a:off x="4355976" y="1232411"/>
-            <a:ext cx="2664296" cy="433557"/>
-          </a:xfrm>
-          <a:prstGeom prst="rect">
-            <a:avLst/>
-          </a:prstGeom>
-        </p:spPr>
-        <p:txBody>
-          <a:bodyPr anchor="ctr"/>
-          <a:lstStyle>
-            <a:lvl1pPr algn="l" defTabSz="914400" rtl="0" eaLnBrk="1" latinLnBrk="1" hangingPunct="1">
-              <a:spcBef>
-                <a:spcPct val="0"/>
-              </a:spcBef>
-              <a:buNone/>
-              <a:defRPr sz="3600" b="1" kern="1200">
-                <a:solidFill>
-                  <a:schemeClr val="tx1">
-                    <a:lumMod val="75000"/>
-                    <a:lumOff val="25000"/>
-                  </a:schemeClr>
-                </a:solidFill>
-                <a:latin typeface="Arial" pitchFamily="34" charset="0"/>
-                <a:ea typeface="+mj-ea"/>
-                <a:cs typeface="Arial" pitchFamily="34" charset="0"/>
-              </a:defRPr>
-            </a:lvl1pPr>
-          </a:lstStyle>
-          <a:p>
-            <a:pPr>
-              <a:spcBef>
-                <a:spcPts val="1200"/>
-              </a:spcBef>
-            </a:pPr>
-            <a:r>
-              <a:rPr lang="fr-FR" sz="1600" i="1" u="sng" dirty="0" smtClean="0"/>
-              <a:t>Recherche par activité</a:t>
-            </a:r>
-            <a:endParaRPr lang="fr-FR" sz="1600" i="1" u="sng" dirty="0" smtClean="0"/>
-          </a:p>
-        </p:txBody>
-      </p:sp>
+      </p:pic>
       <p:pic>
         <p:nvPicPr>
-          <p:cNvPr id="10" name="Image 9"/>
+          <p:cNvPr id="13" name="Image 12"/>
           <p:cNvPicPr/>
           <p:nvPr/>
         </p:nvPicPr>
         <p:blipFill rotWithShape="1">
-          <a:blip r:embed="rId3" cstate="print">
+          <a:blip r:embed="rId4" cstate="print">
             <a:extLst>
               <a:ext uri="{28A0092B-C50C-407E-A947-70E740481C1C}">
                 <a14:useLocalDpi xmlns:a14="http://schemas.microsoft.com/office/drawing/2010/main" val="0"/>
@@ -6210,39 +5692,10 @@
           </a:extLst>
         </p:spPr>
       </p:pic>
-      <p:pic>
-        <p:nvPicPr>
-          <p:cNvPr id="12" name="Image 11"/>
-          <p:cNvPicPr/>
-          <p:nvPr/>
-        </p:nvPicPr>
-        <p:blipFill rotWithShape="1">
-          <a:blip r:embed="rId4" cstate="print"/>
-          <a:srcRect b="27590"/>
-          <a:stretch/>
-        </p:blipFill>
-        <p:spPr bwMode="auto">
-          <a:xfrm>
-            <a:off x="827584" y="2026008"/>
-            <a:ext cx="6945902" cy="2793417"/>
-          </a:xfrm>
-          <a:prstGeom prst="rect">
-            <a:avLst/>
-          </a:prstGeom>
-          <a:ln>
-            <a:noFill/>
-          </a:ln>
-          <a:extLst>
-            <a:ext uri="{53640926-AAD7-44D8-BBD7-CCE9431645EC}">
-              <a14:shadowObscured xmlns:a14="http://schemas.microsoft.com/office/drawing/2010/main"/>
-            </a:ext>
-          </a:extLst>
-        </p:spPr>
-      </p:pic>
     </p:spTree>
     <p:extLst>
       <p:ext uri="{BB962C8B-B14F-4D97-AF65-F5344CB8AC3E}">
-        <p14:creationId xmlns:p14="http://schemas.microsoft.com/office/powerpoint/2010/main" val="3571508008"/>
+        <p14:creationId xmlns:p14="http://schemas.microsoft.com/office/powerpoint/2010/main" val="2897457935"/>
       </p:ext>
     </p:extLst>
   </p:cSld>
@@ -6276,6 +5729,41 @@
           <a:chExt cx="0" cy="0"/>
         </a:xfrm>
       </p:grpSpPr>
+      <p:pic>
+        <p:nvPicPr>
+          <p:cNvPr id="10" name="Image 9"/>
+          <p:cNvPicPr/>
+          <p:nvPr/>
+        </p:nvPicPr>
+        <p:blipFill rotWithShape="1">
+          <a:blip r:embed="rId2" cstate="print">
+            <a:extLst>
+              <a:ext uri="{28A0092B-C50C-407E-A947-70E740481C1C}">
+                <a14:useLocalDpi xmlns:a14="http://schemas.microsoft.com/office/drawing/2010/main" val="0"/>
+              </a:ext>
+            </a:extLst>
+          </a:blip>
+          <a:srcRect l="18383" t="5982" r="20520" b="6530"/>
+          <a:stretch/>
+        </p:blipFill>
+        <p:spPr bwMode="auto">
+          <a:xfrm>
+            <a:off x="8212799" y="4582898"/>
+            <a:ext cx="899592" cy="560602"/>
+          </a:xfrm>
+          <a:prstGeom prst="rect">
+            <a:avLst/>
+          </a:prstGeom>
+          <a:ln>
+            <a:noFill/>
+          </a:ln>
+          <a:extLst>
+            <a:ext uri="{53640926-AAD7-44D8-BBD7-CCE9431645EC}">
+              <a14:shadowObscured xmlns:a14="http://schemas.microsoft.com/office/drawing/2010/main"/>
+            </a:ext>
+          </a:extLst>
+        </p:spPr>
+      </p:pic>
       <p:sp>
         <p:nvSpPr>
           <p:cNvPr id="5" name="Pentagone 4"/>
@@ -6285,7 +5773,7 @@
         <p:spPr>
           <a:xfrm>
             <a:off x="6896" y="195485"/>
-            <a:ext cx="1252736" cy="504056"/>
+            <a:ext cx="1646608" cy="504056"/>
           </a:xfrm>
           <a:prstGeom prst="homePlate">
             <a:avLst>
@@ -6319,22 +5807,15 @@
           <a:p>
             <a:pPr algn="ctr"/>
             <a:r>
-              <a:rPr lang="fr-FR" sz="1200" dirty="0" smtClean="0">
+              <a:rPr lang="fr-FR" sz="1400" dirty="0">
                 <a:solidFill>
                   <a:schemeClr val="bg1">
                     <a:lumMod val="50000"/>
                   </a:schemeClr>
                 </a:solidFill>
               </a:rPr>
-              <a:t>Contexte</a:t>
-            </a:r>
-            <a:endParaRPr lang="fr-FR" sz="1200" dirty="0">
-              <a:solidFill>
-                <a:schemeClr val="bg1">
-                  <a:lumMod val="50000"/>
-                </a:schemeClr>
-              </a:solidFill>
-            </a:endParaRPr>
+              <a:t>Introduction</a:t>
+            </a:r>
           </a:p>
         </p:txBody>
       </p:sp>
@@ -6346,8 +5827,8 @@
         </p:nvSpPr>
         <p:spPr>
           <a:xfrm>
-            <a:off x="4499992" y="195486"/>
-            <a:ext cx="2520280" cy="504055"/>
+            <a:off x="5508104" y="195485"/>
+            <a:ext cx="2019663" cy="504055"/>
           </a:xfrm>
           <a:prstGeom prst="homePlate">
             <a:avLst/>
@@ -6382,22 +5863,629 @@
             <a:pPr algn="ctr"/>
             <a:r>
               <a:rPr lang="fr-FR" sz="1400" b="1" dirty="0" smtClean="0"/>
-              <a:t>Description fonctionnelle</a:t>
-            </a:r>
-            <a:endParaRPr lang="fr-FR" sz="1400" b="1" dirty="0" smtClean="0"/>
-          </a:p>
-        </p:txBody>
-      </p:sp>
-      <p:sp>
-        <p:nvSpPr>
-          <p:cNvPr id="7" name="Pentagone 6"/>
+              <a:t>Gestion de projet</a:t>
+            </a:r>
+          </a:p>
+        </p:txBody>
+      </p:sp>
+      <p:sp>
+        <p:nvSpPr>
+          <p:cNvPr id="11" name="Titre 1"/>
+          <p:cNvSpPr>
+            <a:spLocks noGrp="1"/>
+          </p:cNvSpPr>
+          <p:nvPr>
+            <p:ph type="title"/>
+          </p:nvPr>
+        </p:nvSpPr>
+        <p:spPr>
+          <a:xfrm>
+            <a:off x="395536" y="1131590"/>
+            <a:ext cx="3960440" cy="433557"/>
+          </a:xfrm>
+        </p:spPr>
+        <p:txBody>
+          <a:bodyPr/>
+          <a:lstStyle/>
+          <a:p>
+            <a:pPr marL="342900" indent="-342900">
+              <a:lnSpc>
+                <a:spcPct val="100000"/>
+              </a:lnSpc>
+              <a:spcBef>
+                <a:spcPts val="1200"/>
+              </a:spcBef>
+              <a:buFont typeface="Wingdings" panose="05000000000000000000" pitchFamily="2" charset="2"/>
+              <a:buChar char="Ø"/>
+            </a:pPr>
+            <a:r>
+              <a:rPr lang="fr-FR" sz="2000" dirty="0" smtClean="0"/>
+              <a:t>Répartition des tâches </a:t>
+            </a:r>
+          </a:p>
+        </p:txBody>
+      </p:sp>
+      <p:graphicFrame>
+        <p:nvGraphicFramePr>
+          <p:cNvPr id="17" name="Tableau 16"/>
+          <p:cNvGraphicFramePr>
+            <a:graphicFrameLocks noGrp="1"/>
+          </p:cNvGraphicFramePr>
+          <p:nvPr>
+            <p:extLst>
+              <p:ext uri="{D42A27DB-BD31-4B8C-83A1-F6EECF244321}">
+                <p14:modId xmlns:p14="http://schemas.microsoft.com/office/powerpoint/2010/main" val="1893311094"/>
+              </p:ext>
+            </p:extLst>
+          </p:nvPr>
+        </p:nvGraphicFramePr>
+        <p:xfrm>
+          <a:off x="287523" y="1851670"/>
+          <a:ext cx="8136905" cy="2590779"/>
+        </p:xfrm>
+        <a:graphic>
+          <a:graphicData uri="http://schemas.openxmlformats.org/drawingml/2006/table">
+            <a:tbl>
+              <a:tblPr firstRow="1" bandRow="1">
+                <a:tableStyleId>{5C22544A-7EE6-4342-B048-85BDC9FD1C3A}</a:tableStyleId>
+              </a:tblPr>
+              <a:tblGrid>
+                <a:gridCol w="1253122">
+                  <a:extLst>
+                    <a:ext uri="{9D8B030D-6E8A-4147-A177-3AD203B41FA5}">
+                      <a16:colId xmlns="" xmlns:a16="http://schemas.microsoft.com/office/drawing/2014/main" val="20000"/>
+                    </a:ext>
+                  </a:extLst>
+                </a:gridCol>
+                <a:gridCol w="1757866">
+                  <a:extLst>
+                    <a:ext uri="{9D8B030D-6E8A-4147-A177-3AD203B41FA5}">
+                      <a16:colId xmlns="" xmlns:a16="http://schemas.microsoft.com/office/drawing/2014/main" val="20001"/>
+                    </a:ext>
+                  </a:extLst>
+                </a:gridCol>
+                <a:gridCol w="1493370">
+                  <a:extLst>
+                    <a:ext uri="{9D8B030D-6E8A-4147-A177-3AD203B41FA5}">
+                      <a16:colId xmlns="" xmlns:a16="http://schemas.microsoft.com/office/drawing/2014/main" val="20002"/>
+                    </a:ext>
+                  </a:extLst>
+                </a:gridCol>
+                <a:gridCol w="1307717">
+                  <a:extLst>
+                    <a:ext uri="{9D8B030D-6E8A-4147-A177-3AD203B41FA5}">
+                      <a16:colId xmlns="" xmlns:a16="http://schemas.microsoft.com/office/drawing/2014/main" val="20003"/>
+                    </a:ext>
+                  </a:extLst>
+                </a:gridCol>
+                <a:gridCol w="1002537">
+                  <a:extLst>
+                    <a:ext uri="{9D8B030D-6E8A-4147-A177-3AD203B41FA5}">
+                      <a16:colId xmlns="" xmlns:a16="http://schemas.microsoft.com/office/drawing/2014/main" val="20004"/>
+                    </a:ext>
+                  </a:extLst>
+                </a:gridCol>
+                <a:gridCol w="1322293">
+                  <a:extLst>
+                    <a:ext uri="{9D8B030D-6E8A-4147-A177-3AD203B41FA5}">
+                      <a16:colId xmlns="" xmlns:a16="http://schemas.microsoft.com/office/drawing/2014/main" val="20005"/>
+                    </a:ext>
+                  </a:extLst>
+                </a:gridCol>
+              </a:tblGrid>
+              <a:tr h="1175080">
+                <a:tc>
+                  <a:txBody>
+                    <a:bodyPr/>
+                    <a:lstStyle/>
+                    <a:p>
+                      <a:r>
+                        <a:rPr lang="fr-FR" sz="1400" dirty="0" smtClean="0"/>
+                        <a:t>Tache/Nom</a:t>
+                      </a:r>
+                      <a:endParaRPr lang="fr-FR" sz="1400" dirty="0"/>
+                    </a:p>
+                  </a:txBody>
+                  <a:tcPr/>
+                </a:tc>
+                <a:tc>
+                  <a:txBody>
+                    <a:bodyPr/>
+                    <a:lstStyle/>
+                    <a:p>
+                      <a:r>
+                        <a:rPr lang="fr-FR" sz="1400" dirty="0" smtClean="0"/>
+                        <a:t>Programmation</a:t>
+                      </a:r>
+                      <a:endParaRPr lang="fr-FR" sz="1400" dirty="0"/>
+                    </a:p>
+                  </a:txBody>
+                  <a:tcPr/>
+                </a:tc>
+                <a:tc>
+                  <a:txBody>
+                    <a:bodyPr/>
+                    <a:lstStyle/>
+                    <a:p>
+                      <a:r>
+                        <a:rPr lang="fr-FR" sz="1400" b="1" kern="1200" dirty="0" smtClean="0">
+                          <a:solidFill>
+                            <a:schemeClr val="lt1"/>
+                          </a:solidFill>
+                          <a:latin typeface="+mn-lt"/>
+                          <a:ea typeface="+mn-ea"/>
+                          <a:cs typeface="+mn-cs"/>
+                        </a:rPr>
+                        <a:t>Traitement des</a:t>
+                      </a:r>
+                      <a:r>
+                        <a:rPr lang="fr-FR" sz="1400" b="1" kern="1200" baseline="0" dirty="0" smtClean="0">
+                          <a:solidFill>
+                            <a:schemeClr val="lt1"/>
+                          </a:solidFill>
+                          <a:latin typeface="+mn-lt"/>
+                          <a:ea typeface="+mn-ea"/>
+                          <a:cs typeface="+mn-cs"/>
+                        </a:rPr>
+                        <a:t>  </a:t>
+                      </a:r>
+                      <a:r>
+                        <a:rPr lang="fr-FR" sz="1400" b="1" kern="1200" dirty="0" smtClean="0">
+                          <a:solidFill>
+                            <a:schemeClr val="lt1"/>
+                          </a:solidFill>
+                          <a:latin typeface="+mn-lt"/>
+                          <a:ea typeface="+mn-ea"/>
+                          <a:cs typeface="+mn-cs"/>
+                        </a:rPr>
+                        <a:t>données brutes</a:t>
+                      </a:r>
+                      <a:endParaRPr lang="fr-FR" sz="1400" dirty="0"/>
+                    </a:p>
+                  </a:txBody>
+                  <a:tcPr marL="68580" marR="68580" marT="0" marB="0"/>
+                </a:tc>
+                <a:tc>
+                  <a:txBody>
+                    <a:bodyPr/>
+                    <a:lstStyle/>
+                    <a:p>
+                      <a:r>
+                        <a:rPr lang="fr-FR" sz="1400" b="1" kern="1200" dirty="0" smtClean="0">
+                          <a:solidFill>
+                            <a:schemeClr val="lt1"/>
+                          </a:solidFill>
+                          <a:latin typeface="+mn-lt"/>
+                          <a:ea typeface="+mn-ea"/>
+                          <a:cs typeface="+mn-cs"/>
+                        </a:rPr>
+                        <a:t>Gestion et </a:t>
+                      </a:r>
+                    </a:p>
+                    <a:p>
+                      <a:r>
+                        <a:rPr lang="fr-FR" sz="1400" b="1" kern="1200" dirty="0" smtClean="0">
+                          <a:solidFill>
+                            <a:schemeClr val="lt1"/>
+                          </a:solidFill>
+                          <a:latin typeface="+mn-lt"/>
+                          <a:ea typeface="+mn-ea"/>
+                          <a:cs typeface="+mn-cs"/>
+                        </a:rPr>
+                        <a:t> importation des données sur WAMP</a:t>
+                      </a:r>
+                      <a:endParaRPr lang="fr-FR" sz="1400" dirty="0"/>
+                    </a:p>
+                  </a:txBody>
+                  <a:tcPr/>
+                </a:tc>
+                <a:tc>
+                  <a:txBody>
+                    <a:bodyPr/>
+                    <a:lstStyle/>
+                    <a:p>
+                      <a:r>
+                        <a:rPr lang="fr-FR" sz="1400" dirty="0" smtClean="0"/>
+                        <a:t>Rapport </a:t>
+                      </a:r>
+                      <a:endParaRPr lang="fr-FR" sz="1400" dirty="0"/>
+                    </a:p>
+                  </a:txBody>
+                  <a:tcPr/>
+                </a:tc>
+                <a:tc>
+                  <a:txBody>
+                    <a:bodyPr/>
+                    <a:lstStyle/>
+                    <a:p>
+                      <a:r>
+                        <a:rPr lang="fr-FR" sz="1400" dirty="0" smtClean="0"/>
+                        <a:t>Présentation</a:t>
+                      </a:r>
+                    </a:p>
+                    <a:p>
+                      <a:r>
+                        <a:rPr lang="fr-FR" sz="1400" baseline="0" dirty="0" smtClean="0"/>
+                        <a:t>PowerPoint </a:t>
+                      </a:r>
+                      <a:endParaRPr lang="fr-FR" sz="1400" dirty="0"/>
+                    </a:p>
+                  </a:txBody>
+                  <a:tcPr/>
+                </a:tc>
+                <a:extLst>
+                  <a:ext uri="{0D108BD9-81ED-4DB2-BD59-A6C34878D82A}">
+                    <a16:rowId xmlns="" xmlns:a16="http://schemas.microsoft.com/office/drawing/2014/main" val="10000"/>
+                  </a:ext>
+                </a:extLst>
+              </a:tr>
+              <a:tr h="301151">
+                <a:tc>
+                  <a:txBody>
+                    <a:bodyPr/>
+                    <a:lstStyle/>
+                    <a:p>
+                      <a:r>
+                        <a:rPr lang="fr-FR" sz="1400" kern="1200" dirty="0" smtClean="0">
+                          <a:solidFill>
+                            <a:schemeClr val="dk1"/>
+                          </a:solidFill>
+                          <a:latin typeface="+mn-lt"/>
+                          <a:ea typeface="+mn-ea"/>
+                          <a:cs typeface="+mn-cs"/>
+                        </a:rPr>
+                        <a:t>KNAB</a:t>
+                      </a:r>
+                      <a:endParaRPr lang="fr-FR" sz="1400" dirty="0"/>
+                    </a:p>
+                  </a:txBody>
+                  <a:tcPr/>
+                </a:tc>
+                <a:tc>
+                  <a:txBody>
+                    <a:bodyPr/>
+                    <a:lstStyle/>
+                    <a:p>
+                      <a:r>
+                        <a:rPr lang="fr-FR" sz="1400" dirty="0" smtClean="0"/>
+                        <a:t>25%</a:t>
+                      </a:r>
+                      <a:endParaRPr lang="fr-FR" sz="1400" dirty="0"/>
+                    </a:p>
+                  </a:txBody>
+                  <a:tcPr/>
+                </a:tc>
+                <a:tc>
+                  <a:txBody>
+                    <a:bodyPr/>
+                    <a:lstStyle/>
+                    <a:p>
+                      <a:r>
+                        <a:rPr lang="fr-FR" sz="1400" dirty="0" smtClean="0"/>
+                        <a:t>45%</a:t>
+                      </a:r>
+                      <a:endParaRPr lang="fr-FR" sz="1400" dirty="0"/>
+                    </a:p>
+                  </a:txBody>
+                  <a:tcPr/>
+                </a:tc>
+                <a:tc>
+                  <a:txBody>
+                    <a:bodyPr/>
+                    <a:lstStyle/>
+                    <a:p>
+                      <a:endParaRPr lang="fr-FR" sz="1400" dirty="0"/>
+                    </a:p>
+                  </a:txBody>
+                  <a:tcPr/>
+                </a:tc>
+                <a:tc>
+                  <a:txBody>
+                    <a:bodyPr/>
+                    <a:lstStyle/>
+                    <a:p>
+                      <a:r>
+                        <a:rPr lang="fr-FR" sz="1400" dirty="0" smtClean="0"/>
+                        <a:t>100%</a:t>
+                      </a:r>
+                      <a:endParaRPr lang="fr-FR" sz="1400" dirty="0"/>
+                    </a:p>
+                  </a:txBody>
+                  <a:tcPr/>
+                </a:tc>
+                <a:tc>
+                  <a:txBody>
+                    <a:bodyPr/>
+                    <a:lstStyle/>
+                    <a:p>
+                      <a:r>
+                        <a:rPr lang="fr-FR" sz="1400" dirty="0" smtClean="0"/>
+                        <a:t>40%</a:t>
+                      </a:r>
+                      <a:endParaRPr lang="fr-FR" sz="1400" dirty="0"/>
+                    </a:p>
+                  </a:txBody>
+                  <a:tcPr/>
+                </a:tc>
+                <a:extLst>
+                  <a:ext uri="{0D108BD9-81ED-4DB2-BD59-A6C34878D82A}">
+                    <a16:rowId xmlns="" xmlns:a16="http://schemas.microsoft.com/office/drawing/2014/main" val="10001"/>
+                  </a:ext>
+                </a:extLst>
+              </a:tr>
+              <a:tr h="390819">
+                <a:tc>
+                  <a:txBody>
+                    <a:bodyPr/>
+                    <a:lstStyle/>
+                    <a:p>
+                      <a:r>
+                        <a:rPr lang="fr-FR" sz="1400" dirty="0" smtClean="0"/>
+                        <a:t>SAIDI</a:t>
+                      </a:r>
+                      <a:endParaRPr lang="fr-FR" sz="1400" dirty="0"/>
+                    </a:p>
+                  </a:txBody>
+                  <a:tcPr/>
+                </a:tc>
+                <a:tc>
+                  <a:txBody>
+                    <a:bodyPr/>
+                    <a:lstStyle/>
+                    <a:p>
+                      <a:r>
+                        <a:rPr lang="fr-FR" sz="1400" dirty="0" smtClean="0"/>
+                        <a:t>25%</a:t>
+                      </a:r>
+                      <a:endParaRPr lang="fr-FR" sz="1400" dirty="0"/>
+                    </a:p>
+                  </a:txBody>
+                  <a:tcPr/>
+                </a:tc>
+                <a:tc>
+                  <a:txBody>
+                    <a:bodyPr/>
+                    <a:lstStyle/>
+                    <a:p>
+                      <a:r>
+                        <a:rPr lang="fr-FR" sz="1400" dirty="0" smtClean="0"/>
+                        <a:t>45%</a:t>
+                      </a:r>
+                      <a:endParaRPr lang="fr-FR" sz="1400" dirty="0"/>
+                    </a:p>
+                  </a:txBody>
+                  <a:tcPr/>
+                </a:tc>
+                <a:tc>
+                  <a:txBody>
+                    <a:bodyPr/>
+                    <a:lstStyle/>
+                    <a:p>
+                      <a:r>
+                        <a:rPr lang="fr-FR" sz="1400" dirty="0" smtClean="0"/>
+                        <a:t>30%</a:t>
+                      </a:r>
+                      <a:endParaRPr lang="fr-FR" sz="1400" dirty="0"/>
+                    </a:p>
+                  </a:txBody>
+                  <a:tcPr/>
+                </a:tc>
+                <a:tc>
+                  <a:txBody>
+                    <a:bodyPr/>
+                    <a:lstStyle/>
+                    <a:p>
+                      <a:endParaRPr lang="fr-FR" sz="1400"/>
+                    </a:p>
+                  </a:txBody>
+                  <a:tcPr/>
+                </a:tc>
+                <a:tc>
+                  <a:txBody>
+                    <a:bodyPr/>
+                    <a:lstStyle/>
+                    <a:p>
+                      <a:endParaRPr lang="fr-FR" sz="1400" dirty="0"/>
+                    </a:p>
+                  </a:txBody>
+                  <a:tcPr/>
+                </a:tc>
+                <a:extLst>
+                  <a:ext uri="{0D108BD9-81ED-4DB2-BD59-A6C34878D82A}">
+                    <a16:rowId xmlns="" xmlns:a16="http://schemas.microsoft.com/office/drawing/2014/main" val="10002"/>
+                  </a:ext>
+                </a:extLst>
+              </a:tr>
+              <a:tr h="360040">
+                <a:tc>
+                  <a:txBody>
+                    <a:bodyPr/>
+                    <a:lstStyle/>
+                    <a:p>
+                      <a:r>
+                        <a:rPr lang="fr-FR" sz="1400" kern="1200" dirty="0" smtClean="0">
+                          <a:solidFill>
+                            <a:schemeClr val="dk1"/>
+                          </a:solidFill>
+                          <a:latin typeface="+mn-lt"/>
+                          <a:ea typeface="+mn-ea"/>
+                          <a:cs typeface="+mn-cs"/>
+                        </a:rPr>
+                        <a:t>TOURE</a:t>
+                      </a:r>
+                    </a:p>
+                  </a:txBody>
+                  <a:tcPr/>
+                </a:tc>
+                <a:tc>
+                  <a:txBody>
+                    <a:bodyPr/>
+                    <a:lstStyle/>
+                    <a:p>
+                      <a:r>
+                        <a:rPr lang="fr-FR" sz="1400" dirty="0" smtClean="0"/>
+                        <a:t>25%</a:t>
+                      </a:r>
+                      <a:endParaRPr lang="fr-FR" sz="1400" dirty="0"/>
+                    </a:p>
+                  </a:txBody>
+                  <a:tcPr/>
+                </a:tc>
+                <a:tc>
+                  <a:txBody>
+                    <a:bodyPr/>
+                    <a:lstStyle/>
+                    <a:p>
+                      <a:r>
+                        <a:rPr lang="fr-FR" sz="1400" dirty="0" smtClean="0"/>
+                        <a:t>5%</a:t>
+                      </a:r>
+                      <a:endParaRPr lang="fr-FR" sz="1400" dirty="0"/>
+                    </a:p>
+                  </a:txBody>
+                  <a:tcPr/>
+                </a:tc>
+                <a:tc>
+                  <a:txBody>
+                    <a:bodyPr/>
+                    <a:lstStyle/>
+                    <a:p>
+                      <a:r>
+                        <a:rPr lang="fr-FR" sz="1400" dirty="0" smtClean="0"/>
+                        <a:t>35%</a:t>
+                      </a:r>
+                      <a:endParaRPr lang="fr-FR" sz="1400" dirty="0"/>
+                    </a:p>
+                  </a:txBody>
+                  <a:tcPr/>
+                </a:tc>
+                <a:tc>
+                  <a:txBody>
+                    <a:bodyPr/>
+                    <a:lstStyle/>
+                    <a:p>
+                      <a:endParaRPr lang="fr-FR" sz="1400"/>
+                    </a:p>
+                  </a:txBody>
+                  <a:tcPr/>
+                </a:tc>
+                <a:tc>
+                  <a:txBody>
+                    <a:bodyPr/>
+                    <a:lstStyle/>
+                    <a:p>
+                      <a:endParaRPr lang="fr-FR" sz="1400" dirty="0"/>
+                    </a:p>
+                  </a:txBody>
+                  <a:tcPr/>
+                </a:tc>
+                <a:extLst>
+                  <a:ext uri="{0D108BD9-81ED-4DB2-BD59-A6C34878D82A}">
+                    <a16:rowId xmlns="" xmlns:a16="http://schemas.microsoft.com/office/drawing/2014/main" val="10003"/>
+                  </a:ext>
+                </a:extLst>
+              </a:tr>
+              <a:tr h="360040">
+                <a:tc>
+                  <a:txBody>
+                    <a:bodyPr/>
+                    <a:lstStyle/>
+                    <a:p>
+                      <a:r>
+                        <a:rPr lang="fr-FR" sz="1400" dirty="0" smtClean="0"/>
+                        <a:t>ZEKNOUN</a:t>
+                      </a:r>
+                      <a:endParaRPr lang="fr-FR" sz="1400" dirty="0"/>
+                    </a:p>
+                  </a:txBody>
+                  <a:tcPr/>
+                </a:tc>
+                <a:tc>
+                  <a:txBody>
+                    <a:bodyPr/>
+                    <a:lstStyle/>
+                    <a:p>
+                      <a:r>
+                        <a:rPr lang="fr-FR" sz="1400" dirty="0" smtClean="0"/>
+                        <a:t>25%</a:t>
+                      </a:r>
+                      <a:endParaRPr lang="fr-FR" sz="1400" dirty="0"/>
+                    </a:p>
+                  </a:txBody>
+                  <a:tcPr/>
+                </a:tc>
+                <a:tc>
+                  <a:txBody>
+                    <a:bodyPr/>
+                    <a:lstStyle/>
+                    <a:p>
+                      <a:r>
+                        <a:rPr lang="fr-FR" sz="1400" dirty="0" smtClean="0"/>
+                        <a:t>5%</a:t>
+                      </a:r>
+                      <a:endParaRPr lang="fr-FR" sz="1400" dirty="0"/>
+                    </a:p>
+                  </a:txBody>
+                  <a:tcPr/>
+                </a:tc>
+                <a:tc>
+                  <a:txBody>
+                    <a:bodyPr/>
+                    <a:lstStyle/>
+                    <a:p>
+                      <a:r>
+                        <a:rPr lang="fr-FR" sz="1400" dirty="0" smtClean="0"/>
+                        <a:t>35%</a:t>
+                      </a:r>
+                      <a:endParaRPr lang="fr-FR" sz="1400" dirty="0"/>
+                    </a:p>
+                  </a:txBody>
+                  <a:tcPr/>
+                </a:tc>
+                <a:tc>
+                  <a:txBody>
+                    <a:bodyPr/>
+                    <a:lstStyle/>
+                    <a:p>
+                      <a:endParaRPr lang="fr-FR" sz="1400" dirty="0"/>
+                    </a:p>
+                  </a:txBody>
+                  <a:tcPr/>
+                </a:tc>
+                <a:tc>
+                  <a:txBody>
+                    <a:bodyPr/>
+                    <a:lstStyle/>
+                    <a:p>
+                      <a:r>
+                        <a:rPr lang="fr-FR" sz="1400" dirty="0" smtClean="0"/>
+                        <a:t>60%</a:t>
+                      </a:r>
+                      <a:endParaRPr lang="fr-FR" sz="1400" dirty="0"/>
+                    </a:p>
+                  </a:txBody>
+                  <a:tcPr/>
+                </a:tc>
+                <a:extLst>
+                  <a:ext uri="{0D108BD9-81ED-4DB2-BD59-A6C34878D82A}">
+                    <a16:rowId xmlns="" xmlns:a16="http://schemas.microsoft.com/office/drawing/2014/main" val="10004"/>
+                  </a:ext>
+                </a:extLst>
+              </a:tr>
+            </a:tbl>
+          </a:graphicData>
+        </a:graphic>
+      </p:graphicFrame>
+      <p:sp>
+        <p:nvSpPr>
+          <p:cNvPr id="8" name="Pentagone 7"/>
           <p:cNvSpPr/>
           <p:nvPr/>
         </p:nvSpPr>
         <p:spPr>
           <a:xfrm>
-            <a:off x="1259633" y="195485"/>
-            <a:ext cx="1512167" cy="504056"/>
+            <a:off x="3300112" y="195486"/>
+            <a:ext cx="2207992" cy="504055"/>
           </a:xfrm>
           <a:prstGeom prst="homePlate">
             <a:avLst>
@@ -6405,7 +6493,9 @@
             </a:avLst>
           </a:prstGeom>
           <a:solidFill>
-            <a:srgbClr val="C3BDC0"/>
+            <a:schemeClr val="bg1">
+              <a:lumMod val="75000"/>
+            </a:schemeClr>
           </a:solidFill>
           <a:ln>
             <a:noFill/>
@@ -6431,35 +6521,28 @@
           <a:p>
             <a:pPr algn="ctr"/>
             <a:r>
-              <a:rPr lang="fr-FR" sz="1200" dirty="0" smtClean="0">
+              <a:rPr lang="fr-FR" sz="1400" dirty="0">
                 <a:solidFill>
                   <a:schemeClr val="bg1">
                     <a:lumMod val="50000"/>
                   </a:schemeClr>
                 </a:solidFill>
               </a:rPr>
-              <a:t>Gestion de projet</a:t>
-            </a:r>
-            <a:endParaRPr lang="fr-FR" sz="1200" dirty="0">
-              <a:solidFill>
-                <a:schemeClr val="bg1">
-                  <a:lumMod val="50000"/>
-                </a:schemeClr>
-              </a:solidFill>
-            </a:endParaRPr>
-          </a:p>
-        </p:txBody>
-      </p:sp>
-      <p:sp>
-        <p:nvSpPr>
-          <p:cNvPr id="8" name="Pentagone 7"/>
+              <a:t>Description technique</a:t>
+            </a:r>
+          </a:p>
+        </p:txBody>
+      </p:sp>
+      <p:sp>
+        <p:nvSpPr>
+          <p:cNvPr id="9" name="Pentagone 8"/>
           <p:cNvSpPr/>
           <p:nvPr/>
         </p:nvSpPr>
         <p:spPr>
           <a:xfrm>
-            <a:off x="2771800" y="195485"/>
-            <a:ext cx="1728192" cy="504056"/>
+            <a:off x="1653504" y="195485"/>
+            <a:ext cx="1646608" cy="504056"/>
           </a:xfrm>
           <a:prstGeom prst="homePlate">
             <a:avLst>
@@ -6493,93 +6576,22 @@
           <a:p>
             <a:pPr algn="ctr"/>
             <a:r>
-              <a:rPr lang="fr-FR" sz="1200" dirty="0" smtClean="0">
+              <a:rPr lang="fr-FR" sz="1400" dirty="0">
                 <a:solidFill>
                   <a:schemeClr val="bg1">
                     <a:lumMod val="50000"/>
                   </a:schemeClr>
                 </a:solidFill>
               </a:rPr>
-              <a:t>Description technique</a:t>
-            </a:r>
-            <a:endParaRPr lang="fr-FR" sz="1200" dirty="0">
-              <a:solidFill>
-                <a:schemeClr val="bg1">
-                  <a:lumMod val="50000"/>
-                </a:schemeClr>
-              </a:solidFill>
-            </a:endParaRPr>
-          </a:p>
-        </p:txBody>
-      </p:sp>
-      <p:pic>
-        <p:nvPicPr>
-          <p:cNvPr id="10" name="Image 9"/>
-          <p:cNvPicPr/>
-          <p:nvPr/>
-        </p:nvPicPr>
-        <p:blipFill rotWithShape="1">
-          <a:blip r:embed="rId3" cstate="print">
-            <a:extLst>
-              <a:ext uri="{28A0092B-C50C-407E-A947-70E740481C1C}">
-                <a14:useLocalDpi xmlns:a14="http://schemas.microsoft.com/office/drawing/2010/main" val="0"/>
-              </a:ext>
-            </a:extLst>
-          </a:blip>
-          <a:srcRect l="18383" t="5982" r="20520" b="6530"/>
-          <a:stretch/>
-        </p:blipFill>
-        <p:spPr bwMode="auto">
-          <a:xfrm>
-            <a:off x="8210836" y="4539125"/>
-            <a:ext cx="899592" cy="560602"/>
-          </a:xfrm>
-          <a:prstGeom prst="rect">
-            <a:avLst/>
-          </a:prstGeom>
-          <a:ln>
-            <a:noFill/>
-          </a:ln>
-          <a:extLst>
-            <a:ext uri="{53640926-AAD7-44D8-BBD7-CCE9431645EC}">
-              <a14:shadowObscured xmlns:a14="http://schemas.microsoft.com/office/drawing/2010/main"/>
-            </a:ext>
-          </a:extLst>
-        </p:spPr>
-      </p:pic>
-      <p:pic>
-        <p:nvPicPr>
-          <p:cNvPr id="12" name="Image 11"/>
-          <p:cNvPicPr/>
-          <p:nvPr/>
-        </p:nvPicPr>
-        <p:blipFill rotWithShape="1">
-          <a:blip r:embed="rId4" cstate="print"/>
-          <a:srcRect b="27590"/>
-          <a:stretch/>
-        </p:blipFill>
-        <p:spPr bwMode="auto">
-          <a:xfrm>
-            <a:off x="251520" y="1203598"/>
-            <a:ext cx="7848872" cy="3615827"/>
-          </a:xfrm>
-          <a:prstGeom prst="rect">
-            <a:avLst/>
-          </a:prstGeom>
-          <a:ln>
-            <a:noFill/>
-          </a:ln>
-          <a:extLst>
-            <a:ext uri="{53640926-AAD7-44D8-BBD7-CCE9431645EC}">
-              <a14:shadowObscured xmlns:a14="http://schemas.microsoft.com/office/drawing/2010/main"/>
-            </a:ext>
-          </a:extLst>
-        </p:spPr>
-      </p:pic>
+              <a:t>Démonstration</a:t>
+            </a:r>
+          </a:p>
+        </p:txBody>
+      </p:sp>
     </p:spTree>
     <p:extLst>
       <p:ext uri="{BB962C8B-B14F-4D97-AF65-F5344CB8AC3E}">
-        <p14:creationId xmlns:p14="http://schemas.microsoft.com/office/powerpoint/2010/main" val="3387892993"/>
+        <p14:creationId xmlns:p14="http://schemas.microsoft.com/office/powerpoint/2010/main" val="1285155555"/>
       </p:ext>
     </p:extLst>
   </p:cSld>
@@ -6613,6 +6625,41 @@
           <a:chExt cx="0" cy="0"/>
         </a:xfrm>
       </p:grpSpPr>
+      <p:pic>
+        <p:nvPicPr>
+          <p:cNvPr id="10" name="Image 9"/>
+          <p:cNvPicPr/>
+          <p:nvPr/>
+        </p:nvPicPr>
+        <p:blipFill rotWithShape="1">
+          <a:blip r:embed="rId2" cstate="print">
+            <a:extLst>
+              <a:ext uri="{28A0092B-C50C-407E-A947-70E740481C1C}">
+                <a14:useLocalDpi xmlns:a14="http://schemas.microsoft.com/office/drawing/2010/main" val="0"/>
+              </a:ext>
+            </a:extLst>
+          </a:blip>
+          <a:srcRect l="18383" t="5982" r="20520" b="6530"/>
+          <a:stretch/>
+        </p:blipFill>
+        <p:spPr bwMode="auto">
+          <a:xfrm>
+            <a:off x="8212799" y="4582898"/>
+            <a:ext cx="899592" cy="560602"/>
+          </a:xfrm>
+          <a:prstGeom prst="rect">
+            <a:avLst/>
+          </a:prstGeom>
+          <a:ln>
+            <a:noFill/>
+          </a:ln>
+          <a:extLst>
+            <a:ext uri="{53640926-AAD7-44D8-BBD7-CCE9431645EC}">
+              <a14:shadowObscured xmlns:a14="http://schemas.microsoft.com/office/drawing/2010/main"/>
+            </a:ext>
+          </a:extLst>
+        </p:spPr>
+      </p:pic>
       <p:sp>
         <p:nvSpPr>
           <p:cNvPr id="5" name="Pentagone 4"/>
@@ -6622,7 +6669,7 @@
         <p:spPr>
           <a:xfrm>
             <a:off x="6896" y="195485"/>
-            <a:ext cx="1252736" cy="504056"/>
+            <a:ext cx="1646608" cy="504056"/>
           </a:xfrm>
           <a:prstGeom prst="homePlate">
             <a:avLst>
@@ -6656,22 +6703,15 @@
           <a:p>
             <a:pPr algn="ctr"/>
             <a:r>
-              <a:rPr lang="fr-FR" sz="1200" dirty="0" smtClean="0">
+              <a:rPr lang="fr-FR" sz="1400" dirty="0">
                 <a:solidFill>
                   <a:schemeClr val="bg1">
                     <a:lumMod val="50000"/>
                   </a:schemeClr>
                 </a:solidFill>
               </a:rPr>
-              <a:t>Contexte</a:t>
-            </a:r>
-            <a:endParaRPr lang="fr-FR" sz="1200" dirty="0">
-              <a:solidFill>
-                <a:schemeClr val="bg1">
-                  <a:lumMod val="50000"/>
-                </a:schemeClr>
-              </a:solidFill>
-            </a:endParaRPr>
+              <a:t>Introduction</a:t>
+            </a:r>
           </a:p>
         </p:txBody>
       </p:sp>
@@ -6683,8 +6723,8 @@
         </p:nvSpPr>
         <p:spPr>
           <a:xfrm>
-            <a:off x="4499992" y="195486"/>
-            <a:ext cx="2520280" cy="504055"/>
+            <a:off x="5508104" y="195485"/>
+            <a:ext cx="2019663" cy="504055"/>
           </a:xfrm>
           <a:prstGeom prst="homePlate">
             <a:avLst/>
@@ -6719,22 +6759,58 @@
             <a:pPr algn="ctr"/>
             <a:r>
               <a:rPr lang="fr-FR" sz="1400" b="1" dirty="0" smtClean="0"/>
-              <a:t>Description fonctionnelle</a:t>
-            </a:r>
-            <a:endParaRPr lang="fr-FR" sz="1400" b="1" dirty="0" smtClean="0"/>
-          </a:p>
-        </p:txBody>
-      </p:sp>
-      <p:sp>
-        <p:nvSpPr>
-          <p:cNvPr id="7" name="Pentagone 6"/>
+              <a:t>Gestion de projet</a:t>
+            </a:r>
+          </a:p>
+        </p:txBody>
+      </p:sp>
+      <p:sp>
+        <p:nvSpPr>
+          <p:cNvPr id="11" name="Titre 1"/>
+          <p:cNvSpPr>
+            <a:spLocks noGrp="1"/>
+          </p:cNvSpPr>
+          <p:nvPr>
+            <p:ph type="title"/>
+          </p:nvPr>
+        </p:nvSpPr>
+        <p:spPr>
+          <a:xfrm>
+            <a:off x="395536" y="1131590"/>
+            <a:ext cx="3960440" cy="433557"/>
+          </a:xfrm>
+        </p:spPr>
+        <p:txBody>
+          <a:bodyPr/>
+          <a:lstStyle/>
+          <a:p>
+            <a:pPr marL="342900" indent="-342900">
+              <a:lnSpc>
+                <a:spcPct val="100000"/>
+              </a:lnSpc>
+              <a:spcBef>
+                <a:spcPts val="1200"/>
+              </a:spcBef>
+              <a:buFont typeface="Wingdings" panose="05000000000000000000" pitchFamily="2" charset="2"/>
+              <a:buChar char="Ø"/>
+            </a:pPr>
+            <a:r>
+              <a:rPr lang="fr-FR" sz="2000" dirty="0" smtClean="0"/>
+              <a:t>Difficultés rencontrées</a:t>
+            </a:r>
+          </a:p>
+        </p:txBody>
+      </p:sp>
+      <p:sp>
+        <p:nvSpPr>
+          <p:cNvPr id="8" name="Pentagone 7"/>
           <p:cNvSpPr/>
           <p:nvPr/>
         </p:nvSpPr>
         <p:spPr>
           <a:xfrm>
-            <a:off x="1259633" y="195485"/>
-            <a:ext cx="1512167" cy="504056"/>
+            <a:off x="3300112" y="195486"/>
+            <a:ext cx="2207992" cy="504055"/>
           </a:xfrm>
           <a:prstGeom prst="homePlate">
             <a:avLst>
@@ -6742,7 +6818,9 @@
             </a:avLst>
           </a:prstGeom>
           <a:solidFill>
-            <a:srgbClr val="C3BDC0"/>
+            <a:schemeClr val="bg1">
+              <a:lumMod val="75000"/>
+            </a:schemeClr>
           </a:solidFill>
           <a:ln>
             <a:noFill/>
@@ -6768,35 +6846,28 @@
           <a:p>
             <a:pPr algn="ctr"/>
             <a:r>
-              <a:rPr lang="fr-FR" sz="1200" dirty="0" smtClean="0">
+              <a:rPr lang="fr-FR" sz="1400" dirty="0">
                 <a:solidFill>
                   <a:schemeClr val="bg1">
                     <a:lumMod val="50000"/>
                   </a:schemeClr>
                 </a:solidFill>
               </a:rPr>
-              <a:t>Gestion de projet</a:t>
-            </a:r>
-            <a:endParaRPr lang="fr-FR" sz="1200" dirty="0">
-              <a:solidFill>
-                <a:schemeClr val="bg1">
-                  <a:lumMod val="50000"/>
-                </a:schemeClr>
-              </a:solidFill>
-            </a:endParaRPr>
-          </a:p>
-        </p:txBody>
-      </p:sp>
-      <p:sp>
-        <p:nvSpPr>
-          <p:cNvPr id="8" name="Pentagone 7"/>
+              <a:t>Description technique</a:t>
+            </a:r>
+          </a:p>
+        </p:txBody>
+      </p:sp>
+      <p:sp>
+        <p:nvSpPr>
+          <p:cNvPr id="9" name="Pentagone 8"/>
           <p:cNvSpPr/>
           <p:nvPr/>
         </p:nvSpPr>
         <p:spPr>
           <a:xfrm>
-            <a:off x="2771800" y="195485"/>
-            <a:ext cx="1728192" cy="504056"/>
+            <a:off x="1653504" y="195485"/>
+            <a:ext cx="1646608" cy="504056"/>
           </a:xfrm>
           <a:prstGeom prst="homePlate">
             <a:avLst>
@@ -6830,183 +6901,111 @@
           <a:p>
             <a:pPr algn="ctr"/>
             <a:r>
-              <a:rPr lang="fr-FR" sz="1200" dirty="0" smtClean="0">
+              <a:rPr lang="fr-FR" sz="1400" dirty="0">
                 <a:solidFill>
                   <a:schemeClr val="bg1">
                     <a:lumMod val="50000"/>
                   </a:schemeClr>
                 </a:solidFill>
               </a:rPr>
-              <a:t>Description technique</a:t>
-            </a:r>
-            <a:endParaRPr lang="fr-FR" sz="1200" dirty="0">
-              <a:solidFill>
-                <a:schemeClr val="bg1">
-                  <a:lumMod val="50000"/>
-                </a:schemeClr>
-              </a:solidFill>
-            </a:endParaRPr>
-          </a:p>
-        </p:txBody>
-      </p:sp>
-      <p:pic>
-        <p:nvPicPr>
-          <p:cNvPr id="10" name="Image 9"/>
-          <p:cNvPicPr/>
+              <a:t>Démonstration</a:t>
+            </a:r>
+          </a:p>
+        </p:txBody>
+      </p:sp>
+      <p:sp>
+        <p:nvSpPr>
+          <p:cNvPr id="2" name="ZoneTexte 1"/>
+          <p:cNvSpPr txBox="1"/>
           <p:nvPr/>
-        </p:nvPicPr>
-        <p:blipFill rotWithShape="1">
-          <a:blip r:embed="rId3" cstate="print">
-            <a:extLst>
-              <a:ext uri="{28A0092B-C50C-407E-A947-70E740481C1C}">
-                <a14:useLocalDpi xmlns:a14="http://schemas.microsoft.com/office/drawing/2010/main" val="0"/>
-              </a:ext>
-            </a:extLst>
-          </a:blip>
-          <a:srcRect l="18383" t="5982" r="20520" b="6530"/>
-          <a:stretch/>
-        </p:blipFill>
-        <p:spPr bwMode="auto">
-          <a:xfrm>
-            <a:off x="8210836" y="4539125"/>
-            <a:ext cx="899592" cy="560602"/>
+        </p:nvSpPr>
+        <p:spPr>
+          <a:xfrm>
+            <a:off x="551680" y="1851670"/>
+            <a:ext cx="7704856" cy="2031325"/>
           </a:xfrm>
           <a:prstGeom prst="rect">
             <a:avLst/>
           </a:prstGeom>
-          <a:ln>
-            <a:noFill/>
-          </a:ln>
-          <a:extLst>
-            <a:ext uri="{53640926-AAD7-44D8-BBD7-CCE9431645EC}">
-              <a14:shadowObscured xmlns:a14="http://schemas.microsoft.com/office/drawing/2010/main"/>
-            </a:ext>
-          </a:extLst>
-        </p:spPr>
-      </p:pic>
-      <p:pic>
-        <p:nvPicPr>
-          <p:cNvPr id="9" name="Image 8"/>
-          <p:cNvPicPr/>
-          <p:nvPr/>
-        </p:nvPicPr>
-        <p:blipFill rotWithShape="1">
-          <a:blip r:embed="rId4" cstate="print"/>
-          <a:srcRect b="36375"/>
-          <a:stretch/>
-        </p:blipFill>
-        <p:spPr bwMode="auto">
-          <a:xfrm>
-            <a:off x="179512" y="1746241"/>
-            <a:ext cx="7857716" cy="3073185"/>
-          </a:xfrm>
-          <a:prstGeom prst="rect">
-            <a:avLst/>
-          </a:prstGeom>
-          <a:ln>
-            <a:noFill/>
-          </a:ln>
-          <a:extLst>
-            <a:ext uri="{53640926-AAD7-44D8-BBD7-CCE9431645EC}">
-              <a14:shadowObscured xmlns:a14="http://schemas.microsoft.com/office/drawing/2010/main"/>
-            </a:ext>
-          </a:extLst>
-        </p:spPr>
-      </p:pic>
-      <p:sp>
-        <p:nvSpPr>
-          <p:cNvPr id="11" name="Titre 1"/>
-          <p:cNvSpPr>
-            <a:spLocks noGrp="1"/>
-          </p:cNvSpPr>
-          <p:nvPr>
-            <p:ph type="title"/>
-          </p:nvPr>
-        </p:nvSpPr>
-        <p:spPr>
-          <a:xfrm>
-            <a:off x="107504" y="1059582"/>
-            <a:ext cx="3816424" cy="433557"/>
-          </a:xfrm>
-        </p:spPr>
-        <p:txBody>
-          <a:bodyPr/>
+          <a:noFill/>
+        </p:spPr>
+        <p:txBody>
+          <a:bodyPr wrap="square" rtlCol="0">
+            <a:spAutoFit/>
+          </a:bodyPr>
           <a:lstStyle/>
           <a:p>
-            <a:pPr marL="342900" indent="-342900">
-              <a:lnSpc>
-                <a:spcPct val="100000"/>
-              </a:lnSpc>
-              <a:spcBef>
-                <a:spcPts val="1200"/>
-              </a:spcBef>
-              <a:buFont typeface="Wingdings" panose="05000000000000000000" pitchFamily="2" charset="2"/>
-              <a:buChar char="Ø"/>
+            <a:pPr marL="285750" indent="-285750">
+              <a:buFont typeface="Arial" panose="020B0604020202020204" pitchFamily="34" charset="0"/>
+              <a:buChar char="•"/>
             </a:pPr>
             <a:r>
-              <a:rPr lang="fr-FR" sz="1800" dirty="0" smtClean="0"/>
-              <a:t>Pages principales du site:</a:t>
-            </a:r>
-            <a:endParaRPr lang="fr-FR" sz="1800" dirty="0" smtClean="0"/>
-          </a:p>
-        </p:txBody>
-      </p:sp>
-      <p:sp>
-        <p:nvSpPr>
-          <p:cNvPr id="13" name="Titre 1"/>
-          <p:cNvSpPr txBox="1">
-            <a:spLocks/>
-          </p:cNvSpPr>
-          <p:nvPr/>
-        </p:nvSpPr>
-        <p:spPr>
-          <a:xfrm>
-            <a:off x="4676867" y="1186133"/>
-            <a:ext cx="3384376" cy="433557"/>
-          </a:xfrm>
-          <a:prstGeom prst="rect">
-            <a:avLst/>
-          </a:prstGeom>
-        </p:spPr>
-        <p:txBody>
-          <a:bodyPr anchor="ctr"/>
-          <a:lstStyle>
-            <a:lvl1pPr algn="l" defTabSz="914400" rtl="0" eaLnBrk="1" latinLnBrk="1" hangingPunct="1">
-              <a:spcBef>
-                <a:spcPct val="0"/>
-              </a:spcBef>
-              <a:buNone/>
-              <a:defRPr sz="3600" b="1" kern="1200">
-                <a:solidFill>
-                  <a:schemeClr val="tx1">
-                    <a:lumMod val="75000"/>
-                    <a:lumOff val="25000"/>
-                  </a:schemeClr>
-                </a:solidFill>
-                <a:latin typeface="Arial" pitchFamily="34" charset="0"/>
-                <a:ea typeface="+mj-ea"/>
-                <a:cs typeface="Arial" pitchFamily="34" charset="0"/>
-              </a:defRPr>
-            </a:lvl1pPr>
-          </a:lstStyle>
-          <a:p>
-            <a:pPr>
-              <a:spcBef>
-                <a:spcPts val="1200"/>
-              </a:spcBef>
+              <a:rPr lang="fr-FR" dirty="0" smtClean="0"/>
+              <a:t>Gestion des erreurs lors de l’inscription</a:t>
+            </a:r>
+          </a:p>
+          <a:p>
+            <a:pPr marL="285750" indent="-285750">
+              <a:buFont typeface="Arial" panose="020B0604020202020204" pitchFamily="34" charset="0"/>
+              <a:buChar char="•"/>
             </a:pPr>
-            <a:r>
-              <a:rPr lang="fr-FR" sz="1400" i="1" u="sng" dirty="0" smtClean="0"/>
-              <a:t>Création d’un compte entrepreneur</a:t>
-            </a:r>
-            <a:endParaRPr lang="fr-FR" sz="1400" i="1" u="sng" dirty="0" smtClean="0"/>
+            <a:endParaRPr lang="fr-FR" dirty="0"/>
+          </a:p>
+          <a:p>
+            <a:pPr marL="285750" indent="-285750">
+              <a:buFont typeface="Arial" panose="020B0604020202020204" pitchFamily="34" charset="0"/>
+              <a:buChar char="•"/>
+            </a:pPr>
+            <a:r>
+              <a:rPr lang="fr-FR" dirty="0" smtClean="0"/>
+              <a:t>Base de données insuffisante</a:t>
+            </a:r>
+          </a:p>
+          <a:p>
+            <a:endParaRPr lang="fr-FR" dirty="0" smtClean="0"/>
+          </a:p>
+          <a:p>
+            <a:pPr marL="285750" indent="-285750">
+              <a:buFont typeface="Arial" panose="020B0604020202020204" pitchFamily="34" charset="0"/>
+              <a:buChar char="•"/>
+            </a:pPr>
+            <a:r>
+              <a:rPr lang="fr-FR" dirty="0" smtClean="0"/>
+              <a:t>Gestion du temps </a:t>
+            </a:r>
+          </a:p>
+          <a:p>
+            <a:pPr marL="285750" indent="-285750">
+              <a:buFont typeface="Arial" panose="020B0604020202020204" pitchFamily="34" charset="0"/>
+              <a:buChar char="•"/>
+            </a:pPr>
+            <a:endParaRPr lang="fr-FR" dirty="0" smtClean="0"/>
+          </a:p>
+          <a:p>
+            <a:pPr marL="285750" indent="-285750">
+              <a:buFont typeface="Arial" panose="020B0604020202020204" pitchFamily="34" charset="0"/>
+              <a:buChar char="•"/>
+            </a:pPr>
+            <a:r>
+              <a:rPr lang="fr-FR" dirty="0" smtClean="0"/>
+              <a:t>Utilisation de </a:t>
+            </a:r>
+            <a:r>
+              <a:rPr lang="fr-FR" dirty="0" err="1" smtClean="0"/>
+              <a:t>javascript</a:t>
+            </a:r>
+            <a:r>
+              <a:rPr lang="fr-FR" dirty="0" smtClean="0"/>
+              <a:t> </a:t>
+            </a:r>
+            <a:endParaRPr lang="fr-FR" dirty="0"/>
           </a:p>
         </p:txBody>
       </p:sp>
     </p:spTree>
     <p:extLst>
       <p:ext uri="{BB962C8B-B14F-4D97-AF65-F5344CB8AC3E}">
-        <p14:creationId xmlns:p14="http://schemas.microsoft.com/office/powerpoint/2010/main" val="748933714"/>
+        <p14:creationId xmlns:p14="http://schemas.microsoft.com/office/powerpoint/2010/main" val="2325561663"/>
       </p:ext>
     </p:extLst>
   </p:cSld>
@@ -7040,6 +7039,41 @@
           <a:chExt cx="0" cy="0"/>
         </a:xfrm>
       </p:grpSpPr>
+      <p:pic>
+        <p:nvPicPr>
+          <p:cNvPr id="10" name="Image 9"/>
+          <p:cNvPicPr/>
+          <p:nvPr/>
+        </p:nvPicPr>
+        <p:blipFill rotWithShape="1">
+          <a:blip r:embed="rId2" cstate="print">
+            <a:extLst>
+              <a:ext uri="{28A0092B-C50C-407E-A947-70E740481C1C}">
+                <a14:useLocalDpi xmlns:a14="http://schemas.microsoft.com/office/drawing/2010/main" val="0"/>
+              </a:ext>
+            </a:extLst>
+          </a:blip>
+          <a:srcRect l="18383" t="5982" r="20520" b="6530"/>
+          <a:stretch/>
+        </p:blipFill>
+        <p:spPr bwMode="auto">
+          <a:xfrm>
+            <a:off x="8212799" y="4582898"/>
+            <a:ext cx="899592" cy="560602"/>
+          </a:xfrm>
+          <a:prstGeom prst="rect">
+            <a:avLst/>
+          </a:prstGeom>
+          <a:ln>
+            <a:noFill/>
+          </a:ln>
+          <a:extLst>
+            <a:ext uri="{53640926-AAD7-44D8-BBD7-CCE9431645EC}">
+              <a14:shadowObscured xmlns:a14="http://schemas.microsoft.com/office/drawing/2010/main"/>
+            </a:ext>
+          </a:extLst>
+        </p:spPr>
+      </p:pic>
       <p:sp>
         <p:nvSpPr>
           <p:cNvPr id="5" name="Pentagone 4"/>
@@ -7049,7 +7083,7 @@
         <p:spPr>
           <a:xfrm>
             <a:off x="6896" y="195485"/>
-            <a:ext cx="1252736" cy="504056"/>
+            <a:ext cx="1646608" cy="504056"/>
           </a:xfrm>
           <a:prstGeom prst="homePlate">
             <a:avLst>
@@ -7083,22 +7117,15 @@
           <a:p>
             <a:pPr algn="ctr"/>
             <a:r>
-              <a:rPr lang="fr-FR" sz="1200" dirty="0" smtClean="0">
+              <a:rPr lang="fr-FR" sz="1400" dirty="0">
                 <a:solidFill>
                   <a:schemeClr val="bg1">
                     <a:lumMod val="50000"/>
                   </a:schemeClr>
                 </a:solidFill>
               </a:rPr>
-              <a:t>Contexte</a:t>
-            </a:r>
-            <a:endParaRPr lang="fr-FR" sz="1200" dirty="0">
-              <a:solidFill>
-                <a:schemeClr val="bg1">
-                  <a:lumMod val="50000"/>
-                </a:schemeClr>
-              </a:solidFill>
-            </a:endParaRPr>
+              <a:t>Introduction</a:t>
+            </a:r>
           </a:p>
         </p:txBody>
       </p:sp>
@@ -7110,8 +7137,8 @@
         </p:nvSpPr>
         <p:spPr>
           <a:xfrm>
-            <a:off x="4499992" y="195486"/>
-            <a:ext cx="2520280" cy="504055"/>
+            <a:off x="5508104" y="195485"/>
+            <a:ext cx="2019663" cy="504055"/>
           </a:xfrm>
           <a:prstGeom prst="homePlate">
             <a:avLst/>
@@ -7146,22 +7173,58 @@
             <a:pPr algn="ctr"/>
             <a:r>
               <a:rPr lang="fr-FR" sz="1400" b="1" dirty="0" smtClean="0"/>
-              <a:t>Description fonctionnelle</a:t>
-            </a:r>
-            <a:endParaRPr lang="fr-FR" sz="1400" b="1" dirty="0" smtClean="0"/>
-          </a:p>
-        </p:txBody>
-      </p:sp>
-      <p:sp>
-        <p:nvSpPr>
-          <p:cNvPr id="7" name="Pentagone 6"/>
+              <a:t>Gestion de projet</a:t>
+            </a:r>
+          </a:p>
+        </p:txBody>
+      </p:sp>
+      <p:sp>
+        <p:nvSpPr>
+          <p:cNvPr id="11" name="Titre 1"/>
+          <p:cNvSpPr>
+            <a:spLocks noGrp="1"/>
+          </p:cNvSpPr>
+          <p:nvPr>
+            <p:ph type="title"/>
+          </p:nvPr>
+        </p:nvSpPr>
+        <p:spPr>
+          <a:xfrm>
+            <a:off x="395536" y="1131590"/>
+            <a:ext cx="3960440" cy="433557"/>
+          </a:xfrm>
+        </p:spPr>
+        <p:txBody>
+          <a:bodyPr/>
+          <a:lstStyle/>
+          <a:p>
+            <a:pPr marL="342900" indent="-342900">
+              <a:lnSpc>
+                <a:spcPct val="100000"/>
+              </a:lnSpc>
+              <a:spcBef>
+                <a:spcPts val="1200"/>
+              </a:spcBef>
+              <a:buFont typeface="Wingdings" panose="05000000000000000000" pitchFamily="2" charset="2"/>
+              <a:buChar char="Ø"/>
+            </a:pPr>
+            <a:r>
+              <a:rPr lang="fr-FR" sz="2000" dirty="0" smtClean="0"/>
+              <a:t>Adaptation du planning</a:t>
+            </a:r>
+          </a:p>
+        </p:txBody>
+      </p:sp>
+      <p:sp>
+        <p:nvSpPr>
+          <p:cNvPr id="8" name="Pentagone 7"/>
           <p:cNvSpPr/>
           <p:nvPr/>
         </p:nvSpPr>
         <p:spPr>
           <a:xfrm>
-            <a:off x="1259633" y="195485"/>
-            <a:ext cx="1512167" cy="504056"/>
+            <a:off x="3300112" y="195486"/>
+            <a:ext cx="2207992" cy="504055"/>
           </a:xfrm>
           <a:prstGeom prst="homePlate">
             <a:avLst>
@@ -7169,7 +7232,9 @@
             </a:avLst>
           </a:prstGeom>
           <a:solidFill>
-            <a:srgbClr val="C3BDC0"/>
+            <a:schemeClr val="bg1">
+              <a:lumMod val="75000"/>
+            </a:schemeClr>
           </a:solidFill>
           <a:ln>
             <a:noFill/>
@@ -7195,35 +7260,28 @@
           <a:p>
             <a:pPr algn="ctr"/>
             <a:r>
-              <a:rPr lang="fr-FR" sz="1200" dirty="0" smtClean="0">
+              <a:rPr lang="fr-FR" sz="1400" dirty="0">
                 <a:solidFill>
                   <a:schemeClr val="bg1">
                     <a:lumMod val="50000"/>
                   </a:schemeClr>
                 </a:solidFill>
               </a:rPr>
-              <a:t>Gestion de projet</a:t>
-            </a:r>
-            <a:endParaRPr lang="fr-FR" sz="1200" dirty="0">
-              <a:solidFill>
-                <a:schemeClr val="bg1">
-                  <a:lumMod val="50000"/>
-                </a:schemeClr>
-              </a:solidFill>
-            </a:endParaRPr>
-          </a:p>
-        </p:txBody>
-      </p:sp>
-      <p:sp>
-        <p:nvSpPr>
-          <p:cNvPr id="8" name="Pentagone 7"/>
+              <a:t>Description technique</a:t>
+            </a:r>
+          </a:p>
+        </p:txBody>
+      </p:sp>
+      <p:sp>
+        <p:nvSpPr>
+          <p:cNvPr id="9" name="Pentagone 8"/>
           <p:cNvSpPr/>
           <p:nvPr/>
         </p:nvSpPr>
         <p:spPr>
           <a:xfrm>
-            <a:off x="2771800" y="195485"/>
-            <a:ext cx="1728192" cy="504056"/>
+            <a:off x="1653504" y="195485"/>
+            <a:ext cx="1646608" cy="504056"/>
           </a:xfrm>
           <a:prstGeom prst="homePlate">
             <a:avLst>
@@ -7257,183 +7315,94 @@
           <a:p>
             <a:pPr algn="ctr"/>
             <a:r>
-              <a:rPr lang="fr-FR" sz="1200" dirty="0" smtClean="0">
+              <a:rPr lang="fr-FR" sz="1400" dirty="0">
                 <a:solidFill>
                   <a:schemeClr val="bg1">
                     <a:lumMod val="50000"/>
                   </a:schemeClr>
                 </a:solidFill>
               </a:rPr>
-              <a:t>Description technique</a:t>
-            </a:r>
-            <a:endParaRPr lang="fr-FR" sz="1200" dirty="0">
-              <a:solidFill>
-                <a:schemeClr val="bg1">
-                  <a:lumMod val="50000"/>
-                </a:schemeClr>
-              </a:solidFill>
-            </a:endParaRPr>
-          </a:p>
-        </p:txBody>
-      </p:sp>
-      <p:sp>
-        <p:nvSpPr>
-          <p:cNvPr id="11" name="Titre 1"/>
-          <p:cNvSpPr>
-            <a:spLocks noGrp="1"/>
-          </p:cNvSpPr>
-          <p:nvPr>
-            <p:ph type="title"/>
-          </p:nvPr>
+              <a:t>Démonstration</a:t>
+            </a:r>
+          </a:p>
+        </p:txBody>
+      </p:sp>
+      <p:sp>
+        <p:nvSpPr>
+          <p:cNvPr id="2" name="ZoneTexte 1"/>
+          <p:cNvSpPr txBox="1"/>
+          <p:nvPr/>
         </p:nvSpPr>
         <p:spPr>
           <a:xfrm>
-            <a:off x="107504" y="1059582"/>
-            <a:ext cx="3816424" cy="433557"/>
-          </a:xfrm>
-        </p:spPr>
-        <p:txBody>
-          <a:bodyPr/>
-          <a:lstStyle/>
-          <a:p>
-            <a:pPr marL="342900" indent="-342900">
-              <a:lnSpc>
-                <a:spcPct val="100000"/>
-              </a:lnSpc>
-              <a:spcBef>
-                <a:spcPts val="1200"/>
-              </a:spcBef>
-              <a:buFont typeface="Wingdings" panose="05000000000000000000" pitchFamily="2" charset="2"/>
-              <a:buChar char="Ø"/>
-            </a:pPr>
-            <a:r>
-              <a:rPr lang="fr-FR" sz="1800" dirty="0" smtClean="0"/>
-              <a:t>Pages principales du site:</a:t>
-            </a:r>
-            <a:endParaRPr lang="fr-FR" sz="1800" dirty="0" smtClean="0"/>
-          </a:p>
-        </p:txBody>
-      </p:sp>
-      <p:sp>
-        <p:nvSpPr>
-          <p:cNvPr id="13" name="Titre 1"/>
-          <p:cNvSpPr txBox="1">
-            <a:spLocks/>
-          </p:cNvSpPr>
-          <p:nvPr/>
-        </p:nvSpPr>
-        <p:spPr>
-          <a:xfrm>
-            <a:off x="5436096" y="1166839"/>
-            <a:ext cx="2448272" cy="433557"/>
+            <a:off x="551680" y="1923678"/>
+            <a:ext cx="7704856" cy="1477328"/>
           </a:xfrm>
           <a:prstGeom prst="rect">
             <a:avLst/>
           </a:prstGeom>
-        </p:spPr>
-        <p:txBody>
-          <a:bodyPr anchor="ctr"/>
-          <a:lstStyle>
-            <a:lvl1pPr algn="l" defTabSz="914400" rtl="0" eaLnBrk="1" latinLnBrk="1" hangingPunct="1">
-              <a:spcBef>
-                <a:spcPct val="0"/>
-              </a:spcBef>
-              <a:buNone/>
-              <a:defRPr sz="3600" b="1" kern="1200">
-                <a:solidFill>
-                  <a:schemeClr val="tx1">
-                    <a:lumMod val="75000"/>
-                    <a:lumOff val="25000"/>
-                  </a:schemeClr>
-                </a:solidFill>
-                <a:latin typeface="Arial" pitchFamily="34" charset="0"/>
-                <a:ea typeface="+mj-ea"/>
-                <a:cs typeface="Arial" pitchFamily="34" charset="0"/>
-              </a:defRPr>
-            </a:lvl1pPr>
-          </a:lstStyle>
-          <a:p>
-            <a:pPr>
-              <a:spcBef>
-                <a:spcPts val="1200"/>
-              </a:spcBef>
+          <a:noFill/>
+        </p:spPr>
+        <p:txBody>
+          <a:bodyPr wrap="square" rtlCol="0">
+            <a:spAutoFit/>
+          </a:bodyPr>
+          <a:lstStyle/>
+          <a:p>
+            <a:pPr marL="285750" indent="-285750">
+              <a:buFont typeface="Arial" panose="020B0604020202020204" pitchFamily="34" charset="0"/>
+              <a:buChar char="•"/>
             </a:pPr>
             <a:r>
-              <a:rPr lang="fr-FR" sz="1600" i="1" u="sng" dirty="0" smtClean="0"/>
-              <a:t>Résultat de l’enquête</a:t>
-            </a:r>
-            <a:endParaRPr lang="fr-FR" sz="1600" i="1" u="sng" dirty="0" smtClean="0"/>
-          </a:p>
-        </p:txBody>
-      </p:sp>
-      <p:pic>
-        <p:nvPicPr>
-          <p:cNvPr id="12" name="Image 11"/>
-          <p:cNvPicPr/>
-          <p:nvPr/>
-        </p:nvPicPr>
-        <p:blipFill rotWithShape="1">
-          <a:blip r:embed="rId3" cstate="print"/>
-          <a:srcRect b="16127"/>
-          <a:stretch/>
-        </p:blipFill>
-        <p:spPr bwMode="auto">
-          <a:xfrm>
-            <a:off x="467544" y="1707654"/>
-            <a:ext cx="8280920" cy="3168352"/>
-          </a:xfrm>
-          <a:prstGeom prst="rect">
-            <a:avLst/>
-          </a:prstGeom>
-          <a:ln>
-            <a:noFill/>
-          </a:ln>
-          <a:extLst>
-            <a:ext uri="{53640926-AAD7-44D8-BBD7-CCE9431645EC}">
-              <a14:shadowObscured xmlns:a14="http://schemas.microsoft.com/office/drawing/2010/main"/>
-            </a:ext>
-          </a:extLst>
-        </p:spPr>
-      </p:pic>
-      <p:pic>
-        <p:nvPicPr>
-          <p:cNvPr id="10" name="Image 9"/>
-          <p:cNvPicPr/>
-          <p:nvPr/>
-        </p:nvPicPr>
-        <p:blipFill rotWithShape="1">
-          <a:blip r:embed="rId4" cstate="print">
-            <a:extLst>
-              <a:ext uri="{28A0092B-C50C-407E-A947-70E740481C1C}">
-                <a14:useLocalDpi xmlns:a14="http://schemas.microsoft.com/office/drawing/2010/main" val="0"/>
-              </a:ext>
-            </a:extLst>
-          </a:blip>
-          <a:srcRect l="18383" t="5982" r="20520" b="6530"/>
-          <a:stretch/>
-        </p:blipFill>
-        <p:spPr bwMode="auto">
-          <a:xfrm>
-            <a:off x="8210836" y="4539125"/>
-            <a:ext cx="899592" cy="560602"/>
-          </a:xfrm>
-          <a:prstGeom prst="rect">
-            <a:avLst/>
-          </a:prstGeom>
-          <a:ln>
-            <a:noFill/>
-          </a:ln>
-          <a:extLst>
-            <a:ext uri="{53640926-AAD7-44D8-BBD7-CCE9431645EC}">
-              <a14:shadowObscured xmlns:a14="http://schemas.microsoft.com/office/drawing/2010/main"/>
-            </a:ext>
-          </a:extLst>
-        </p:spPr>
-      </p:pic>
+              <a:rPr lang="fr-FR" dirty="0" smtClean="0"/>
+              <a:t>Changement du planning par rapport à celui du cahier de charge </a:t>
+            </a:r>
+          </a:p>
+          <a:p>
+            <a:pPr marL="285750" indent="-285750">
+              <a:buFont typeface="Arial" panose="020B0604020202020204" pitchFamily="34" charset="0"/>
+              <a:buChar char="•"/>
+            </a:pPr>
+            <a:endParaRPr lang="fr-FR" dirty="0"/>
+          </a:p>
+          <a:p>
+            <a:pPr marL="285750" indent="-285750">
+              <a:buFont typeface="Arial" panose="020B0604020202020204" pitchFamily="34" charset="0"/>
+              <a:buChar char="•"/>
+            </a:pPr>
+            <a:r>
+              <a:rPr lang="fr-FR" dirty="0" smtClean="0"/>
+              <a:t>Cause principale : </a:t>
+            </a:r>
+            <a:r>
+              <a:rPr lang="fr-FR" dirty="0" smtClean="0"/>
+              <a:t>Grève étudiante </a:t>
+            </a:r>
+            <a:endParaRPr lang="fr-FR" dirty="0" smtClean="0"/>
+          </a:p>
+          <a:p>
+            <a:pPr marL="285750" indent="-285750">
+              <a:buFont typeface="Arial" panose="020B0604020202020204" pitchFamily="34" charset="0"/>
+              <a:buChar char="•"/>
+            </a:pPr>
+            <a:endParaRPr lang="fr-FR" dirty="0"/>
+          </a:p>
+          <a:p>
+            <a:pPr marL="285750" indent="-285750">
+              <a:buFont typeface="Arial" panose="020B0604020202020204" pitchFamily="34" charset="0"/>
+              <a:buChar char="•"/>
+            </a:pPr>
+            <a:r>
+              <a:rPr lang="fr-FR" dirty="0" smtClean="0"/>
+              <a:t>Adaptation : organisation du travail en dehors des cours</a:t>
+            </a:r>
+          </a:p>
+        </p:txBody>
+      </p:sp>
     </p:spTree>
     <p:extLst>
       <p:ext uri="{BB962C8B-B14F-4D97-AF65-F5344CB8AC3E}">
-        <p14:creationId xmlns:p14="http://schemas.microsoft.com/office/powerpoint/2010/main" val="3592689469"/>
+        <p14:creationId xmlns:p14="http://schemas.microsoft.com/office/powerpoint/2010/main" val="3800110582"/>
       </p:ext>
     </p:extLst>
   </p:cSld>
@@ -7469,243 +7438,7 @@
       </p:grpSpPr>
       <p:sp>
         <p:nvSpPr>
-          <p:cNvPr id="5" name="Pentagone 4"/>
-          <p:cNvSpPr/>
-          <p:nvPr/>
-        </p:nvSpPr>
-        <p:spPr>
-          <a:xfrm>
-            <a:off x="6896" y="195485"/>
-            <a:ext cx="1252736" cy="504056"/>
-          </a:xfrm>
-          <a:prstGeom prst="homePlate">
-            <a:avLst>
-              <a:gd name="adj" fmla="val 0"/>
-            </a:avLst>
-          </a:prstGeom>
-          <a:solidFill>
-            <a:srgbClr val="C3BDC0"/>
-          </a:solidFill>
-          <a:ln>
-            <a:noFill/>
-          </a:ln>
-        </p:spPr>
-        <p:style>
-          <a:lnRef idx="3">
-            <a:schemeClr val="lt1"/>
-          </a:lnRef>
-          <a:fillRef idx="1">
-            <a:schemeClr val="accent3"/>
-          </a:fillRef>
-          <a:effectRef idx="1">
-            <a:schemeClr val="accent3"/>
-          </a:effectRef>
-          <a:fontRef idx="minor">
-            <a:schemeClr val="lt1"/>
-          </a:fontRef>
-        </p:style>
-        <p:txBody>
-          <a:bodyPr rtlCol="0" anchor="ctr"/>
-          <a:lstStyle/>
-          <a:p>
-            <a:pPr algn="ctr"/>
-            <a:r>
-              <a:rPr lang="fr-FR" sz="1200" dirty="0" smtClean="0">
-                <a:solidFill>
-                  <a:schemeClr val="bg1">
-                    <a:lumMod val="50000"/>
-                  </a:schemeClr>
-                </a:solidFill>
-              </a:rPr>
-              <a:t>Contexte</a:t>
-            </a:r>
-            <a:endParaRPr lang="fr-FR" sz="1200" dirty="0">
-              <a:solidFill>
-                <a:schemeClr val="bg1">
-                  <a:lumMod val="50000"/>
-                </a:schemeClr>
-              </a:solidFill>
-            </a:endParaRPr>
-          </a:p>
-        </p:txBody>
-      </p:sp>
-      <p:sp>
-        <p:nvSpPr>
-          <p:cNvPr id="6" name="Pentagone 5"/>
-          <p:cNvSpPr/>
-          <p:nvPr/>
-        </p:nvSpPr>
-        <p:spPr>
-          <a:xfrm>
-            <a:off x="4499992" y="195486"/>
-            <a:ext cx="2520280" cy="504055"/>
-          </a:xfrm>
-          <a:prstGeom prst="homePlate">
-            <a:avLst/>
-          </a:prstGeom>
-          <a:solidFill>
-            <a:schemeClr val="tx2">
-              <a:lumMod val="75000"/>
-            </a:schemeClr>
-          </a:solidFill>
-          <a:ln>
-            <a:noFill/>
-          </a:ln>
-        </p:spPr>
-        <p:style>
-          <a:lnRef idx="3">
-            <a:schemeClr val="lt1"/>
-          </a:lnRef>
-          <a:fillRef idx="1">
-            <a:schemeClr val="accent3"/>
-          </a:fillRef>
-          <a:effectRef idx="1">
-            <a:schemeClr val="accent3"/>
-          </a:effectRef>
-          <a:fontRef idx="minor">
-            <a:schemeClr val="lt1"/>
-          </a:fontRef>
-        </p:style>
-        <p:txBody>
-          <a:bodyPr rtlCol="0" anchor="ctr"/>
-          <a:lstStyle/>
-          <a:p>
-            <a:pPr algn="ctr"/>
-            <a:r>
-              <a:rPr lang="fr-FR" sz="1400" b="1" dirty="0" smtClean="0"/>
-              <a:t>Description fonctionnelle</a:t>
-            </a:r>
-            <a:endParaRPr lang="fr-FR" sz="1400" b="1" dirty="0" smtClean="0"/>
-          </a:p>
-        </p:txBody>
-      </p:sp>
-      <p:sp>
-        <p:nvSpPr>
-          <p:cNvPr id="7" name="Pentagone 6"/>
-          <p:cNvSpPr/>
-          <p:nvPr/>
-        </p:nvSpPr>
-        <p:spPr>
-          <a:xfrm>
-            <a:off x="1259633" y="195485"/>
-            <a:ext cx="1512167" cy="504056"/>
-          </a:xfrm>
-          <a:prstGeom prst="homePlate">
-            <a:avLst>
-              <a:gd name="adj" fmla="val 0"/>
-            </a:avLst>
-          </a:prstGeom>
-          <a:solidFill>
-            <a:srgbClr val="C3BDC0"/>
-          </a:solidFill>
-          <a:ln>
-            <a:noFill/>
-          </a:ln>
-        </p:spPr>
-        <p:style>
-          <a:lnRef idx="3">
-            <a:schemeClr val="lt1"/>
-          </a:lnRef>
-          <a:fillRef idx="1">
-            <a:schemeClr val="accent3"/>
-          </a:fillRef>
-          <a:effectRef idx="1">
-            <a:schemeClr val="accent3"/>
-          </a:effectRef>
-          <a:fontRef idx="minor">
-            <a:schemeClr val="lt1"/>
-          </a:fontRef>
-        </p:style>
-        <p:txBody>
-          <a:bodyPr rtlCol="0" anchor="ctr"/>
-          <a:lstStyle/>
-          <a:p>
-            <a:pPr algn="ctr"/>
-            <a:r>
-              <a:rPr lang="fr-FR" sz="1200" dirty="0" smtClean="0">
-                <a:solidFill>
-                  <a:schemeClr val="bg1">
-                    <a:lumMod val="50000"/>
-                  </a:schemeClr>
-                </a:solidFill>
-              </a:rPr>
-              <a:t>Gestion de projet</a:t>
-            </a:r>
-            <a:endParaRPr lang="fr-FR" sz="1200" dirty="0">
-              <a:solidFill>
-                <a:schemeClr val="bg1">
-                  <a:lumMod val="50000"/>
-                </a:schemeClr>
-              </a:solidFill>
-            </a:endParaRPr>
-          </a:p>
-        </p:txBody>
-      </p:sp>
-      <p:sp>
-        <p:nvSpPr>
-          <p:cNvPr id="8" name="Pentagone 7"/>
-          <p:cNvSpPr/>
-          <p:nvPr/>
-        </p:nvSpPr>
-        <p:spPr>
-          <a:xfrm>
-            <a:off x="2771800" y="195485"/>
-            <a:ext cx="1728192" cy="504056"/>
-          </a:xfrm>
-          <a:prstGeom prst="homePlate">
-            <a:avLst>
-              <a:gd name="adj" fmla="val 0"/>
-            </a:avLst>
-          </a:prstGeom>
-          <a:solidFill>
-            <a:srgbClr val="C3BDC0"/>
-          </a:solidFill>
-          <a:ln>
-            <a:noFill/>
-          </a:ln>
-        </p:spPr>
-        <p:style>
-          <a:lnRef idx="3">
-            <a:schemeClr val="lt1"/>
-          </a:lnRef>
-          <a:fillRef idx="1">
-            <a:schemeClr val="accent3"/>
-          </a:fillRef>
-          <a:effectRef idx="1">
-            <a:schemeClr val="accent3"/>
-          </a:effectRef>
-          <a:fontRef idx="minor">
-            <a:schemeClr val="lt1"/>
-          </a:fontRef>
-        </p:style>
-        <p:txBody>
-          <a:bodyPr rtlCol="0" anchor="ctr"/>
-          <a:lstStyle/>
-          <a:p>
-            <a:pPr algn="ctr"/>
-            <a:r>
-              <a:rPr lang="fr-FR" sz="1200" dirty="0" smtClean="0">
-                <a:solidFill>
-                  <a:schemeClr val="bg1">
-                    <a:lumMod val="50000"/>
-                  </a:schemeClr>
-                </a:solidFill>
-              </a:rPr>
-              <a:t>Description technique</a:t>
-            </a:r>
-            <a:endParaRPr lang="fr-FR" sz="1200" dirty="0">
-              <a:solidFill>
-                <a:schemeClr val="bg1">
-                  <a:lumMod val="50000"/>
-                </a:schemeClr>
-              </a:solidFill>
-            </a:endParaRPr>
-          </a:p>
-        </p:txBody>
-      </p:sp>
-      <p:sp>
-        <p:nvSpPr>
-          <p:cNvPr id="11" name="Titre 1"/>
+          <p:cNvPr id="3" name="Title 2"/>
           <p:cNvSpPr>
             <a:spLocks noGrp="1"/>
           </p:cNvSpPr>
@@ -7713,146 +7446,195 @@
             <p:ph type="title"/>
           </p:nvPr>
         </p:nvSpPr>
-        <p:spPr>
-          <a:xfrm>
-            <a:off x="107504" y="1059582"/>
-            <a:ext cx="3816424" cy="433557"/>
-          </a:xfrm>
-        </p:spPr>
+        <p:spPr/>
         <p:txBody>
           <a:bodyPr/>
           <a:lstStyle/>
           <a:p>
-            <a:pPr marL="342900" indent="-342900">
-              <a:lnSpc>
-                <a:spcPct val="100000"/>
-              </a:lnSpc>
-              <a:spcBef>
-                <a:spcPts val="1200"/>
-              </a:spcBef>
-              <a:buFont typeface="Wingdings" panose="05000000000000000000" pitchFamily="2" charset="2"/>
-              <a:buChar char="Ø"/>
-            </a:pPr>
-            <a:r>
-              <a:rPr lang="fr-FR" sz="1800" dirty="0" smtClean="0"/>
-              <a:t>Pages principales du site:</a:t>
-            </a:r>
-            <a:endParaRPr lang="fr-FR" sz="1800" dirty="0" smtClean="0"/>
-          </a:p>
-        </p:txBody>
-      </p:sp>
-      <p:sp>
-        <p:nvSpPr>
-          <p:cNvPr id="13" name="Titre 1"/>
-          <p:cNvSpPr txBox="1">
-            <a:spLocks/>
-          </p:cNvSpPr>
+            <a:r>
+              <a:rPr lang="en-US" altLang="ko-KR" dirty="0" smtClean="0"/>
+              <a:t>Conclusion</a:t>
+            </a:r>
+            <a:endParaRPr lang="ko-KR" altLang="en-US" dirty="0"/>
+          </a:p>
+        </p:txBody>
+      </p:sp>
+      <p:sp>
+        <p:nvSpPr>
+          <p:cNvPr id="7" name="ZoneTexte 6"/>
+          <p:cNvSpPr txBox="1"/>
           <p:nvPr/>
         </p:nvSpPr>
         <p:spPr>
           <a:xfrm>
-            <a:off x="5364088" y="1163982"/>
-            <a:ext cx="2376264" cy="266338"/>
+            <a:off x="2806852" y="1260797"/>
+            <a:ext cx="5149524" cy="923330"/>
           </a:xfrm>
           <a:prstGeom prst="rect">
             <a:avLst/>
           </a:prstGeom>
-        </p:spPr>
-        <p:txBody>
-          <a:bodyPr anchor="ctr"/>
-          <a:lstStyle>
-            <a:lvl1pPr algn="l" defTabSz="914400" rtl="0" eaLnBrk="1" latinLnBrk="1" hangingPunct="1">
-              <a:spcBef>
-                <a:spcPct val="0"/>
-              </a:spcBef>
-              <a:buNone/>
-              <a:defRPr sz="3600" b="1" kern="1200">
-                <a:solidFill>
-                  <a:schemeClr val="tx1">
-                    <a:lumMod val="75000"/>
-                    <a:lumOff val="25000"/>
-                  </a:schemeClr>
-                </a:solidFill>
-                <a:latin typeface="Arial" pitchFamily="34" charset="0"/>
-                <a:ea typeface="+mj-ea"/>
-                <a:cs typeface="Arial" pitchFamily="34" charset="0"/>
-              </a:defRPr>
-            </a:lvl1pPr>
-          </a:lstStyle>
-          <a:p>
-            <a:pPr>
-              <a:spcBef>
-                <a:spcPts val="1200"/>
-              </a:spcBef>
+          <a:noFill/>
+        </p:spPr>
+        <p:txBody>
+          <a:bodyPr wrap="square" rtlCol="0">
+            <a:spAutoFit/>
+          </a:bodyPr>
+          <a:lstStyle/>
+          <a:p>
+            <a:pPr marL="342900" indent="-342900">
+              <a:buFont typeface="Wingdings" panose="05000000000000000000" pitchFamily="2" charset="2"/>
+              <a:buChar char="§"/>
             </a:pPr>
             <a:r>
-              <a:rPr lang="fr-FR" sz="1600" i="1" u="sng" dirty="0" smtClean="0"/>
-              <a:t>Liens utiles</a:t>
-            </a:r>
-            <a:endParaRPr lang="fr-FR" sz="1600" i="1" u="sng" dirty="0" smtClean="0"/>
+              <a:rPr lang="fr-FR" dirty="0" smtClean="0"/>
+              <a:t>Mise en pratique et développement de nos </a:t>
+            </a:r>
+            <a:r>
+              <a:rPr lang="fr-FR" dirty="0" smtClean="0"/>
+              <a:t>compétences </a:t>
+            </a:r>
+            <a:r>
+              <a:rPr lang="fr-FR" dirty="0" smtClean="0"/>
+              <a:t>en programmation </a:t>
+            </a:r>
+            <a:r>
+              <a:rPr lang="fr-FR" dirty="0" smtClean="0"/>
+              <a:t>   web </a:t>
+            </a:r>
+            <a:r>
+              <a:rPr lang="fr-FR" dirty="0" smtClean="0"/>
+              <a:t>et base de </a:t>
+            </a:r>
+            <a:r>
+              <a:rPr lang="fr-FR" dirty="0" smtClean="0"/>
+              <a:t>données</a:t>
+            </a:r>
+            <a:endParaRPr lang="fr-FR" dirty="0"/>
+          </a:p>
+        </p:txBody>
+      </p:sp>
+      <p:sp>
+        <p:nvSpPr>
+          <p:cNvPr id="8" name="ZoneTexte 7"/>
+          <p:cNvSpPr txBox="1"/>
+          <p:nvPr/>
+        </p:nvSpPr>
+        <p:spPr>
+          <a:xfrm>
+            <a:off x="2915816" y="2931790"/>
+            <a:ext cx="4680520" cy="646331"/>
+          </a:xfrm>
+          <a:prstGeom prst="rect">
+            <a:avLst/>
+          </a:prstGeom>
+          <a:noFill/>
+        </p:spPr>
+        <p:txBody>
+          <a:bodyPr wrap="square" rtlCol="0">
+            <a:spAutoFit/>
+          </a:bodyPr>
+          <a:lstStyle/>
+          <a:p>
+            <a:pPr marL="285750" indent="-285750">
+              <a:buFont typeface="Wingdings" panose="05000000000000000000" pitchFamily="2" charset="2"/>
+              <a:buChar char="§"/>
+            </a:pPr>
+            <a:r>
+              <a:rPr lang="fr-FR" dirty="0" smtClean="0"/>
+              <a:t>Contraintes de temps</a:t>
+            </a:r>
+          </a:p>
+          <a:p>
+            <a:pPr marL="285750" indent="-285750">
+              <a:buFont typeface="Wingdings" panose="05000000000000000000" pitchFamily="2" charset="2"/>
+              <a:buChar char="§"/>
+            </a:pPr>
+            <a:r>
+              <a:rPr lang="fr-FR" dirty="0" smtClean="0"/>
+              <a:t>Grève étudiante</a:t>
+            </a:r>
+            <a:endParaRPr lang="fr-FR" dirty="0"/>
           </a:p>
         </p:txBody>
       </p:sp>
       <p:pic>
         <p:nvPicPr>
-          <p:cNvPr id="10" name="Image 9"/>
-          <p:cNvPicPr/>
+          <p:cNvPr id="1026" name="Picture 2" descr="RÃ©sultat de recherche d'images pour &quot;avantages&quot;"/>
+          <p:cNvPicPr>
+            <a:picLocks noChangeAspect="1" noChangeArrowheads="1"/>
+          </p:cNvPicPr>
           <p:nvPr/>
         </p:nvPicPr>
-        <p:blipFill rotWithShape="1">
-          <a:blip r:embed="rId3" cstate="print">
+        <p:blipFill>
+          <a:blip r:embed="rId2" cstate="print">
             <a:extLst>
               <a:ext uri="{28A0092B-C50C-407E-A947-70E740481C1C}">
                 <a14:useLocalDpi xmlns:a14="http://schemas.microsoft.com/office/drawing/2010/main" val="0"/>
               </a:ext>
             </a:extLst>
           </a:blip>
-          <a:srcRect l="18383" t="5982" r="20520" b="6530"/>
-          <a:stretch/>
+          <a:srcRect/>
+          <a:stretch>
+            <a:fillRect/>
+          </a:stretch>
         </p:blipFill>
         <p:spPr bwMode="auto">
           <a:xfrm>
-            <a:off x="8210836" y="4539125"/>
-            <a:ext cx="899592" cy="560602"/>
+            <a:off x="1916015" y="1172240"/>
+            <a:ext cx="870832" cy="823446"/>
           </a:xfrm>
           <a:prstGeom prst="rect">
             <a:avLst/>
           </a:prstGeom>
-          <a:ln>
-            <a:noFill/>
-          </a:ln>
+          <a:noFill/>
           <a:extLst>
-            <a:ext uri="{53640926-AAD7-44D8-BBD7-CCE9431645EC}">
-              <a14:shadowObscured xmlns:a14="http://schemas.microsoft.com/office/drawing/2010/main"/>
+            <a:ext uri="{909E8E84-426E-40DD-AFC4-6F175D3DCCD1}">
+              <a14:hiddenFill xmlns:a14="http://schemas.microsoft.com/office/drawing/2010/main">
+                <a:solidFill>
+                  <a:srgbClr val="FFFFFF"/>
+                </a:solidFill>
+              </a14:hiddenFill>
             </a:ext>
           </a:extLst>
         </p:spPr>
       </p:pic>
       <p:pic>
         <p:nvPicPr>
-          <p:cNvPr id="14" name="Image 13"/>
-          <p:cNvPicPr/>
+          <p:cNvPr id="1028" name="Picture 4" descr="RÃ©sultat de recherche d'images pour &quot;inconvÃ©nient&quot;"/>
+          <p:cNvPicPr>
+            <a:picLocks noChangeAspect="1" noChangeArrowheads="1"/>
+          </p:cNvPicPr>
           <p:nvPr/>
         </p:nvPicPr>
-        <p:blipFill rotWithShape="1">
-          <a:blip r:embed="rId4" cstate="print"/>
-          <a:srcRect b="34940"/>
-          <a:stretch/>
+        <p:blipFill>
+          <a:blip r:embed="rId3">
+            <a:extLst>
+              <a:ext uri="{28A0092B-C50C-407E-A947-70E740481C1C}">
+                <a14:useLocalDpi xmlns:a14="http://schemas.microsoft.com/office/drawing/2010/main" val="0"/>
+              </a:ext>
+            </a:extLst>
+          </a:blip>
+          <a:srcRect/>
+          <a:stretch>
+            <a:fillRect/>
+          </a:stretch>
         </p:blipFill>
         <p:spPr bwMode="auto">
           <a:xfrm>
-            <a:off x="251521" y="1592879"/>
-            <a:ext cx="8640960" cy="3211120"/>
+            <a:off x="1916015" y="2684931"/>
+            <a:ext cx="999801" cy="999802"/>
           </a:xfrm>
           <a:prstGeom prst="rect">
             <a:avLst/>
           </a:prstGeom>
-          <a:ln>
-            <a:noFill/>
-          </a:ln>
+          <a:noFill/>
           <a:extLst>
-            <a:ext uri="{53640926-AAD7-44D8-BBD7-CCE9431645EC}">
-              <a14:shadowObscured xmlns:a14="http://schemas.microsoft.com/office/drawing/2010/main"/>
+            <a:ext uri="{909E8E84-426E-40DD-AFC4-6F175D3DCCD1}">
+              <a14:hiddenFill xmlns:a14="http://schemas.microsoft.com/office/drawing/2010/main">
+                <a:solidFill>
+                  <a:srgbClr val="FFFFFF"/>
+                </a:solidFill>
+              </a14:hiddenFill>
             </a:ext>
           </a:extLst>
         </p:spPr>
@@ -7860,7 +7642,7 @@
     </p:spTree>
     <p:extLst>
       <p:ext uri="{BB962C8B-B14F-4D97-AF65-F5344CB8AC3E}">
-        <p14:creationId xmlns:p14="http://schemas.microsoft.com/office/powerpoint/2010/main" val="2416694667"/>
+        <p14:creationId xmlns:p14="http://schemas.microsoft.com/office/powerpoint/2010/main" val="979107610"/>
       </p:ext>
     </p:extLst>
   </p:cSld>
@@ -7896,437 +7678,6 @@
       </p:grpSpPr>
       <p:sp>
         <p:nvSpPr>
-          <p:cNvPr id="5" name="Pentagone 4"/>
-          <p:cNvSpPr/>
-          <p:nvPr/>
-        </p:nvSpPr>
-        <p:spPr>
-          <a:xfrm>
-            <a:off x="6896" y="195485"/>
-            <a:ext cx="1252736" cy="504056"/>
-          </a:xfrm>
-          <a:prstGeom prst="homePlate">
-            <a:avLst>
-              <a:gd name="adj" fmla="val 0"/>
-            </a:avLst>
-          </a:prstGeom>
-          <a:solidFill>
-            <a:srgbClr val="C3BDC0"/>
-          </a:solidFill>
-          <a:ln>
-            <a:noFill/>
-          </a:ln>
-        </p:spPr>
-        <p:style>
-          <a:lnRef idx="3">
-            <a:schemeClr val="lt1"/>
-          </a:lnRef>
-          <a:fillRef idx="1">
-            <a:schemeClr val="accent3"/>
-          </a:fillRef>
-          <a:effectRef idx="1">
-            <a:schemeClr val="accent3"/>
-          </a:effectRef>
-          <a:fontRef idx="minor">
-            <a:schemeClr val="lt1"/>
-          </a:fontRef>
-        </p:style>
-        <p:txBody>
-          <a:bodyPr rtlCol="0" anchor="ctr"/>
-          <a:lstStyle/>
-          <a:p>
-            <a:pPr algn="ctr"/>
-            <a:r>
-              <a:rPr lang="fr-FR" sz="1200" dirty="0" smtClean="0">
-                <a:solidFill>
-                  <a:schemeClr val="bg1">
-                    <a:lumMod val="50000"/>
-                  </a:schemeClr>
-                </a:solidFill>
-              </a:rPr>
-              <a:t>Contexte</a:t>
-            </a:r>
-            <a:endParaRPr lang="fr-FR" sz="1200" dirty="0">
-              <a:solidFill>
-                <a:schemeClr val="bg1">
-                  <a:lumMod val="50000"/>
-                </a:schemeClr>
-              </a:solidFill>
-            </a:endParaRPr>
-          </a:p>
-        </p:txBody>
-      </p:sp>
-      <p:sp>
-        <p:nvSpPr>
-          <p:cNvPr id="6" name="Pentagone 5"/>
-          <p:cNvSpPr/>
-          <p:nvPr/>
-        </p:nvSpPr>
-        <p:spPr>
-          <a:xfrm>
-            <a:off x="4499992" y="195486"/>
-            <a:ext cx="2520280" cy="504055"/>
-          </a:xfrm>
-          <a:prstGeom prst="homePlate">
-            <a:avLst/>
-          </a:prstGeom>
-          <a:solidFill>
-            <a:schemeClr val="tx2">
-              <a:lumMod val="75000"/>
-            </a:schemeClr>
-          </a:solidFill>
-          <a:ln>
-            <a:noFill/>
-          </a:ln>
-        </p:spPr>
-        <p:style>
-          <a:lnRef idx="3">
-            <a:schemeClr val="lt1"/>
-          </a:lnRef>
-          <a:fillRef idx="1">
-            <a:schemeClr val="accent3"/>
-          </a:fillRef>
-          <a:effectRef idx="1">
-            <a:schemeClr val="accent3"/>
-          </a:effectRef>
-          <a:fontRef idx="minor">
-            <a:schemeClr val="lt1"/>
-          </a:fontRef>
-        </p:style>
-        <p:txBody>
-          <a:bodyPr rtlCol="0" anchor="ctr"/>
-          <a:lstStyle/>
-          <a:p>
-            <a:pPr algn="ctr"/>
-            <a:r>
-              <a:rPr lang="fr-FR" sz="1400" b="1" dirty="0" smtClean="0"/>
-              <a:t>Description fonctionnelle</a:t>
-            </a:r>
-            <a:endParaRPr lang="fr-FR" sz="1400" b="1" dirty="0" smtClean="0"/>
-          </a:p>
-        </p:txBody>
-      </p:sp>
-      <p:sp>
-        <p:nvSpPr>
-          <p:cNvPr id="7" name="Pentagone 6"/>
-          <p:cNvSpPr/>
-          <p:nvPr/>
-        </p:nvSpPr>
-        <p:spPr>
-          <a:xfrm>
-            <a:off x="1259633" y="195485"/>
-            <a:ext cx="1512167" cy="504056"/>
-          </a:xfrm>
-          <a:prstGeom prst="homePlate">
-            <a:avLst>
-              <a:gd name="adj" fmla="val 0"/>
-            </a:avLst>
-          </a:prstGeom>
-          <a:solidFill>
-            <a:srgbClr val="C3BDC0"/>
-          </a:solidFill>
-          <a:ln>
-            <a:noFill/>
-          </a:ln>
-        </p:spPr>
-        <p:style>
-          <a:lnRef idx="3">
-            <a:schemeClr val="lt1"/>
-          </a:lnRef>
-          <a:fillRef idx="1">
-            <a:schemeClr val="accent3"/>
-          </a:fillRef>
-          <a:effectRef idx="1">
-            <a:schemeClr val="accent3"/>
-          </a:effectRef>
-          <a:fontRef idx="minor">
-            <a:schemeClr val="lt1"/>
-          </a:fontRef>
-        </p:style>
-        <p:txBody>
-          <a:bodyPr rtlCol="0" anchor="ctr"/>
-          <a:lstStyle/>
-          <a:p>
-            <a:pPr algn="ctr"/>
-            <a:r>
-              <a:rPr lang="fr-FR" sz="1200" dirty="0" smtClean="0">
-                <a:solidFill>
-                  <a:schemeClr val="bg1">
-                    <a:lumMod val="50000"/>
-                  </a:schemeClr>
-                </a:solidFill>
-              </a:rPr>
-              <a:t>Gestion de projet</a:t>
-            </a:r>
-            <a:endParaRPr lang="fr-FR" sz="1200" dirty="0">
-              <a:solidFill>
-                <a:schemeClr val="bg1">
-                  <a:lumMod val="50000"/>
-                </a:schemeClr>
-              </a:solidFill>
-            </a:endParaRPr>
-          </a:p>
-        </p:txBody>
-      </p:sp>
-      <p:sp>
-        <p:nvSpPr>
-          <p:cNvPr id="8" name="Pentagone 7"/>
-          <p:cNvSpPr/>
-          <p:nvPr/>
-        </p:nvSpPr>
-        <p:spPr>
-          <a:xfrm>
-            <a:off x="2771800" y="195485"/>
-            <a:ext cx="1728192" cy="504056"/>
-          </a:xfrm>
-          <a:prstGeom prst="homePlate">
-            <a:avLst>
-              <a:gd name="adj" fmla="val 0"/>
-            </a:avLst>
-          </a:prstGeom>
-          <a:solidFill>
-            <a:srgbClr val="C3BDC0"/>
-          </a:solidFill>
-          <a:ln>
-            <a:noFill/>
-          </a:ln>
-        </p:spPr>
-        <p:style>
-          <a:lnRef idx="3">
-            <a:schemeClr val="lt1"/>
-          </a:lnRef>
-          <a:fillRef idx="1">
-            <a:schemeClr val="accent3"/>
-          </a:fillRef>
-          <a:effectRef idx="1">
-            <a:schemeClr val="accent3"/>
-          </a:effectRef>
-          <a:fontRef idx="minor">
-            <a:schemeClr val="lt1"/>
-          </a:fontRef>
-        </p:style>
-        <p:txBody>
-          <a:bodyPr rtlCol="0" anchor="ctr"/>
-          <a:lstStyle/>
-          <a:p>
-            <a:pPr algn="ctr"/>
-            <a:r>
-              <a:rPr lang="fr-FR" sz="1200" dirty="0" smtClean="0">
-                <a:solidFill>
-                  <a:schemeClr val="bg1">
-                    <a:lumMod val="50000"/>
-                  </a:schemeClr>
-                </a:solidFill>
-              </a:rPr>
-              <a:t>Description technique</a:t>
-            </a:r>
-            <a:endParaRPr lang="fr-FR" sz="1200" dirty="0">
-              <a:solidFill>
-                <a:schemeClr val="bg1">
-                  <a:lumMod val="50000"/>
-                </a:schemeClr>
-              </a:solidFill>
-            </a:endParaRPr>
-          </a:p>
-        </p:txBody>
-      </p:sp>
-      <p:sp>
-        <p:nvSpPr>
-          <p:cNvPr id="11" name="Titre 1"/>
-          <p:cNvSpPr>
-            <a:spLocks noGrp="1"/>
-          </p:cNvSpPr>
-          <p:nvPr>
-            <p:ph type="title"/>
-          </p:nvPr>
-        </p:nvSpPr>
-        <p:spPr>
-          <a:xfrm>
-            <a:off x="107504" y="1059582"/>
-            <a:ext cx="3816424" cy="433557"/>
-          </a:xfrm>
-        </p:spPr>
-        <p:txBody>
-          <a:bodyPr/>
-          <a:lstStyle/>
-          <a:p>
-            <a:pPr marL="342900" indent="-342900">
-              <a:lnSpc>
-                <a:spcPct val="100000"/>
-              </a:lnSpc>
-              <a:spcBef>
-                <a:spcPts val="1200"/>
-              </a:spcBef>
-              <a:buFont typeface="Wingdings" panose="05000000000000000000" pitchFamily="2" charset="2"/>
-              <a:buChar char="Ø"/>
-            </a:pPr>
-            <a:r>
-              <a:rPr lang="fr-FR" sz="1800" dirty="0" smtClean="0"/>
-              <a:t>Pages principales du site:</a:t>
-            </a:r>
-            <a:endParaRPr lang="fr-FR" sz="1800" dirty="0" smtClean="0"/>
-          </a:p>
-        </p:txBody>
-      </p:sp>
-      <p:sp>
-        <p:nvSpPr>
-          <p:cNvPr id="13" name="Titre 1"/>
-          <p:cNvSpPr txBox="1">
-            <a:spLocks/>
-          </p:cNvSpPr>
-          <p:nvPr/>
-        </p:nvSpPr>
-        <p:spPr>
-          <a:xfrm>
-            <a:off x="5364088" y="1163982"/>
-            <a:ext cx="2376264" cy="266338"/>
-          </a:xfrm>
-          <a:prstGeom prst="rect">
-            <a:avLst/>
-          </a:prstGeom>
-        </p:spPr>
-        <p:txBody>
-          <a:bodyPr anchor="ctr"/>
-          <a:lstStyle>
-            <a:lvl1pPr algn="l" defTabSz="914400" rtl="0" eaLnBrk="1" latinLnBrk="1" hangingPunct="1">
-              <a:spcBef>
-                <a:spcPct val="0"/>
-              </a:spcBef>
-              <a:buNone/>
-              <a:defRPr sz="3600" b="1" kern="1200">
-                <a:solidFill>
-                  <a:schemeClr val="tx1">
-                    <a:lumMod val="75000"/>
-                    <a:lumOff val="25000"/>
-                  </a:schemeClr>
-                </a:solidFill>
-                <a:latin typeface="Arial" pitchFamily="34" charset="0"/>
-                <a:ea typeface="+mj-ea"/>
-                <a:cs typeface="Arial" pitchFamily="34" charset="0"/>
-              </a:defRPr>
-            </a:lvl1pPr>
-          </a:lstStyle>
-          <a:p>
-            <a:pPr>
-              <a:spcBef>
-                <a:spcPts val="1200"/>
-              </a:spcBef>
-            </a:pPr>
-            <a:r>
-              <a:rPr lang="fr-FR" sz="1600" i="1" u="sng" dirty="0"/>
-              <a:t>S</a:t>
-            </a:r>
-            <a:r>
-              <a:rPr lang="fr-FR" sz="1600" i="1" u="sng" dirty="0" smtClean="0"/>
-              <a:t>tatistiques</a:t>
-            </a:r>
-            <a:endParaRPr lang="fr-FR" sz="1600" i="1" u="sng" dirty="0" smtClean="0"/>
-          </a:p>
-        </p:txBody>
-      </p:sp>
-      <p:pic>
-        <p:nvPicPr>
-          <p:cNvPr id="10" name="Image 9"/>
-          <p:cNvPicPr/>
-          <p:nvPr/>
-        </p:nvPicPr>
-        <p:blipFill rotWithShape="1">
-          <a:blip r:embed="rId3" cstate="print">
-            <a:extLst>
-              <a:ext uri="{28A0092B-C50C-407E-A947-70E740481C1C}">
-                <a14:useLocalDpi xmlns:a14="http://schemas.microsoft.com/office/drawing/2010/main" val="0"/>
-              </a:ext>
-            </a:extLst>
-          </a:blip>
-          <a:srcRect l="18383" t="5982" r="20520" b="6530"/>
-          <a:stretch/>
-        </p:blipFill>
-        <p:spPr bwMode="auto">
-          <a:xfrm>
-            <a:off x="8210836" y="4539125"/>
-            <a:ext cx="899592" cy="560602"/>
-          </a:xfrm>
-          <a:prstGeom prst="rect">
-            <a:avLst/>
-          </a:prstGeom>
-          <a:ln>
-            <a:noFill/>
-          </a:ln>
-          <a:extLst>
-            <a:ext uri="{53640926-AAD7-44D8-BBD7-CCE9431645EC}">
-              <a14:shadowObscured xmlns:a14="http://schemas.microsoft.com/office/drawing/2010/main"/>
-            </a:ext>
-          </a:extLst>
-        </p:spPr>
-      </p:pic>
-      <p:pic>
-        <p:nvPicPr>
-          <p:cNvPr id="12" name="Image 11"/>
-          <p:cNvPicPr/>
-          <p:nvPr/>
-        </p:nvPicPr>
-        <p:blipFill rotWithShape="1">
-          <a:blip r:embed="rId4" cstate="print"/>
-          <a:srcRect t="391" b="19655"/>
-          <a:stretch/>
-        </p:blipFill>
-        <p:spPr bwMode="auto">
-          <a:xfrm>
-            <a:off x="327351" y="1707655"/>
-            <a:ext cx="7989065" cy="3096343"/>
-          </a:xfrm>
-          <a:prstGeom prst="rect">
-            <a:avLst/>
-          </a:prstGeom>
-          <a:ln>
-            <a:noFill/>
-          </a:ln>
-          <a:extLst>
-            <a:ext uri="{53640926-AAD7-44D8-BBD7-CCE9431645EC}">
-              <a14:shadowObscured xmlns:a14="http://schemas.microsoft.com/office/drawing/2010/main"/>
-            </a:ext>
-          </a:extLst>
-        </p:spPr>
-      </p:pic>
-    </p:spTree>
-    <p:extLst>
-      <p:ext uri="{BB962C8B-B14F-4D97-AF65-F5344CB8AC3E}">
-        <p14:creationId xmlns:p14="http://schemas.microsoft.com/office/powerpoint/2010/main" val="2700181648"/>
-      </p:ext>
-    </p:extLst>
-  </p:cSld>
-  <p:clrMapOvr>
-    <a:masterClrMapping/>
-  </p:clrMapOvr>
-  <p:timing>
-    <p:tnLst>
-      <p:par>
-        <p:cTn id="1" dur="indefinite" restart="never" nodeType="tmRoot"/>
-      </p:par>
-    </p:tnLst>
-  </p:timing>
-</p:sld>
-</file>
-
-<file path=ppt/slides/slide16.xml><?xml version="1.0" encoding="utf-8"?>
-<p:sld xmlns:a="http://schemas.openxmlformats.org/drawingml/2006/main" xmlns:r="http://schemas.openxmlformats.org/officeDocument/2006/relationships" xmlns:p="http://schemas.openxmlformats.org/presentationml/2006/main">
-  <p:cSld>
-    <p:spTree>
-      <p:nvGrpSpPr>
-        <p:cNvPr id="1" name=""/>
-        <p:cNvGrpSpPr/>
-        <p:nvPr/>
-      </p:nvGrpSpPr>
-      <p:grpSpPr>
-        <a:xfrm>
-          <a:off x="0" y="0"/>
-          <a:ext cx="0" cy="0"/>
-          <a:chOff x="0" y="0"/>
-          <a:chExt cx="0" cy="0"/>
-        </a:xfrm>
-      </p:grpSpPr>
-      <p:sp>
-        <p:nvSpPr>
           <p:cNvPr id="3" name="Title 2"/>
           <p:cNvSpPr>
             <a:spLocks noGrp="1"/>
@@ -8357,7 +7708,7 @@
         <p:spPr>
           <a:xfrm>
             <a:off x="2806852" y="1260797"/>
-            <a:ext cx="6317578" cy="646331"/>
+            <a:ext cx="6317578" cy="369332"/>
           </a:xfrm>
           <a:prstGeom prst="rect">
             <a:avLst/>
@@ -8376,7 +7727,7 @@
             </a:pPr>
             <a:r>
               <a:rPr lang="fr-FR" dirty="0" smtClean="0"/>
-              <a:t>Mise en pratique et développement de nos compétences en programmation web et base de données.</a:t>
+              <a:t>Quelles perspectives ?</a:t>
             </a:r>
             <a:endParaRPr lang="fr-FR" dirty="0"/>
           </a:p>
@@ -8390,8 +7741,8 @@
         </p:nvSpPr>
         <p:spPr>
           <a:xfrm>
-            <a:off x="2915816" y="2931790"/>
-            <a:ext cx="4680520" cy="646331"/>
+            <a:off x="4139952" y="1923678"/>
+            <a:ext cx="4680520" cy="1200329"/>
           </a:xfrm>
           <a:prstGeom prst="rect">
             <a:avLst/>
@@ -8410,7 +7761,7 @@
             </a:pPr>
             <a:r>
               <a:rPr lang="fr-FR" dirty="0" smtClean="0"/>
-              <a:t>Contraintes de temps</a:t>
+              <a:t>Corrections des erreurs</a:t>
             </a:r>
           </a:p>
           <a:p>
@@ -8420,17 +7771,33 @@
             </a:pPr>
             <a:r>
               <a:rPr lang="fr-FR" dirty="0" smtClean="0"/>
-              <a:t>Grève étudiante</a:t>
-            </a:r>
+              <a:t>Notifications</a:t>
+            </a:r>
+          </a:p>
+          <a:p>
+            <a:pPr marL="285750" indent="-285750">
+              <a:buFont typeface="Wingdings" panose="05000000000000000000" pitchFamily="2" charset="2"/>
+              <a:buChar char="§"/>
+            </a:pPr>
+            <a:r>
+              <a:rPr lang="fr-FR" dirty="0" smtClean="0"/>
+              <a:t>Vérification des filières entrées</a:t>
+            </a:r>
+          </a:p>
+          <a:p>
+            <a:pPr marL="285750" indent="-285750">
+              <a:buFont typeface="Wingdings" panose="05000000000000000000" pitchFamily="2" charset="2"/>
+              <a:buChar char="§"/>
+            </a:pPr>
             <a:endParaRPr lang="fr-FR" dirty="0"/>
           </a:p>
         </p:txBody>
       </p:sp>
       <p:pic>
         <p:nvPicPr>
-          <p:cNvPr id="1026" name="Picture 2" descr="RÃ©sultat de recherche d'images pour &quot;avantages&quot;"/>
+          <p:cNvPr id="2" name="Image 1"/>
           <p:cNvPicPr>
-            <a:picLocks noChangeAspect="1" noChangeArrowheads="1"/>
+            <a:picLocks noChangeAspect="1"/>
           </p:cNvPicPr>
           <p:nvPr/>
         </p:nvPicPr>
@@ -8442,76 +7809,24 @@
               </a:ext>
             </a:extLst>
           </a:blip>
-          <a:srcRect/>
           <a:stretch>
             <a:fillRect/>
           </a:stretch>
         </p:blipFill>
-        <p:spPr bwMode="auto">
-          <a:xfrm>
-            <a:off x="1916015" y="1172240"/>
-            <a:ext cx="870832" cy="823446"/>
+        <p:spPr>
+          <a:xfrm>
+            <a:off x="6944444" y="2847008"/>
+            <a:ext cx="1851670" cy="1851670"/>
           </a:xfrm>
           <a:prstGeom prst="rect">
             <a:avLst/>
           </a:prstGeom>
-          <a:noFill/>
-          <a:extLst>
-            <a:ext uri="{909E8E84-426E-40DD-AFC4-6F175D3DCCD1}">
-              <a14:hiddenFill xmlns:a14="http://schemas.microsoft.com/office/drawing/2010/main">
-                <a:solidFill>
-                  <a:srgbClr val="FFFFFF"/>
-                </a:solidFill>
-              </a14:hiddenFill>
-            </a:ext>
-          </a:extLst>
-        </p:spPr>
-      </p:pic>
-      <p:pic>
-        <p:nvPicPr>
-          <p:cNvPr id="1028" name="Picture 4" descr="RÃ©sultat de recherche d'images pour &quot;inconvÃ©nient&quot;"/>
-          <p:cNvPicPr>
-            <a:picLocks noChangeAspect="1" noChangeArrowheads="1"/>
-          </p:cNvPicPr>
-          <p:nvPr/>
-        </p:nvPicPr>
-        <p:blipFill>
-          <a:blip r:embed="rId3">
-            <a:extLst>
-              <a:ext uri="{28A0092B-C50C-407E-A947-70E740481C1C}">
-                <a14:useLocalDpi xmlns:a14="http://schemas.microsoft.com/office/drawing/2010/main" val="0"/>
-              </a:ext>
-            </a:extLst>
-          </a:blip>
-          <a:srcRect/>
-          <a:stretch>
-            <a:fillRect/>
-          </a:stretch>
-        </p:blipFill>
-        <p:spPr bwMode="auto">
-          <a:xfrm>
-            <a:off x="1916015" y="2684931"/>
-            <a:ext cx="999801" cy="999802"/>
-          </a:xfrm>
-          <a:prstGeom prst="rect">
-            <a:avLst/>
-          </a:prstGeom>
-          <a:noFill/>
-          <a:extLst>
-            <a:ext uri="{909E8E84-426E-40DD-AFC4-6F175D3DCCD1}">
-              <a14:hiddenFill xmlns:a14="http://schemas.microsoft.com/office/drawing/2010/main">
-                <a:solidFill>
-                  <a:srgbClr val="FFFFFF"/>
-                </a:solidFill>
-              </a14:hiddenFill>
-            </a:ext>
-          </a:extLst>
         </p:spPr>
       </p:pic>
     </p:spTree>
     <p:extLst>
       <p:ext uri="{BB962C8B-B14F-4D97-AF65-F5344CB8AC3E}">
-        <p14:creationId xmlns:p14="http://schemas.microsoft.com/office/powerpoint/2010/main" val="979107610"/>
+        <p14:creationId xmlns:p14="http://schemas.microsoft.com/office/powerpoint/2010/main" val="2472887034"/>
       </p:ext>
     </p:extLst>
   </p:cSld>
@@ -8760,7 +8075,7 @@
             </a:pPr>
             <a:r>
               <a:rPr lang="fr-FR" sz="2400" dirty="0" smtClean="0"/>
-              <a:t>1. Gestion de projet</a:t>
+              <a:t>1. Démonstration</a:t>
             </a:r>
           </a:p>
           <a:p>
@@ -8782,7 +8097,7 @@
             </a:pPr>
             <a:r>
               <a:rPr lang="fr-FR" sz="2400" dirty="0" smtClean="0"/>
-              <a:t>3. Description fonctionnelle</a:t>
+              <a:t>3. Gestion de projet</a:t>
             </a:r>
           </a:p>
           <a:p>
@@ -8960,7 +8275,7 @@
             <a:pPr algn="ctr"/>
             <a:r>
               <a:rPr lang="fr-FR" sz="1400" b="1" dirty="0" smtClean="0"/>
-              <a:t>Contexte</a:t>
+              <a:t>Introduction</a:t>
             </a:r>
             <a:endParaRPr lang="fr-FR" sz="1400" b="1" dirty="0"/>
           </a:p>
@@ -9004,11 +8319,7 @@
             </a:pPr>
             <a:r>
               <a:rPr lang="fr-FR" sz="2000" dirty="0" smtClean="0"/>
-              <a:t>Recherche </a:t>
-            </a:r>
-            <a:r>
-              <a:rPr lang="fr-FR" sz="2000" dirty="0" smtClean="0"/>
-              <a:t>d’</a:t>
+              <a:t>Recherche d’</a:t>
             </a:r>
             <a:r>
               <a:rPr lang="fr-FR" sz="2000" b="1" dirty="0" smtClean="0">
@@ -9022,11 +8333,7 @@
             </a:r>
             <a:r>
               <a:rPr lang="fr-FR" sz="2000" dirty="0" smtClean="0"/>
-              <a:t> </a:t>
-            </a:r>
-            <a:r>
-              <a:rPr lang="fr-FR" sz="2000" dirty="0" smtClean="0"/>
-              <a:t>et de </a:t>
+              <a:t> et de </a:t>
             </a:r>
             <a:r>
               <a:rPr lang="fr-FR" sz="2000" b="1" dirty="0">
@@ -9042,7 +8349,6 @@
               <a:rPr lang="fr-FR" sz="2000" dirty="0" smtClean="0"/>
               <a:t> difficile</a:t>
             </a:r>
-            <a:endParaRPr lang="fr-FR" sz="2000" dirty="0" smtClean="0"/>
           </a:p>
           <a:p>
             <a:pPr lvl="1">
@@ -9105,7 +8411,6 @@
               <a:rPr lang="fr-FR" sz="1600" dirty="0" smtClean="0"/>
               <a:t>Solution trouvée: </a:t>
             </a:r>
-            <a:endParaRPr lang="fr-FR" sz="1600" dirty="0" smtClean="0"/>
           </a:p>
           <a:p>
             <a:pPr lvl="1"/>
@@ -9133,13 +8438,52 @@
             </a:r>
             <a:r>
               <a:rPr lang="fr-FR" sz="2000" dirty="0" smtClean="0"/>
-              <a:t> </a:t>
-            </a:r>
-            <a:r>
-              <a:rPr lang="fr-FR" sz="2000" dirty="0" smtClean="0"/>
-              <a:t>»</a:t>
+              <a:t> »</a:t>
             </a:r>
             <a:endParaRPr lang="fr-FR" sz="1600" dirty="0" smtClean="0"/>
+          </a:p>
+        </p:txBody>
+      </p:sp>
+      <p:sp>
+        <p:nvSpPr>
+          <p:cNvPr id="2" name="ZoneTexte 1"/>
+          <p:cNvSpPr txBox="1"/>
+          <p:nvPr/>
+        </p:nvSpPr>
+        <p:spPr>
+          <a:xfrm>
+            <a:off x="136525" y="1059582"/>
+            <a:ext cx="1460656" cy="369332"/>
+          </a:xfrm>
+          <a:prstGeom prst="rect">
+            <a:avLst/>
+          </a:prstGeom>
+          <a:noFill/>
+        </p:spPr>
+        <p:txBody>
+          <a:bodyPr wrap="none" rtlCol="0">
+            <a:spAutoFit/>
+          </a:bodyPr>
+          <a:lstStyle/>
+          <a:p>
+            <a:pPr marL="285750" indent="-285750">
+              <a:buFont typeface="Wingdings" panose="05000000000000000000" pitchFamily="2" charset="2"/>
+              <a:buChar char="Ø"/>
+            </a:pPr>
+            <a:r>
+              <a:rPr lang="fr-FR" b="1" dirty="0">
+                <a:solidFill>
+                  <a:schemeClr val="tx1">
+                    <a:lumMod val="75000"/>
+                    <a:lumOff val="25000"/>
+                  </a:schemeClr>
+                </a:solidFill>
+                <a:latin typeface="Arial" pitchFamily="34" charset="0"/>
+                <a:ea typeface="+mj-ea"/>
+                <a:cs typeface="Arial" pitchFamily="34" charset="0"/>
+              </a:rPr>
+              <a:t>Contexte</a:t>
+            </a:r>
           </a:p>
         </p:txBody>
       </p:sp>
@@ -9180,6 +8524,714 @@
           <a:chExt cx="0" cy="0"/>
         </a:xfrm>
       </p:grpSpPr>
+      <p:sp>
+        <p:nvSpPr>
+          <p:cNvPr id="11" name="Titre 1"/>
+          <p:cNvSpPr>
+            <a:spLocks noGrp="1"/>
+          </p:cNvSpPr>
+          <p:nvPr>
+            <p:ph type="title"/>
+          </p:nvPr>
+        </p:nvSpPr>
+        <p:spPr>
+          <a:xfrm>
+            <a:off x="107504" y="1059582"/>
+            <a:ext cx="3816424" cy="433557"/>
+          </a:xfrm>
+        </p:spPr>
+        <p:txBody>
+          <a:bodyPr/>
+          <a:lstStyle/>
+          <a:p>
+            <a:pPr marL="342900" indent="-342900">
+              <a:lnSpc>
+                <a:spcPct val="100000"/>
+              </a:lnSpc>
+              <a:spcBef>
+                <a:spcPts val="1200"/>
+              </a:spcBef>
+              <a:buFont typeface="Wingdings" panose="05000000000000000000" pitchFamily="2" charset="2"/>
+              <a:buChar char="Ø"/>
+            </a:pPr>
+            <a:r>
+              <a:rPr lang="fr-FR" sz="1800" dirty="0"/>
+              <a:t>Résultat de l’enquête</a:t>
+            </a:r>
+          </a:p>
+        </p:txBody>
+      </p:sp>
+      <p:sp>
+        <p:nvSpPr>
+          <p:cNvPr id="13" name="Titre 1"/>
+          <p:cNvSpPr txBox="1">
+            <a:spLocks/>
+          </p:cNvSpPr>
+          <p:nvPr/>
+        </p:nvSpPr>
+        <p:spPr>
+          <a:xfrm>
+            <a:off x="5436096" y="1166839"/>
+            <a:ext cx="2448272" cy="433557"/>
+          </a:xfrm>
+          <a:prstGeom prst="rect">
+            <a:avLst/>
+          </a:prstGeom>
+        </p:spPr>
+        <p:txBody>
+          <a:bodyPr anchor="ctr"/>
+          <a:lstStyle>
+            <a:lvl1pPr algn="l" defTabSz="914400" rtl="0" eaLnBrk="1" latinLnBrk="1" hangingPunct="1">
+              <a:spcBef>
+                <a:spcPct val="0"/>
+              </a:spcBef>
+              <a:buNone/>
+              <a:defRPr sz="3600" b="1" kern="1200">
+                <a:solidFill>
+                  <a:schemeClr val="tx1">
+                    <a:lumMod val="75000"/>
+                    <a:lumOff val="25000"/>
+                  </a:schemeClr>
+                </a:solidFill>
+                <a:latin typeface="Arial" pitchFamily="34" charset="0"/>
+                <a:ea typeface="+mj-ea"/>
+                <a:cs typeface="Arial" pitchFamily="34" charset="0"/>
+              </a:defRPr>
+            </a:lvl1pPr>
+          </a:lstStyle>
+          <a:p>
+            <a:pPr>
+              <a:spcBef>
+                <a:spcPts val="1200"/>
+              </a:spcBef>
+            </a:pPr>
+            <a:endParaRPr lang="fr-FR" sz="1600" i="1" u="sng" dirty="0" smtClean="0"/>
+          </a:p>
+        </p:txBody>
+      </p:sp>
+      <p:pic>
+        <p:nvPicPr>
+          <p:cNvPr id="12" name="Image 11"/>
+          <p:cNvPicPr/>
+          <p:nvPr/>
+        </p:nvPicPr>
+        <p:blipFill rotWithShape="1">
+          <a:blip r:embed="rId3" cstate="print"/>
+          <a:srcRect b="16127"/>
+          <a:stretch/>
+        </p:blipFill>
+        <p:spPr bwMode="auto">
+          <a:xfrm>
+            <a:off x="467544" y="1707654"/>
+            <a:ext cx="8280920" cy="3168352"/>
+          </a:xfrm>
+          <a:prstGeom prst="rect">
+            <a:avLst/>
+          </a:prstGeom>
+          <a:ln>
+            <a:noFill/>
+          </a:ln>
+          <a:extLst>
+            <a:ext uri="{53640926-AAD7-44D8-BBD7-CCE9431645EC}">
+              <a14:shadowObscured xmlns:a14="http://schemas.microsoft.com/office/drawing/2010/main"/>
+            </a:ext>
+          </a:extLst>
+        </p:spPr>
+      </p:pic>
+      <p:pic>
+        <p:nvPicPr>
+          <p:cNvPr id="10" name="Image 9"/>
+          <p:cNvPicPr/>
+          <p:nvPr/>
+        </p:nvPicPr>
+        <p:blipFill rotWithShape="1">
+          <a:blip r:embed="rId4" cstate="print">
+            <a:extLst>
+              <a:ext uri="{28A0092B-C50C-407E-A947-70E740481C1C}">
+                <a14:useLocalDpi xmlns:a14="http://schemas.microsoft.com/office/drawing/2010/main" val="0"/>
+              </a:ext>
+            </a:extLst>
+          </a:blip>
+          <a:srcRect l="18383" t="5982" r="20520" b="6530"/>
+          <a:stretch/>
+        </p:blipFill>
+        <p:spPr bwMode="auto">
+          <a:xfrm>
+            <a:off x="8210836" y="4539125"/>
+            <a:ext cx="899592" cy="560602"/>
+          </a:xfrm>
+          <a:prstGeom prst="rect">
+            <a:avLst/>
+          </a:prstGeom>
+          <a:ln>
+            <a:noFill/>
+          </a:ln>
+          <a:extLst>
+            <a:ext uri="{53640926-AAD7-44D8-BBD7-CCE9431645EC}">
+              <a14:shadowObscured xmlns:a14="http://schemas.microsoft.com/office/drawing/2010/main"/>
+            </a:ext>
+          </a:extLst>
+        </p:spPr>
+      </p:pic>
+      <p:sp>
+        <p:nvSpPr>
+          <p:cNvPr id="14" name="Pentagone 13"/>
+          <p:cNvSpPr/>
+          <p:nvPr/>
+        </p:nvSpPr>
+        <p:spPr>
+          <a:xfrm>
+            <a:off x="0" y="214589"/>
+            <a:ext cx="1475656" cy="412945"/>
+          </a:xfrm>
+          <a:prstGeom prst="homePlate">
+            <a:avLst/>
+          </a:prstGeom>
+          <a:solidFill>
+            <a:schemeClr val="tx2">
+              <a:lumMod val="75000"/>
+            </a:schemeClr>
+          </a:solidFill>
+          <a:ln>
+            <a:noFill/>
+          </a:ln>
+        </p:spPr>
+        <p:style>
+          <a:lnRef idx="3">
+            <a:schemeClr val="lt1"/>
+          </a:lnRef>
+          <a:fillRef idx="1">
+            <a:schemeClr val="accent3"/>
+          </a:fillRef>
+          <a:effectRef idx="1">
+            <a:schemeClr val="accent3"/>
+          </a:effectRef>
+          <a:fontRef idx="minor">
+            <a:schemeClr val="lt1"/>
+          </a:fontRef>
+        </p:style>
+        <p:txBody>
+          <a:bodyPr rtlCol="0" anchor="ctr"/>
+          <a:lstStyle/>
+          <a:p>
+            <a:pPr algn="ctr"/>
+            <a:r>
+              <a:rPr lang="fr-FR" sz="1400" b="1" dirty="0" smtClean="0"/>
+              <a:t>Introduction</a:t>
+            </a:r>
+            <a:endParaRPr lang="fr-FR" sz="1400" b="1" dirty="0"/>
+          </a:p>
+        </p:txBody>
+      </p:sp>
+    </p:spTree>
+    <p:extLst>
+      <p:ext uri="{BB962C8B-B14F-4D97-AF65-F5344CB8AC3E}">
+        <p14:creationId xmlns:p14="http://schemas.microsoft.com/office/powerpoint/2010/main" val="3592689469"/>
+      </p:ext>
+    </p:extLst>
+  </p:cSld>
+  <p:clrMapOvr>
+    <a:masterClrMapping/>
+  </p:clrMapOvr>
+  <p:timing>
+    <p:tnLst>
+      <p:par>
+        <p:cTn id="1" dur="indefinite" restart="never" nodeType="tmRoot"/>
+      </p:par>
+    </p:tnLst>
+  </p:timing>
+</p:sld>
+</file>
+
+<file path=ppt/slides/slide5.xml><?xml version="1.0" encoding="utf-8"?>
+<p:sld xmlns:a="http://schemas.openxmlformats.org/drawingml/2006/main" xmlns:r="http://schemas.openxmlformats.org/officeDocument/2006/relationships" xmlns:p="http://schemas.openxmlformats.org/presentationml/2006/main">
+  <p:cSld>
+    <p:spTree>
+      <p:nvGrpSpPr>
+        <p:cNvPr id="1" name=""/>
+        <p:cNvGrpSpPr/>
+        <p:nvPr/>
+      </p:nvGrpSpPr>
+      <p:grpSpPr>
+        <a:xfrm>
+          <a:off x="0" y="0"/>
+          <a:ext cx="0" cy="0"/>
+          <a:chOff x="0" y="0"/>
+          <a:chExt cx="0" cy="0"/>
+        </a:xfrm>
+      </p:grpSpPr>
+      <p:sp>
+        <p:nvSpPr>
+          <p:cNvPr id="11" name="Titre 1"/>
+          <p:cNvSpPr>
+            <a:spLocks noGrp="1"/>
+          </p:cNvSpPr>
+          <p:nvPr>
+            <p:ph type="title"/>
+          </p:nvPr>
+        </p:nvSpPr>
+        <p:spPr>
+          <a:xfrm>
+            <a:off x="107504" y="1059582"/>
+            <a:ext cx="3816424" cy="433557"/>
+          </a:xfrm>
+        </p:spPr>
+        <p:txBody>
+          <a:bodyPr/>
+          <a:lstStyle/>
+          <a:p>
+            <a:pPr marL="342900" indent="-342900">
+              <a:lnSpc>
+                <a:spcPct val="100000"/>
+              </a:lnSpc>
+              <a:spcBef>
+                <a:spcPts val="1200"/>
+              </a:spcBef>
+              <a:buFont typeface="Wingdings" panose="05000000000000000000" pitchFamily="2" charset="2"/>
+              <a:buChar char="Ø"/>
+            </a:pPr>
+            <a:r>
+              <a:rPr lang="fr-FR" sz="1800" dirty="0"/>
+              <a:t>Liens utiles</a:t>
+            </a:r>
+          </a:p>
+        </p:txBody>
+      </p:sp>
+      <p:sp>
+        <p:nvSpPr>
+          <p:cNvPr id="13" name="Titre 1"/>
+          <p:cNvSpPr txBox="1">
+            <a:spLocks/>
+          </p:cNvSpPr>
+          <p:nvPr/>
+        </p:nvSpPr>
+        <p:spPr>
+          <a:xfrm>
+            <a:off x="5364088" y="1163982"/>
+            <a:ext cx="2376264" cy="266338"/>
+          </a:xfrm>
+          <a:prstGeom prst="rect">
+            <a:avLst/>
+          </a:prstGeom>
+        </p:spPr>
+        <p:txBody>
+          <a:bodyPr anchor="ctr"/>
+          <a:lstStyle>
+            <a:lvl1pPr algn="l" defTabSz="914400" rtl="0" eaLnBrk="1" latinLnBrk="1" hangingPunct="1">
+              <a:spcBef>
+                <a:spcPct val="0"/>
+              </a:spcBef>
+              <a:buNone/>
+              <a:defRPr sz="3600" b="1" kern="1200">
+                <a:solidFill>
+                  <a:schemeClr val="tx1">
+                    <a:lumMod val="75000"/>
+                    <a:lumOff val="25000"/>
+                  </a:schemeClr>
+                </a:solidFill>
+                <a:latin typeface="Arial" pitchFamily="34" charset="0"/>
+                <a:ea typeface="+mj-ea"/>
+                <a:cs typeface="Arial" pitchFamily="34" charset="0"/>
+              </a:defRPr>
+            </a:lvl1pPr>
+          </a:lstStyle>
+          <a:p>
+            <a:pPr>
+              <a:spcBef>
+                <a:spcPts val="1200"/>
+              </a:spcBef>
+            </a:pPr>
+            <a:endParaRPr lang="fr-FR" sz="1600" i="1" u="sng" dirty="0" smtClean="0"/>
+          </a:p>
+        </p:txBody>
+      </p:sp>
+      <p:pic>
+        <p:nvPicPr>
+          <p:cNvPr id="10" name="Image 9"/>
+          <p:cNvPicPr/>
+          <p:nvPr/>
+        </p:nvPicPr>
+        <p:blipFill rotWithShape="1">
+          <a:blip r:embed="rId3" cstate="print">
+            <a:extLst>
+              <a:ext uri="{28A0092B-C50C-407E-A947-70E740481C1C}">
+                <a14:useLocalDpi xmlns:a14="http://schemas.microsoft.com/office/drawing/2010/main" val="0"/>
+              </a:ext>
+            </a:extLst>
+          </a:blip>
+          <a:srcRect l="18383" t="5982" r="20520" b="6530"/>
+          <a:stretch/>
+        </p:blipFill>
+        <p:spPr bwMode="auto">
+          <a:xfrm>
+            <a:off x="8210836" y="4539125"/>
+            <a:ext cx="899592" cy="560602"/>
+          </a:xfrm>
+          <a:prstGeom prst="rect">
+            <a:avLst/>
+          </a:prstGeom>
+          <a:ln>
+            <a:noFill/>
+          </a:ln>
+          <a:extLst>
+            <a:ext uri="{53640926-AAD7-44D8-BBD7-CCE9431645EC}">
+              <a14:shadowObscured xmlns:a14="http://schemas.microsoft.com/office/drawing/2010/main"/>
+            </a:ext>
+          </a:extLst>
+        </p:spPr>
+      </p:pic>
+      <p:pic>
+        <p:nvPicPr>
+          <p:cNvPr id="14" name="Image 13"/>
+          <p:cNvPicPr/>
+          <p:nvPr/>
+        </p:nvPicPr>
+        <p:blipFill rotWithShape="1">
+          <a:blip r:embed="rId4" cstate="print"/>
+          <a:srcRect b="34940"/>
+          <a:stretch/>
+        </p:blipFill>
+        <p:spPr bwMode="auto">
+          <a:xfrm>
+            <a:off x="251521" y="1592879"/>
+            <a:ext cx="8640960" cy="3211120"/>
+          </a:xfrm>
+          <a:prstGeom prst="rect">
+            <a:avLst/>
+          </a:prstGeom>
+          <a:ln>
+            <a:noFill/>
+          </a:ln>
+          <a:extLst>
+            <a:ext uri="{53640926-AAD7-44D8-BBD7-CCE9431645EC}">
+              <a14:shadowObscured xmlns:a14="http://schemas.microsoft.com/office/drawing/2010/main"/>
+            </a:ext>
+          </a:extLst>
+        </p:spPr>
+      </p:pic>
+      <p:sp>
+        <p:nvSpPr>
+          <p:cNvPr id="12" name="Pentagone 11"/>
+          <p:cNvSpPr/>
+          <p:nvPr/>
+        </p:nvSpPr>
+        <p:spPr>
+          <a:xfrm>
+            <a:off x="0" y="214589"/>
+            <a:ext cx="1475656" cy="412945"/>
+          </a:xfrm>
+          <a:prstGeom prst="homePlate">
+            <a:avLst/>
+          </a:prstGeom>
+          <a:solidFill>
+            <a:schemeClr val="tx2">
+              <a:lumMod val="75000"/>
+            </a:schemeClr>
+          </a:solidFill>
+          <a:ln>
+            <a:noFill/>
+          </a:ln>
+        </p:spPr>
+        <p:style>
+          <a:lnRef idx="3">
+            <a:schemeClr val="lt1"/>
+          </a:lnRef>
+          <a:fillRef idx="1">
+            <a:schemeClr val="accent3"/>
+          </a:fillRef>
+          <a:effectRef idx="1">
+            <a:schemeClr val="accent3"/>
+          </a:effectRef>
+          <a:fontRef idx="minor">
+            <a:schemeClr val="lt1"/>
+          </a:fontRef>
+        </p:style>
+        <p:txBody>
+          <a:bodyPr rtlCol="0" anchor="ctr"/>
+          <a:lstStyle/>
+          <a:p>
+            <a:pPr algn="ctr"/>
+            <a:r>
+              <a:rPr lang="fr-FR" sz="1400" b="1" dirty="0" smtClean="0"/>
+              <a:t>Introduction</a:t>
+            </a:r>
+            <a:endParaRPr lang="fr-FR" sz="1400" b="1" dirty="0"/>
+          </a:p>
+        </p:txBody>
+      </p:sp>
+    </p:spTree>
+    <p:extLst>
+      <p:ext uri="{BB962C8B-B14F-4D97-AF65-F5344CB8AC3E}">
+        <p14:creationId xmlns:p14="http://schemas.microsoft.com/office/powerpoint/2010/main" val="2416694667"/>
+      </p:ext>
+    </p:extLst>
+  </p:cSld>
+  <p:clrMapOvr>
+    <a:masterClrMapping/>
+  </p:clrMapOvr>
+  <p:timing>
+    <p:tnLst>
+      <p:par>
+        <p:cTn id="1" dur="indefinite" restart="never" nodeType="tmRoot"/>
+      </p:par>
+    </p:tnLst>
+  </p:timing>
+</p:sld>
+</file>
+
+<file path=ppt/slides/slide6.xml><?xml version="1.0" encoding="utf-8"?>
+<p:sld xmlns:a="http://schemas.openxmlformats.org/drawingml/2006/main" xmlns:r="http://schemas.openxmlformats.org/officeDocument/2006/relationships" xmlns:p="http://schemas.openxmlformats.org/presentationml/2006/main">
+  <p:cSld>
+    <p:spTree>
+      <p:nvGrpSpPr>
+        <p:cNvPr id="1" name=""/>
+        <p:cNvGrpSpPr/>
+        <p:nvPr/>
+      </p:nvGrpSpPr>
+      <p:grpSpPr>
+        <a:xfrm>
+          <a:off x="0" y="0"/>
+          <a:ext cx="0" cy="0"/>
+          <a:chOff x="0" y="0"/>
+          <a:chExt cx="0" cy="0"/>
+        </a:xfrm>
+      </p:grpSpPr>
+      <p:sp>
+        <p:nvSpPr>
+          <p:cNvPr id="11" name="Titre 1"/>
+          <p:cNvSpPr>
+            <a:spLocks noGrp="1"/>
+          </p:cNvSpPr>
+          <p:nvPr>
+            <p:ph type="title"/>
+          </p:nvPr>
+        </p:nvSpPr>
+        <p:spPr>
+          <a:xfrm>
+            <a:off x="107504" y="1059582"/>
+            <a:ext cx="3816424" cy="433557"/>
+          </a:xfrm>
+        </p:spPr>
+        <p:txBody>
+          <a:bodyPr/>
+          <a:lstStyle/>
+          <a:p>
+            <a:pPr marL="342900" indent="-342900">
+              <a:lnSpc>
+                <a:spcPct val="100000"/>
+              </a:lnSpc>
+              <a:spcBef>
+                <a:spcPts val="1200"/>
+              </a:spcBef>
+              <a:buFont typeface="Wingdings" panose="05000000000000000000" pitchFamily="2" charset="2"/>
+              <a:buChar char="Ø"/>
+            </a:pPr>
+            <a:r>
+              <a:rPr lang="fr-FR" sz="1800" dirty="0"/>
+              <a:t>Statistiques</a:t>
+            </a:r>
+          </a:p>
+        </p:txBody>
+      </p:sp>
+      <p:sp>
+        <p:nvSpPr>
+          <p:cNvPr id="13" name="Titre 1"/>
+          <p:cNvSpPr txBox="1">
+            <a:spLocks/>
+          </p:cNvSpPr>
+          <p:nvPr/>
+        </p:nvSpPr>
+        <p:spPr>
+          <a:xfrm>
+            <a:off x="5364088" y="1163982"/>
+            <a:ext cx="2376264" cy="266338"/>
+          </a:xfrm>
+          <a:prstGeom prst="rect">
+            <a:avLst/>
+          </a:prstGeom>
+        </p:spPr>
+        <p:txBody>
+          <a:bodyPr anchor="ctr"/>
+          <a:lstStyle>
+            <a:lvl1pPr algn="l" defTabSz="914400" rtl="0" eaLnBrk="1" latinLnBrk="1" hangingPunct="1">
+              <a:spcBef>
+                <a:spcPct val="0"/>
+              </a:spcBef>
+              <a:buNone/>
+              <a:defRPr sz="3600" b="1" kern="1200">
+                <a:solidFill>
+                  <a:schemeClr val="tx1">
+                    <a:lumMod val="75000"/>
+                    <a:lumOff val="25000"/>
+                  </a:schemeClr>
+                </a:solidFill>
+                <a:latin typeface="Arial" pitchFamily="34" charset="0"/>
+                <a:ea typeface="+mj-ea"/>
+                <a:cs typeface="Arial" pitchFamily="34" charset="0"/>
+              </a:defRPr>
+            </a:lvl1pPr>
+          </a:lstStyle>
+          <a:p>
+            <a:pPr>
+              <a:spcBef>
+                <a:spcPts val="1200"/>
+              </a:spcBef>
+            </a:pPr>
+            <a:endParaRPr lang="fr-FR" sz="1600" i="1" u="sng" dirty="0" smtClean="0"/>
+          </a:p>
+        </p:txBody>
+      </p:sp>
+      <p:pic>
+        <p:nvPicPr>
+          <p:cNvPr id="10" name="Image 9"/>
+          <p:cNvPicPr/>
+          <p:nvPr/>
+        </p:nvPicPr>
+        <p:blipFill rotWithShape="1">
+          <a:blip r:embed="rId3" cstate="print">
+            <a:extLst>
+              <a:ext uri="{28A0092B-C50C-407E-A947-70E740481C1C}">
+                <a14:useLocalDpi xmlns:a14="http://schemas.microsoft.com/office/drawing/2010/main" val="0"/>
+              </a:ext>
+            </a:extLst>
+          </a:blip>
+          <a:srcRect l="18383" t="5982" r="20520" b="6530"/>
+          <a:stretch/>
+        </p:blipFill>
+        <p:spPr bwMode="auto">
+          <a:xfrm>
+            <a:off x="8210836" y="4539125"/>
+            <a:ext cx="899592" cy="560602"/>
+          </a:xfrm>
+          <a:prstGeom prst="rect">
+            <a:avLst/>
+          </a:prstGeom>
+          <a:ln>
+            <a:noFill/>
+          </a:ln>
+          <a:extLst>
+            <a:ext uri="{53640926-AAD7-44D8-BBD7-CCE9431645EC}">
+              <a14:shadowObscured xmlns:a14="http://schemas.microsoft.com/office/drawing/2010/main"/>
+            </a:ext>
+          </a:extLst>
+        </p:spPr>
+      </p:pic>
+      <p:pic>
+        <p:nvPicPr>
+          <p:cNvPr id="12" name="Image 11"/>
+          <p:cNvPicPr/>
+          <p:nvPr/>
+        </p:nvPicPr>
+        <p:blipFill rotWithShape="1">
+          <a:blip r:embed="rId4" cstate="print"/>
+          <a:srcRect t="391" b="19655"/>
+          <a:stretch/>
+        </p:blipFill>
+        <p:spPr bwMode="auto">
+          <a:xfrm>
+            <a:off x="327351" y="1707655"/>
+            <a:ext cx="7989065" cy="3096343"/>
+          </a:xfrm>
+          <a:prstGeom prst="rect">
+            <a:avLst/>
+          </a:prstGeom>
+          <a:ln>
+            <a:noFill/>
+          </a:ln>
+          <a:extLst>
+            <a:ext uri="{53640926-AAD7-44D8-BBD7-CCE9431645EC}">
+              <a14:shadowObscured xmlns:a14="http://schemas.microsoft.com/office/drawing/2010/main"/>
+            </a:ext>
+          </a:extLst>
+        </p:spPr>
+      </p:pic>
+      <p:sp>
+        <p:nvSpPr>
+          <p:cNvPr id="14" name="Pentagone 13"/>
+          <p:cNvSpPr/>
+          <p:nvPr/>
+        </p:nvSpPr>
+        <p:spPr>
+          <a:xfrm>
+            <a:off x="0" y="214589"/>
+            <a:ext cx="1475656" cy="412945"/>
+          </a:xfrm>
+          <a:prstGeom prst="homePlate">
+            <a:avLst/>
+          </a:prstGeom>
+          <a:solidFill>
+            <a:schemeClr val="tx2">
+              <a:lumMod val="75000"/>
+            </a:schemeClr>
+          </a:solidFill>
+          <a:ln>
+            <a:noFill/>
+          </a:ln>
+        </p:spPr>
+        <p:style>
+          <a:lnRef idx="3">
+            <a:schemeClr val="lt1"/>
+          </a:lnRef>
+          <a:fillRef idx="1">
+            <a:schemeClr val="accent3"/>
+          </a:fillRef>
+          <a:effectRef idx="1">
+            <a:schemeClr val="accent3"/>
+          </a:effectRef>
+          <a:fontRef idx="minor">
+            <a:schemeClr val="lt1"/>
+          </a:fontRef>
+        </p:style>
+        <p:txBody>
+          <a:bodyPr rtlCol="0" anchor="ctr"/>
+          <a:lstStyle/>
+          <a:p>
+            <a:pPr algn="ctr"/>
+            <a:r>
+              <a:rPr lang="fr-FR" sz="1400" b="1" dirty="0" smtClean="0"/>
+              <a:t>Introduction</a:t>
+            </a:r>
+            <a:endParaRPr lang="fr-FR" sz="1400" b="1" dirty="0"/>
+          </a:p>
+        </p:txBody>
+      </p:sp>
+    </p:spTree>
+    <p:extLst>
+      <p:ext uri="{BB962C8B-B14F-4D97-AF65-F5344CB8AC3E}">
+        <p14:creationId xmlns:p14="http://schemas.microsoft.com/office/powerpoint/2010/main" val="2700181648"/>
+      </p:ext>
+    </p:extLst>
+  </p:cSld>
+  <p:clrMapOvr>
+    <a:masterClrMapping/>
+  </p:clrMapOvr>
+  <p:timing>
+    <p:tnLst>
+      <p:par>
+        <p:cTn id="1" dur="indefinite" restart="never" nodeType="tmRoot"/>
+      </p:par>
+    </p:tnLst>
+  </p:timing>
+</p:sld>
+</file>
+
+<file path=ppt/slides/slide7.xml><?xml version="1.0" encoding="utf-8"?>
+<p:sld xmlns:a="http://schemas.openxmlformats.org/drawingml/2006/main" xmlns:r="http://schemas.openxmlformats.org/officeDocument/2006/relationships" xmlns:p="http://schemas.openxmlformats.org/presentationml/2006/main">
+  <p:cSld>
+    <p:spTree>
+      <p:nvGrpSpPr>
+        <p:cNvPr id="1" name=""/>
+        <p:cNvGrpSpPr/>
+        <p:nvPr/>
+      </p:nvGrpSpPr>
+      <p:grpSpPr>
+        <a:xfrm>
+          <a:off x="0" y="0"/>
+          <a:ext cx="0" cy="0"/>
+          <a:chOff x="0" y="0"/>
+          <a:chExt cx="0" cy="0"/>
+        </a:xfrm>
+      </p:grpSpPr>
       <p:pic>
         <p:nvPicPr>
           <p:cNvPr id="10" name="Image 9"/>
@@ -9265,7 +9317,7 @@
                   </a:schemeClr>
                 </a:solidFill>
               </a:rPr>
-              <a:t>Contexte</a:t>
+              <a:t>Introduction</a:t>
             </a:r>
             <a:endParaRPr lang="fr-FR" sz="1400" dirty="0">
               <a:solidFill>
@@ -9321,7 +9373,7 @@
             <a:pPr algn="ctr"/>
             <a:r>
               <a:rPr lang="fr-FR" sz="1400" b="1" dirty="0" smtClean="0"/>
-              <a:t>Gestion de projet</a:t>
+              <a:t>Démonstration</a:t>
             </a:r>
           </a:p>
         </p:txBody>
@@ -9339,7 +9391,7 @@
         <p:spPr>
           <a:xfrm>
             <a:off x="395536" y="1131590"/>
-            <a:ext cx="3960440" cy="433557"/>
+            <a:ext cx="4248472" cy="433557"/>
           </a:xfrm>
         </p:spPr>
         <p:txBody>
@@ -9357,557 +9409,83 @@
               <a:buChar char="Ø"/>
             </a:pPr>
             <a:r>
-              <a:rPr lang="fr-FR" sz="2000" dirty="0" smtClean="0"/>
-              <a:t>Répartition des tâches </a:t>
-            </a:r>
-            <a:endParaRPr lang="fr-FR" sz="2000" dirty="0" smtClean="0"/>
-          </a:p>
-        </p:txBody>
-      </p:sp>
-      <p:graphicFrame>
-        <p:nvGraphicFramePr>
-          <p:cNvPr id="17" name="Tableau 16"/>
-          <p:cNvGraphicFramePr>
-            <a:graphicFrameLocks noGrp="1"/>
-          </p:cNvGraphicFramePr>
-          <p:nvPr>
-            <p:extLst>
-              <p:ext uri="{D42A27DB-BD31-4B8C-83A1-F6EECF244321}">
-                <p14:modId xmlns:p14="http://schemas.microsoft.com/office/powerpoint/2010/main" val="1893311094"/>
-              </p:ext>
-            </p:extLst>
-          </p:nvPr>
-        </p:nvGraphicFramePr>
-        <p:xfrm>
-          <a:off x="287523" y="1851670"/>
-          <a:ext cx="8136905" cy="2590779"/>
-        </p:xfrm>
-        <a:graphic>
-          <a:graphicData uri="http://schemas.openxmlformats.org/drawingml/2006/table">
-            <a:tbl>
-              <a:tblPr firstRow="1" bandRow="1">
-                <a:tableStyleId>{5C22544A-7EE6-4342-B048-85BDC9FD1C3A}</a:tableStyleId>
-              </a:tblPr>
-              <a:tblGrid>
-                <a:gridCol w="1253122"/>
-                <a:gridCol w="1757866"/>
-                <a:gridCol w="1493370"/>
-                <a:gridCol w="1307717"/>
-                <a:gridCol w="1002537"/>
-                <a:gridCol w="1322293"/>
-              </a:tblGrid>
-              <a:tr h="1175080">
-                <a:tc>
-                  <a:txBody>
-                    <a:bodyPr/>
-                    <a:lstStyle/>
-                    <a:p>
-                      <a:r>
-                        <a:rPr lang="fr-FR" sz="1400" dirty="0" smtClean="0"/>
-                        <a:t>Tache/Nom</a:t>
-                      </a:r>
-                      <a:endParaRPr lang="fr-FR" sz="1400" dirty="0"/>
-                    </a:p>
-                  </a:txBody>
-                  <a:tcPr/>
-                </a:tc>
-                <a:tc>
-                  <a:txBody>
-                    <a:bodyPr/>
-                    <a:lstStyle/>
-                    <a:p>
-                      <a:r>
-                        <a:rPr lang="fr-FR" sz="1400" dirty="0" smtClean="0"/>
-                        <a:t>Programmation</a:t>
-                      </a:r>
-                      <a:endParaRPr lang="fr-FR" sz="1400" dirty="0"/>
-                    </a:p>
-                  </a:txBody>
-                  <a:tcPr/>
-                </a:tc>
-                <a:tc>
-                  <a:txBody>
-                    <a:bodyPr/>
-                    <a:lstStyle/>
-                    <a:p>
-                      <a:r>
-                        <a:rPr lang="fr-FR" sz="1400" b="1" kern="1200" dirty="0" smtClean="0">
-                          <a:solidFill>
-                            <a:schemeClr val="lt1"/>
-                          </a:solidFill>
-                          <a:latin typeface="+mn-lt"/>
-                          <a:ea typeface="+mn-ea"/>
-                          <a:cs typeface="+mn-cs"/>
-                        </a:rPr>
-                        <a:t>Traitement des</a:t>
-                      </a:r>
-                      <a:r>
-                        <a:rPr lang="fr-FR" sz="1400" b="1" kern="1200" baseline="0" dirty="0" smtClean="0">
-                          <a:solidFill>
-                            <a:schemeClr val="lt1"/>
-                          </a:solidFill>
-                          <a:latin typeface="+mn-lt"/>
-                          <a:ea typeface="+mn-ea"/>
-                          <a:cs typeface="+mn-cs"/>
-                        </a:rPr>
-                        <a:t>  </a:t>
-                      </a:r>
-                      <a:r>
-                        <a:rPr lang="fr-FR" sz="1400" b="1" kern="1200" dirty="0" smtClean="0">
-                          <a:solidFill>
-                            <a:schemeClr val="lt1"/>
-                          </a:solidFill>
-                          <a:latin typeface="+mn-lt"/>
-                          <a:ea typeface="+mn-ea"/>
-                          <a:cs typeface="+mn-cs"/>
-                        </a:rPr>
-                        <a:t>données brutes</a:t>
-                      </a:r>
-                      <a:endParaRPr lang="fr-FR" sz="1400" dirty="0"/>
-                    </a:p>
-                  </a:txBody>
-                  <a:tcPr marL="68580" marR="68580" marT="0" marB="0"/>
-                </a:tc>
-                <a:tc>
-                  <a:txBody>
-                    <a:bodyPr/>
-                    <a:lstStyle/>
-                    <a:p>
-                      <a:r>
-                        <a:rPr lang="fr-FR" sz="1400" b="1" kern="1200" dirty="0" smtClean="0">
-                          <a:solidFill>
-                            <a:schemeClr val="lt1"/>
-                          </a:solidFill>
-                          <a:latin typeface="+mn-lt"/>
-                          <a:ea typeface="+mn-ea"/>
-                          <a:cs typeface="+mn-cs"/>
-                        </a:rPr>
-                        <a:t>Gestion </a:t>
-                      </a:r>
-                      <a:r>
-                        <a:rPr lang="fr-FR" sz="1400" b="1" kern="1200" dirty="0" smtClean="0">
-                          <a:solidFill>
-                            <a:schemeClr val="lt1"/>
-                          </a:solidFill>
-                          <a:latin typeface="+mn-lt"/>
-                          <a:ea typeface="+mn-ea"/>
-                          <a:cs typeface="+mn-cs"/>
-                        </a:rPr>
-                        <a:t>et </a:t>
-                      </a:r>
-                    </a:p>
-                    <a:p>
-                      <a:r>
-                        <a:rPr lang="fr-FR" sz="1400" b="1" kern="1200" dirty="0" smtClean="0">
-                          <a:solidFill>
-                            <a:schemeClr val="lt1"/>
-                          </a:solidFill>
-                          <a:latin typeface="+mn-lt"/>
-                          <a:ea typeface="+mn-ea"/>
-                          <a:cs typeface="+mn-cs"/>
-                        </a:rPr>
-                        <a:t> </a:t>
-                      </a:r>
-                      <a:r>
-                        <a:rPr lang="fr-FR" sz="1400" b="1" kern="1200" dirty="0" smtClean="0">
-                          <a:solidFill>
-                            <a:schemeClr val="lt1"/>
-                          </a:solidFill>
-                          <a:latin typeface="+mn-lt"/>
-                          <a:ea typeface="+mn-ea"/>
-                          <a:cs typeface="+mn-cs"/>
-                        </a:rPr>
-                        <a:t>importation des données sur WAMP</a:t>
-                      </a:r>
-                      <a:endParaRPr lang="fr-FR" sz="1400" dirty="0"/>
-                    </a:p>
-                  </a:txBody>
-                  <a:tcPr/>
-                </a:tc>
-                <a:tc>
-                  <a:txBody>
-                    <a:bodyPr/>
-                    <a:lstStyle/>
-                    <a:p>
-                      <a:r>
-                        <a:rPr lang="fr-FR" sz="1400" dirty="0" smtClean="0"/>
-                        <a:t>Rapport </a:t>
-                      </a:r>
-                      <a:endParaRPr lang="fr-FR" sz="1400" dirty="0"/>
-                    </a:p>
-                  </a:txBody>
-                  <a:tcPr/>
-                </a:tc>
-                <a:tc>
-                  <a:txBody>
-                    <a:bodyPr/>
-                    <a:lstStyle/>
-                    <a:p>
-                      <a:r>
-                        <a:rPr lang="fr-FR" sz="1400" dirty="0" smtClean="0"/>
-                        <a:t>Présentation</a:t>
-                      </a:r>
-                    </a:p>
-                    <a:p>
-                      <a:r>
-                        <a:rPr lang="fr-FR" sz="1400" baseline="0" dirty="0" smtClean="0"/>
-                        <a:t>PowerPoint </a:t>
-                      </a:r>
-                      <a:endParaRPr lang="fr-FR" sz="1400" dirty="0"/>
-                    </a:p>
-                  </a:txBody>
-                  <a:tcPr/>
-                </a:tc>
-              </a:tr>
-              <a:tr h="301151">
-                <a:tc>
-                  <a:txBody>
-                    <a:bodyPr/>
-                    <a:lstStyle/>
-                    <a:p>
-                      <a:r>
-                        <a:rPr lang="fr-FR" sz="1400" kern="1200" dirty="0" smtClean="0">
-                          <a:solidFill>
-                            <a:schemeClr val="dk1"/>
-                          </a:solidFill>
-                          <a:latin typeface="+mn-lt"/>
-                          <a:ea typeface="+mn-ea"/>
-                          <a:cs typeface="+mn-cs"/>
-                        </a:rPr>
-                        <a:t>KNAB</a:t>
-                      </a:r>
-                      <a:endParaRPr lang="fr-FR" sz="1400" dirty="0"/>
-                    </a:p>
-                  </a:txBody>
-                  <a:tcPr/>
-                </a:tc>
-                <a:tc>
-                  <a:txBody>
-                    <a:bodyPr/>
-                    <a:lstStyle/>
-                    <a:p>
-                      <a:r>
-                        <a:rPr lang="fr-FR" sz="1400" dirty="0" smtClean="0"/>
-                        <a:t>25%</a:t>
-                      </a:r>
-                      <a:endParaRPr lang="fr-FR" sz="1400" dirty="0"/>
-                    </a:p>
-                  </a:txBody>
-                  <a:tcPr/>
-                </a:tc>
-                <a:tc>
-                  <a:txBody>
-                    <a:bodyPr/>
-                    <a:lstStyle/>
-                    <a:p>
-                      <a:r>
-                        <a:rPr lang="fr-FR" sz="1400" dirty="0" smtClean="0"/>
-                        <a:t>45%</a:t>
-                      </a:r>
-                      <a:endParaRPr lang="fr-FR" sz="1400" dirty="0"/>
-                    </a:p>
-                  </a:txBody>
-                  <a:tcPr/>
-                </a:tc>
-                <a:tc>
-                  <a:txBody>
-                    <a:bodyPr/>
-                    <a:lstStyle/>
-                    <a:p>
-                      <a:endParaRPr lang="fr-FR" sz="1400" dirty="0"/>
-                    </a:p>
-                  </a:txBody>
-                  <a:tcPr/>
-                </a:tc>
-                <a:tc>
-                  <a:txBody>
-                    <a:bodyPr/>
-                    <a:lstStyle/>
-                    <a:p>
-                      <a:r>
-                        <a:rPr lang="fr-FR" sz="1400" dirty="0" smtClean="0"/>
-                        <a:t>100%</a:t>
-                      </a:r>
-                      <a:endParaRPr lang="fr-FR" sz="1400" dirty="0"/>
-                    </a:p>
-                  </a:txBody>
-                  <a:tcPr/>
-                </a:tc>
-                <a:tc>
-                  <a:txBody>
-                    <a:bodyPr/>
-                    <a:lstStyle/>
-                    <a:p>
-                      <a:r>
-                        <a:rPr lang="fr-FR" sz="1400" dirty="0" smtClean="0"/>
-                        <a:t>40%</a:t>
-                      </a:r>
-                      <a:endParaRPr lang="fr-FR" sz="1400" dirty="0"/>
-                    </a:p>
-                  </a:txBody>
-                  <a:tcPr/>
-                </a:tc>
-              </a:tr>
-              <a:tr h="390819">
-                <a:tc>
-                  <a:txBody>
-                    <a:bodyPr/>
-                    <a:lstStyle/>
-                    <a:p>
-                      <a:r>
-                        <a:rPr lang="fr-FR" sz="1400" dirty="0" smtClean="0"/>
-                        <a:t>SAIDI</a:t>
-                      </a:r>
-                      <a:endParaRPr lang="fr-FR" sz="1400" dirty="0"/>
-                    </a:p>
-                  </a:txBody>
-                  <a:tcPr/>
-                </a:tc>
-                <a:tc>
-                  <a:txBody>
-                    <a:bodyPr/>
-                    <a:lstStyle/>
-                    <a:p>
-                      <a:r>
-                        <a:rPr lang="fr-FR" sz="1400" dirty="0" smtClean="0"/>
-                        <a:t>25%</a:t>
-                      </a:r>
-                      <a:endParaRPr lang="fr-FR" sz="1400" dirty="0"/>
-                    </a:p>
-                  </a:txBody>
-                  <a:tcPr/>
-                </a:tc>
-                <a:tc>
-                  <a:txBody>
-                    <a:bodyPr/>
-                    <a:lstStyle/>
-                    <a:p>
-                      <a:r>
-                        <a:rPr lang="fr-FR" sz="1400" dirty="0" smtClean="0"/>
-                        <a:t>45%</a:t>
-                      </a:r>
-                      <a:endParaRPr lang="fr-FR" sz="1400" dirty="0"/>
-                    </a:p>
-                  </a:txBody>
-                  <a:tcPr/>
-                </a:tc>
-                <a:tc>
-                  <a:txBody>
-                    <a:bodyPr/>
-                    <a:lstStyle/>
-                    <a:p>
-                      <a:r>
-                        <a:rPr lang="fr-FR" sz="1400" dirty="0" smtClean="0"/>
-                        <a:t>30%</a:t>
-                      </a:r>
-                      <a:endParaRPr lang="fr-FR" sz="1400" dirty="0"/>
-                    </a:p>
-                  </a:txBody>
-                  <a:tcPr/>
-                </a:tc>
-                <a:tc>
-                  <a:txBody>
-                    <a:bodyPr/>
-                    <a:lstStyle/>
-                    <a:p>
-                      <a:endParaRPr lang="fr-FR" sz="1400"/>
-                    </a:p>
-                  </a:txBody>
-                  <a:tcPr/>
-                </a:tc>
-                <a:tc>
-                  <a:txBody>
-                    <a:bodyPr/>
-                    <a:lstStyle/>
-                    <a:p>
-                      <a:endParaRPr lang="fr-FR" sz="1400" dirty="0"/>
-                    </a:p>
-                  </a:txBody>
-                  <a:tcPr/>
-                </a:tc>
-              </a:tr>
-              <a:tr h="360040">
-                <a:tc>
-                  <a:txBody>
-                    <a:bodyPr/>
-                    <a:lstStyle/>
-                    <a:p>
-                      <a:r>
-                        <a:rPr lang="fr-FR" sz="1400" kern="1200" dirty="0" smtClean="0">
-                          <a:solidFill>
-                            <a:schemeClr val="dk1"/>
-                          </a:solidFill>
-                          <a:latin typeface="+mn-lt"/>
-                          <a:ea typeface="+mn-ea"/>
-                          <a:cs typeface="+mn-cs"/>
-                        </a:rPr>
-                        <a:t>TOURE</a:t>
-                      </a:r>
-                      <a:endParaRPr lang="fr-FR" sz="1400" kern="1200" dirty="0" smtClean="0">
-                        <a:solidFill>
-                          <a:schemeClr val="dk1"/>
-                        </a:solidFill>
-                        <a:latin typeface="+mn-lt"/>
-                        <a:ea typeface="+mn-ea"/>
-                        <a:cs typeface="+mn-cs"/>
-                      </a:endParaRPr>
-                    </a:p>
-                  </a:txBody>
-                  <a:tcPr/>
-                </a:tc>
-                <a:tc>
-                  <a:txBody>
-                    <a:bodyPr/>
-                    <a:lstStyle/>
-                    <a:p>
-                      <a:r>
-                        <a:rPr lang="fr-FR" sz="1400" dirty="0" smtClean="0"/>
-                        <a:t>25%</a:t>
-                      </a:r>
-                      <a:endParaRPr lang="fr-FR" sz="1400" dirty="0"/>
-                    </a:p>
-                  </a:txBody>
-                  <a:tcPr/>
-                </a:tc>
-                <a:tc>
-                  <a:txBody>
-                    <a:bodyPr/>
-                    <a:lstStyle/>
-                    <a:p>
-                      <a:r>
-                        <a:rPr lang="fr-FR" sz="1400" dirty="0" smtClean="0"/>
-                        <a:t>5%</a:t>
-                      </a:r>
-                      <a:endParaRPr lang="fr-FR" sz="1400" dirty="0"/>
-                    </a:p>
-                  </a:txBody>
-                  <a:tcPr/>
-                </a:tc>
-                <a:tc>
-                  <a:txBody>
-                    <a:bodyPr/>
-                    <a:lstStyle/>
-                    <a:p>
-                      <a:r>
-                        <a:rPr lang="fr-FR" sz="1400" dirty="0" smtClean="0"/>
-                        <a:t>35%</a:t>
-                      </a:r>
-                      <a:endParaRPr lang="fr-FR" sz="1400" dirty="0"/>
-                    </a:p>
-                  </a:txBody>
-                  <a:tcPr/>
-                </a:tc>
-                <a:tc>
-                  <a:txBody>
-                    <a:bodyPr/>
-                    <a:lstStyle/>
-                    <a:p>
-                      <a:endParaRPr lang="fr-FR" sz="1400"/>
-                    </a:p>
-                  </a:txBody>
-                  <a:tcPr/>
-                </a:tc>
-                <a:tc>
-                  <a:txBody>
-                    <a:bodyPr/>
-                    <a:lstStyle/>
-                    <a:p>
-                      <a:endParaRPr lang="fr-FR" sz="1400" dirty="0"/>
-                    </a:p>
-                  </a:txBody>
-                  <a:tcPr/>
-                </a:tc>
-              </a:tr>
-              <a:tr h="360040">
-                <a:tc>
-                  <a:txBody>
-                    <a:bodyPr/>
-                    <a:lstStyle/>
-                    <a:p>
-                      <a:r>
-                        <a:rPr lang="fr-FR" sz="1400" dirty="0" smtClean="0"/>
-                        <a:t>ZEKNOUN</a:t>
-                      </a:r>
-                      <a:endParaRPr lang="fr-FR" sz="1400" dirty="0"/>
-                    </a:p>
-                  </a:txBody>
-                  <a:tcPr/>
-                </a:tc>
-                <a:tc>
-                  <a:txBody>
-                    <a:bodyPr/>
-                    <a:lstStyle/>
-                    <a:p>
-                      <a:r>
-                        <a:rPr lang="fr-FR" sz="1400" dirty="0" smtClean="0"/>
-                        <a:t>25%</a:t>
-                      </a:r>
-                      <a:endParaRPr lang="fr-FR" sz="1400" dirty="0"/>
-                    </a:p>
-                  </a:txBody>
-                  <a:tcPr/>
-                </a:tc>
-                <a:tc>
-                  <a:txBody>
-                    <a:bodyPr/>
-                    <a:lstStyle/>
-                    <a:p>
-                      <a:r>
-                        <a:rPr lang="fr-FR" sz="1400" dirty="0" smtClean="0"/>
-                        <a:t>5%</a:t>
-                      </a:r>
-                      <a:endParaRPr lang="fr-FR" sz="1400" dirty="0"/>
-                    </a:p>
-                  </a:txBody>
-                  <a:tcPr/>
-                </a:tc>
-                <a:tc>
-                  <a:txBody>
-                    <a:bodyPr/>
-                    <a:lstStyle/>
-                    <a:p>
-                      <a:r>
-                        <a:rPr lang="fr-FR" sz="1400" dirty="0" smtClean="0"/>
-                        <a:t>35%</a:t>
-                      </a:r>
-                      <a:endParaRPr lang="fr-FR" sz="1400" dirty="0"/>
-                    </a:p>
-                  </a:txBody>
-                  <a:tcPr/>
-                </a:tc>
-                <a:tc>
-                  <a:txBody>
-                    <a:bodyPr/>
-                    <a:lstStyle/>
-                    <a:p>
-                      <a:endParaRPr lang="fr-FR" sz="1400" dirty="0"/>
-                    </a:p>
-                  </a:txBody>
-                  <a:tcPr/>
-                </a:tc>
-                <a:tc>
-                  <a:txBody>
-                    <a:bodyPr/>
-                    <a:lstStyle/>
-                    <a:p>
-                      <a:r>
-                        <a:rPr lang="fr-FR" sz="1400" dirty="0" smtClean="0"/>
-                        <a:t>60%</a:t>
-                      </a:r>
-                      <a:endParaRPr lang="fr-FR" sz="1400" dirty="0"/>
-                    </a:p>
-                  </a:txBody>
-                  <a:tcPr/>
-                </a:tc>
-              </a:tr>
-            </a:tbl>
-          </a:graphicData>
-        </a:graphic>
-      </p:graphicFrame>
+              <a:rPr lang="fr-FR" sz="1800" dirty="0"/>
+              <a:t>Navigation sur le site en vidéo</a:t>
+            </a:r>
+          </a:p>
+        </p:txBody>
+      </p:sp>
+      <p:pic>
+        <p:nvPicPr>
+          <p:cNvPr id="2" name="Image 1"/>
+          <p:cNvPicPr>
+            <a:picLocks noChangeAspect="1"/>
+          </p:cNvPicPr>
+          <p:nvPr/>
+        </p:nvPicPr>
+        <p:blipFill rotWithShape="1">
+          <a:blip r:embed="rId3"/>
+          <a:srcRect r="1622"/>
+          <a:stretch/>
+        </p:blipFill>
+        <p:spPr>
+          <a:xfrm>
+            <a:off x="3131840" y="2211710"/>
+            <a:ext cx="3960440" cy="2264483"/>
+          </a:xfrm>
+          <a:prstGeom prst="rect">
+            <a:avLst/>
+          </a:prstGeom>
+          <a:ln>
+            <a:noFill/>
+          </a:ln>
+          <a:effectLst>
+            <a:reflection blurRad="12700" stA="30000" endPos="30000" dist="5000" dir="5400000" sy="-100000" algn="bl" rotWithShape="0"/>
+          </a:effectLst>
+          <a:scene3d>
+            <a:camera prst="perspectiveContrastingLeftFacing"/>
+            <a:lightRig rig="threePt" dir="t">
+              <a:rot lat="0" lon="0" rev="2700000"/>
+            </a:lightRig>
+          </a:scene3d>
+          <a:sp3d>
+            <a:bevelT w="63500" h="50800"/>
+          </a:sp3d>
+        </p:spPr>
+      </p:pic>
+      <p:pic>
+        <p:nvPicPr>
+          <p:cNvPr id="4" name="Image 3"/>
+          <p:cNvPicPr>
+            <a:picLocks noChangeAspect="1"/>
+          </p:cNvPicPr>
+          <p:nvPr/>
+        </p:nvPicPr>
+        <p:blipFill rotWithShape="1">
+          <a:blip r:embed="rId4">
+            <a:extLst>
+              <a:ext uri="{28A0092B-C50C-407E-A947-70E740481C1C}">
+                <a14:useLocalDpi xmlns:a14="http://schemas.microsoft.com/office/drawing/2010/main" val="0"/>
+              </a:ext>
+            </a:extLst>
+          </a:blip>
+          <a:srcRect l="27676" t="15312" r="41562" b="12501"/>
+          <a:stretch/>
+        </p:blipFill>
+        <p:spPr>
+          <a:xfrm>
+            <a:off x="2411760" y="3343951"/>
+            <a:ext cx="1200133" cy="1584176"/>
+          </a:xfrm>
+          <a:prstGeom prst="rect">
+            <a:avLst/>
+          </a:prstGeom>
+        </p:spPr>
+      </p:pic>
     </p:spTree>
     <p:extLst>
       <p:ext uri="{BB962C8B-B14F-4D97-AF65-F5344CB8AC3E}">
-        <p14:creationId xmlns:p14="http://schemas.microsoft.com/office/powerpoint/2010/main" val="1285155555"/>
+        <p14:creationId xmlns:p14="http://schemas.microsoft.com/office/powerpoint/2010/main" val="3692612701"/>
       </p:ext>
     </p:extLst>
   </p:cSld>
@@ -9924,7 +9502,308 @@
 </p:sld>
 </file>
 
-<file path=ppt/slides/slide5.xml><?xml version="1.0" encoding="utf-8"?>
+<file path=ppt/slides/slide8.xml><?xml version="1.0" encoding="utf-8"?>
+<p:sld xmlns:a="http://schemas.openxmlformats.org/drawingml/2006/main" xmlns:r="http://schemas.openxmlformats.org/officeDocument/2006/relationships" xmlns:p="http://schemas.openxmlformats.org/presentationml/2006/main">
+  <p:cSld>
+    <p:spTree>
+      <p:nvGrpSpPr>
+        <p:cNvPr id="1" name=""/>
+        <p:cNvGrpSpPr/>
+        <p:nvPr/>
+      </p:nvGrpSpPr>
+      <p:grpSpPr>
+        <a:xfrm>
+          <a:off x="0" y="0"/>
+          <a:ext cx="0" cy="0"/>
+          <a:chOff x="0" y="0"/>
+          <a:chExt cx="0" cy="0"/>
+        </a:xfrm>
+      </p:grpSpPr>
+      <p:sp>
+        <p:nvSpPr>
+          <p:cNvPr id="5" name="Pentagone 4"/>
+          <p:cNvSpPr/>
+          <p:nvPr/>
+        </p:nvSpPr>
+        <p:spPr>
+          <a:xfrm>
+            <a:off x="6896" y="195485"/>
+            <a:ext cx="1646608" cy="504056"/>
+          </a:xfrm>
+          <a:prstGeom prst="homePlate">
+            <a:avLst>
+              <a:gd name="adj" fmla="val 0"/>
+            </a:avLst>
+          </a:prstGeom>
+          <a:solidFill>
+            <a:srgbClr val="C3BDC0"/>
+          </a:solidFill>
+          <a:ln>
+            <a:noFill/>
+          </a:ln>
+        </p:spPr>
+        <p:style>
+          <a:lnRef idx="3">
+            <a:schemeClr val="lt1"/>
+          </a:lnRef>
+          <a:fillRef idx="1">
+            <a:schemeClr val="accent3"/>
+          </a:fillRef>
+          <a:effectRef idx="1">
+            <a:schemeClr val="accent3"/>
+          </a:effectRef>
+          <a:fontRef idx="minor">
+            <a:schemeClr val="lt1"/>
+          </a:fontRef>
+        </p:style>
+        <p:txBody>
+          <a:bodyPr rtlCol="0" anchor="ctr"/>
+          <a:lstStyle/>
+          <a:p>
+            <a:pPr algn="ctr"/>
+            <a:r>
+              <a:rPr lang="fr-FR" sz="1400" dirty="0">
+                <a:solidFill>
+                  <a:schemeClr val="bg1">
+                    <a:lumMod val="50000"/>
+                  </a:schemeClr>
+                </a:solidFill>
+              </a:rPr>
+              <a:t>Introduction</a:t>
+            </a:r>
+          </a:p>
+        </p:txBody>
+      </p:sp>
+      <p:sp>
+        <p:nvSpPr>
+          <p:cNvPr id="6" name="Pentagone 5"/>
+          <p:cNvSpPr/>
+          <p:nvPr/>
+        </p:nvSpPr>
+        <p:spPr>
+          <a:xfrm>
+            <a:off x="3300112" y="195486"/>
+            <a:ext cx="2207992" cy="504055"/>
+          </a:xfrm>
+          <a:prstGeom prst="homePlate">
+            <a:avLst/>
+          </a:prstGeom>
+          <a:solidFill>
+            <a:schemeClr val="tx2">
+              <a:lumMod val="75000"/>
+            </a:schemeClr>
+          </a:solidFill>
+          <a:ln>
+            <a:noFill/>
+          </a:ln>
+        </p:spPr>
+        <p:style>
+          <a:lnRef idx="3">
+            <a:schemeClr val="lt1"/>
+          </a:lnRef>
+          <a:fillRef idx="1">
+            <a:schemeClr val="accent3"/>
+          </a:fillRef>
+          <a:effectRef idx="1">
+            <a:schemeClr val="accent3"/>
+          </a:effectRef>
+          <a:fontRef idx="minor">
+            <a:schemeClr val="lt1"/>
+          </a:fontRef>
+        </p:style>
+        <p:txBody>
+          <a:bodyPr rtlCol="0" anchor="ctr"/>
+          <a:lstStyle/>
+          <a:p>
+            <a:pPr algn="ctr"/>
+            <a:r>
+              <a:rPr lang="fr-FR" sz="1400" b="1" dirty="0" smtClean="0"/>
+              <a:t>Description technique</a:t>
+            </a:r>
+          </a:p>
+        </p:txBody>
+      </p:sp>
+      <p:sp>
+        <p:nvSpPr>
+          <p:cNvPr id="11" name="Titre 1"/>
+          <p:cNvSpPr>
+            <a:spLocks noGrp="1"/>
+          </p:cNvSpPr>
+          <p:nvPr>
+            <p:ph type="title"/>
+          </p:nvPr>
+        </p:nvSpPr>
+        <p:spPr>
+          <a:xfrm>
+            <a:off x="179512" y="1131590"/>
+            <a:ext cx="5776464" cy="433557"/>
+          </a:xfrm>
+        </p:spPr>
+        <p:txBody>
+          <a:bodyPr/>
+          <a:lstStyle/>
+          <a:p>
+            <a:pPr marL="342900" indent="-342900">
+              <a:lnSpc>
+                <a:spcPct val="100000"/>
+              </a:lnSpc>
+              <a:spcBef>
+                <a:spcPts val="1200"/>
+              </a:spcBef>
+              <a:buFont typeface="Wingdings" panose="05000000000000000000" pitchFamily="2" charset="2"/>
+              <a:buChar char="Ø"/>
+            </a:pPr>
+            <a:r>
+              <a:rPr lang="fr-FR" sz="2000" dirty="0" smtClean="0"/>
+              <a:t>Architecture de la base de données</a:t>
+            </a:r>
+          </a:p>
+        </p:txBody>
+      </p:sp>
+      <p:sp>
+        <p:nvSpPr>
+          <p:cNvPr id="7" name="Pentagone 6"/>
+          <p:cNvSpPr/>
+          <p:nvPr/>
+        </p:nvSpPr>
+        <p:spPr>
+          <a:xfrm>
+            <a:off x="1653504" y="195485"/>
+            <a:ext cx="1646608" cy="504056"/>
+          </a:xfrm>
+          <a:prstGeom prst="homePlate">
+            <a:avLst>
+              <a:gd name="adj" fmla="val 0"/>
+            </a:avLst>
+          </a:prstGeom>
+          <a:solidFill>
+            <a:srgbClr val="C3BDC0"/>
+          </a:solidFill>
+          <a:ln>
+            <a:noFill/>
+          </a:ln>
+        </p:spPr>
+        <p:style>
+          <a:lnRef idx="3">
+            <a:schemeClr val="lt1"/>
+          </a:lnRef>
+          <a:fillRef idx="1">
+            <a:schemeClr val="accent3"/>
+          </a:fillRef>
+          <a:effectRef idx="1">
+            <a:schemeClr val="accent3"/>
+          </a:effectRef>
+          <a:fontRef idx="minor">
+            <a:schemeClr val="lt1"/>
+          </a:fontRef>
+        </p:style>
+        <p:txBody>
+          <a:bodyPr rtlCol="0" anchor="ctr"/>
+          <a:lstStyle/>
+          <a:p>
+            <a:pPr algn="ctr"/>
+            <a:r>
+              <a:rPr lang="fr-FR" sz="1400" dirty="0">
+                <a:solidFill>
+                  <a:schemeClr val="bg1">
+                    <a:lumMod val="50000"/>
+                  </a:schemeClr>
+                </a:solidFill>
+              </a:rPr>
+              <a:t>Démonstration</a:t>
+            </a:r>
+          </a:p>
+        </p:txBody>
+      </p:sp>
+      <p:pic>
+        <p:nvPicPr>
+          <p:cNvPr id="10" name="Image 9"/>
+          <p:cNvPicPr/>
+          <p:nvPr/>
+        </p:nvPicPr>
+        <p:blipFill rotWithShape="1">
+          <a:blip r:embed="rId3" cstate="print">
+            <a:extLst>
+              <a:ext uri="{28A0092B-C50C-407E-A947-70E740481C1C}">
+                <a14:useLocalDpi xmlns:a14="http://schemas.microsoft.com/office/drawing/2010/main" val="0"/>
+              </a:ext>
+            </a:extLst>
+          </a:blip>
+          <a:srcRect l="18383" t="5982" r="20520" b="6530"/>
+          <a:stretch/>
+        </p:blipFill>
+        <p:spPr bwMode="auto">
+          <a:xfrm>
+            <a:off x="8210836" y="4539125"/>
+            <a:ext cx="899592" cy="560602"/>
+          </a:xfrm>
+          <a:prstGeom prst="rect">
+            <a:avLst/>
+          </a:prstGeom>
+          <a:ln>
+            <a:noFill/>
+          </a:ln>
+          <a:extLst>
+            <a:ext uri="{53640926-AAD7-44D8-BBD7-CCE9431645EC}">
+              <a14:shadowObscured xmlns:a14="http://schemas.microsoft.com/office/drawing/2010/main"/>
+            </a:ext>
+          </a:extLst>
+        </p:spPr>
+      </p:pic>
+      <p:pic>
+        <p:nvPicPr>
+          <p:cNvPr id="12" name="Image 11" descr="https://raw.githubusercontent.com/zeknoun/yourjob1/master/MCD.png"/>
+          <p:cNvPicPr/>
+          <p:nvPr/>
+        </p:nvPicPr>
+        <p:blipFill>
+          <a:blip r:embed="rId4" cstate="print">
+            <a:extLst>
+              <a:ext uri="{28A0092B-C50C-407E-A947-70E740481C1C}">
+                <a14:useLocalDpi xmlns:a14="http://schemas.microsoft.com/office/drawing/2010/main" val="0"/>
+              </a:ext>
+            </a:extLst>
+          </a:blip>
+          <a:srcRect/>
+          <a:stretch>
+            <a:fillRect/>
+          </a:stretch>
+        </p:blipFill>
+        <p:spPr bwMode="auto">
+          <a:xfrm>
+            <a:off x="1475657" y="1707654"/>
+            <a:ext cx="5904655" cy="3096344"/>
+          </a:xfrm>
+          <a:prstGeom prst="rect">
+            <a:avLst/>
+          </a:prstGeom>
+          <a:noFill/>
+          <a:ln>
+            <a:noFill/>
+          </a:ln>
+        </p:spPr>
+      </p:pic>
+    </p:spTree>
+    <p:extLst>
+      <p:ext uri="{BB962C8B-B14F-4D97-AF65-F5344CB8AC3E}">
+        <p14:creationId xmlns:p14="http://schemas.microsoft.com/office/powerpoint/2010/main" val="472442115"/>
+      </p:ext>
+    </p:extLst>
+  </p:cSld>
+  <p:clrMapOvr>
+    <a:masterClrMapping/>
+  </p:clrMapOvr>
+  <p:timing>
+    <p:tnLst>
+      <p:par>
+        <p:cTn id="1" dur="indefinite" restart="never" nodeType="tmRoot"/>
+      </p:par>
+    </p:tnLst>
+  </p:timing>
+</p:sld>
+</file>
+
+<file path=ppt/slides/slide9.xml><?xml version="1.0" encoding="utf-8"?>
 <p:sld xmlns:a="http://schemas.openxmlformats.org/drawingml/2006/main" xmlns:r="http://schemas.openxmlformats.org/officeDocument/2006/relationships" xmlns:p="http://schemas.openxmlformats.org/presentationml/2006/main">
   <p:cSld>
     <p:spTree>
@@ -10026,7 +9905,7 @@
                   </a:schemeClr>
                 </a:solidFill>
               </a:rPr>
-              <a:t>Contexte</a:t>
+              <a:t>Introduction</a:t>
             </a:r>
             <a:endParaRPr lang="fr-FR" sz="1400" dirty="0">
               <a:solidFill>
@@ -10084,7 +9963,6 @@
               <a:rPr lang="fr-FR" sz="1400" b="1" dirty="0" smtClean="0"/>
               <a:t>Description technique</a:t>
             </a:r>
-            <a:endParaRPr lang="fr-FR" sz="1400" b="1" dirty="0" smtClean="0"/>
           </a:p>
         </p:txBody>
       </p:sp>
@@ -10122,7 +10000,6 @@
               <a:rPr lang="fr-FR" sz="2000" dirty="0" smtClean="0"/>
               <a:t>Technologies utilisées</a:t>
             </a:r>
-            <a:endParaRPr lang="fr-FR" sz="2000" dirty="0" smtClean="0"/>
           </a:p>
         </p:txBody>
       </p:sp>
@@ -10169,22 +10046,15 @@
           <a:p>
             <a:pPr algn="ctr"/>
             <a:r>
-              <a:rPr lang="fr-FR" sz="1400" dirty="0" smtClean="0">
+              <a:rPr lang="fr-FR" sz="1400" dirty="0">
                 <a:solidFill>
                   <a:schemeClr val="bg1">
                     <a:lumMod val="50000"/>
                   </a:schemeClr>
                 </a:solidFill>
               </a:rPr>
-              <a:t>Gestion de projet</a:t>
-            </a:r>
-            <a:endParaRPr lang="fr-FR" sz="1400" dirty="0">
-              <a:solidFill>
-                <a:schemeClr val="bg1">
-                  <a:lumMod val="50000"/>
-                </a:schemeClr>
-              </a:solidFill>
-            </a:endParaRPr>
+              <a:t>Démonstration</a:t>
+            </a:r>
           </a:p>
         </p:txBody>
       </p:sp>
@@ -10223,1435 +10093,6 @@
     <p:extLst>
       <p:ext uri="{BB962C8B-B14F-4D97-AF65-F5344CB8AC3E}">
         <p14:creationId xmlns:p14="http://schemas.microsoft.com/office/powerpoint/2010/main" val="2041621387"/>
-      </p:ext>
-    </p:extLst>
-  </p:cSld>
-  <p:clrMapOvr>
-    <a:masterClrMapping/>
-  </p:clrMapOvr>
-  <p:timing>
-    <p:tnLst>
-      <p:par>
-        <p:cTn id="1" dur="indefinite" restart="never" nodeType="tmRoot"/>
-      </p:par>
-    </p:tnLst>
-  </p:timing>
-</p:sld>
-</file>
-
-<file path=ppt/slides/slide6.xml><?xml version="1.0" encoding="utf-8"?>
-<p:sld xmlns:a="http://schemas.openxmlformats.org/drawingml/2006/main" xmlns:r="http://schemas.openxmlformats.org/officeDocument/2006/relationships" xmlns:p="http://schemas.openxmlformats.org/presentationml/2006/main">
-  <p:cSld>
-    <p:spTree>
-      <p:nvGrpSpPr>
-        <p:cNvPr id="1" name=""/>
-        <p:cNvGrpSpPr/>
-        <p:nvPr/>
-      </p:nvGrpSpPr>
-      <p:grpSpPr>
-        <a:xfrm>
-          <a:off x="0" y="0"/>
-          <a:ext cx="0" cy="0"/>
-          <a:chOff x="0" y="0"/>
-          <a:chExt cx="0" cy="0"/>
-        </a:xfrm>
-      </p:grpSpPr>
-      <p:sp>
-        <p:nvSpPr>
-          <p:cNvPr id="5" name="Pentagone 4"/>
-          <p:cNvSpPr/>
-          <p:nvPr/>
-        </p:nvSpPr>
-        <p:spPr>
-          <a:xfrm>
-            <a:off x="6896" y="195485"/>
-            <a:ext cx="1646608" cy="504056"/>
-          </a:xfrm>
-          <a:prstGeom prst="homePlate">
-            <a:avLst>
-              <a:gd name="adj" fmla="val 0"/>
-            </a:avLst>
-          </a:prstGeom>
-          <a:solidFill>
-            <a:srgbClr val="C3BDC0"/>
-          </a:solidFill>
-          <a:ln>
-            <a:noFill/>
-          </a:ln>
-        </p:spPr>
-        <p:style>
-          <a:lnRef idx="3">
-            <a:schemeClr val="lt1"/>
-          </a:lnRef>
-          <a:fillRef idx="1">
-            <a:schemeClr val="accent3"/>
-          </a:fillRef>
-          <a:effectRef idx="1">
-            <a:schemeClr val="accent3"/>
-          </a:effectRef>
-          <a:fontRef idx="minor">
-            <a:schemeClr val="lt1"/>
-          </a:fontRef>
-        </p:style>
-        <p:txBody>
-          <a:bodyPr rtlCol="0" anchor="ctr"/>
-          <a:lstStyle/>
-          <a:p>
-            <a:pPr algn="ctr"/>
-            <a:r>
-              <a:rPr lang="fr-FR" sz="1400" dirty="0" smtClean="0">
-                <a:solidFill>
-                  <a:schemeClr val="bg1">
-                    <a:lumMod val="50000"/>
-                  </a:schemeClr>
-                </a:solidFill>
-              </a:rPr>
-              <a:t>Contexte</a:t>
-            </a:r>
-            <a:endParaRPr lang="fr-FR" sz="1400" dirty="0">
-              <a:solidFill>
-                <a:schemeClr val="bg1">
-                  <a:lumMod val="50000"/>
-                </a:schemeClr>
-              </a:solidFill>
-            </a:endParaRPr>
-          </a:p>
-        </p:txBody>
-      </p:sp>
-      <p:sp>
-        <p:nvSpPr>
-          <p:cNvPr id="6" name="Pentagone 5"/>
-          <p:cNvSpPr/>
-          <p:nvPr/>
-        </p:nvSpPr>
-        <p:spPr>
-          <a:xfrm>
-            <a:off x="3300112" y="195486"/>
-            <a:ext cx="2207992" cy="504055"/>
-          </a:xfrm>
-          <a:prstGeom prst="homePlate">
-            <a:avLst/>
-          </a:prstGeom>
-          <a:solidFill>
-            <a:schemeClr val="tx2">
-              <a:lumMod val="75000"/>
-            </a:schemeClr>
-          </a:solidFill>
-          <a:ln>
-            <a:noFill/>
-          </a:ln>
-        </p:spPr>
-        <p:style>
-          <a:lnRef idx="3">
-            <a:schemeClr val="lt1"/>
-          </a:lnRef>
-          <a:fillRef idx="1">
-            <a:schemeClr val="accent3"/>
-          </a:fillRef>
-          <a:effectRef idx="1">
-            <a:schemeClr val="accent3"/>
-          </a:effectRef>
-          <a:fontRef idx="minor">
-            <a:schemeClr val="lt1"/>
-          </a:fontRef>
-        </p:style>
-        <p:txBody>
-          <a:bodyPr rtlCol="0" anchor="ctr"/>
-          <a:lstStyle/>
-          <a:p>
-            <a:pPr algn="ctr"/>
-            <a:r>
-              <a:rPr lang="fr-FR" sz="1400" b="1" dirty="0" smtClean="0"/>
-              <a:t>Description technique</a:t>
-            </a:r>
-            <a:endParaRPr lang="fr-FR" sz="1400" b="1" dirty="0" smtClean="0"/>
-          </a:p>
-        </p:txBody>
-      </p:sp>
-      <p:sp>
-        <p:nvSpPr>
-          <p:cNvPr id="11" name="Titre 1"/>
-          <p:cNvSpPr>
-            <a:spLocks noGrp="1"/>
-          </p:cNvSpPr>
-          <p:nvPr>
-            <p:ph type="title"/>
-          </p:nvPr>
-        </p:nvSpPr>
-        <p:spPr>
-          <a:xfrm>
-            <a:off x="379712" y="1199716"/>
-            <a:ext cx="3960440" cy="433557"/>
-          </a:xfrm>
-        </p:spPr>
-        <p:txBody>
-          <a:bodyPr/>
-          <a:lstStyle/>
-          <a:p>
-            <a:pPr marL="342900" indent="-342900">
-              <a:lnSpc>
-                <a:spcPct val="100000"/>
-              </a:lnSpc>
-              <a:spcBef>
-                <a:spcPts val="1200"/>
-              </a:spcBef>
-              <a:buFont typeface="Wingdings" panose="05000000000000000000" pitchFamily="2" charset="2"/>
-              <a:buChar char="Ø"/>
-            </a:pPr>
-            <a:r>
-              <a:rPr lang="fr-FR" sz="2000" dirty="0" smtClean="0"/>
-              <a:t>Architecture du site</a:t>
-            </a:r>
-            <a:endParaRPr lang="fr-FR" sz="2000" dirty="0" smtClean="0"/>
-          </a:p>
-        </p:txBody>
-      </p:sp>
-      <p:sp>
-        <p:nvSpPr>
-          <p:cNvPr id="7" name="Pentagone 6"/>
-          <p:cNvSpPr/>
-          <p:nvPr/>
-        </p:nvSpPr>
-        <p:spPr>
-          <a:xfrm>
-            <a:off x="1653504" y="195485"/>
-            <a:ext cx="1646608" cy="504056"/>
-          </a:xfrm>
-          <a:prstGeom prst="homePlate">
-            <a:avLst>
-              <a:gd name="adj" fmla="val 0"/>
-            </a:avLst>
-          </a:prstGeom>
-          <a:solidFill>
-            <a:srgbClr val="C3BDC0"/>
-          </a:solidFill>
-          <a:ln>
-            <a:noFill/>
-          </a:ln>
-        </p:spPr>
-        <p:style>
-          <a:lnRef idx="3">
-            <a:schemeClr val="lt1"/>
-          </a:lnRef>
-          <a:fillRef idx="1">
-            <a:schemeClr val="accent3"/>
-          </a:fillRef>
-          <a:effectRef idx="1">
-            <a:schemeClr val="accent3"/>
-          </a:effectRef>
-          <a:fontRef idx="minor">
-            <a:schemeClr val="lt1"/>
-          </a:fontRef>
-        </p:style>
-        <p:txBody>
-          <a:bodyPr rtlCol="0" anchor="ctr"/>
-          <a:lstStyle/>
-          <a:p>
-            <a:pPr algn="ctr"/>
-            <a:r>
-              <a:rPr lang="fr-FR" sz="1400" dirty="0" smtClean="0">
-                <a:solidFill>
-                  <a:schemeClr val="bg1">
-                    <a:lumMod val="50000"/>
-                  </a:schemeClr>
-                </a:solidFill>
-              </a:rPr>
-              <a:t>Gestion de projet</a:t>
-            </a:r>
-            <a:endParaRPr lang="fr-FR" sz="1400" dirty="0">
-              <a:solidFill>
-                <a:schemeClr val="bg1">
-                  <a:lumMod val="50000"/>
-                </a:schemeClr>
-              </a:solidFill>
-            </a:endParaRPr>
-          </a:p>
-        </p:txBody>
-      </p:sp>
-      <p:pic>
-        <p:nvPicPr>
-          <p:cNvPr id="9" name="Image 8" descr="schema(vfinal).png"/>
-          <p:cNvPicPr>
-            <a:picLocks noChangeAspect="1"/>
-          </p:cNvPicPr>
-          <p:nvPr/>
-        </p:nvPicPr>
-        <p:blipFill>
-          <a:blip r:embed="rId3" cstate="print"/>
-          <a:stretch>
-            <a:fillRect/>
-          </a:stretch>
-        </p:blipFill>
-        <p:spPr>
-          <a:xfrm>
-            <a:off x="379712" y="1633273"/>
-            <a:ext cx="8280920" cy="3032897"/>
-          </a:xfrm>
-          <a:prstGeom prst="rect">
-            <a:avLst/>
-          </a:prstGeom>
-        </p:spPr>
-      </p:pic>
-      <p:pic>
-        <p:nvPicPr>
-          <p:cNvPr id="10" name="Image 9"/>
-          <p:cNvPicPr/>
-          <p:nvPr/>
-        </p:nvPicPr>
-        <p:blipFill rotWithShape="1">
-          <a:blip r:embed="rId4" cstate="print">
-            <a:extLst>
-              <a:ext uri="{28A0092B-C50C-407E-A947-70E740481C1C}">
-                <a14:useLocalDpi xmlns:a14="http://schemas.microsoft.com/office/drawing/2010/main" val="0"/>
-              </a:ext>
-            </a:extLst>
-          </a:blip>
-          <a:srcRect l="18383" t="5982" r="20520" b="6530"/>
-          <a:stretch/>
-        </p:blipFill>
-        <p:spPr bwMode="auto">
-          <a:xfrm>
-            <a:off x="8210836" y="4539125"/>
-            <a:ext cx="899592" cy="560602"/>
-          </a:xfrm>
-          <a:prstGeom prst="rect">
-            <a:avLst/>
-          </a:prstGeom>
-          <a:ln>
-            <a:noFill/>
-          </a:ln>
-          <a:extLst>
-            <a:ext uri="{53640926-AAD7-44D8-BBD7-CCE9431645EC}">
-              <a14:shadowObscured xmlns:a14="http://schemas.microsoft.com/office/drawing/2010/main"/>
-            </a:ext>
-          </a:extLst>
-        </p:spPr>
-      </p:pic>
-      <p:sp>
-        <p:nvSpPr>
-          <p:cNvPr id="2" name="ZoneTexte 1"/>
-          <p:cNvSpPr txBox="1"/>
-          <p:nvPr/>
-        </p:nvSpPr>
-        <p:spPr>
-          <a:xfrm>
-            <a:off x="5508104" y="1621825"/>
-            <a:ext cx="771907" cy="192360"/>
-          </a:xfrm>
-          <a:prstGeom prst="rect">
-            <a:avLst/>
-          </a:prstGeom>
-          <a:solidFill>
-            <a:schemeClr val="bg1"/>
-          </a:solidFill>
-        </p:spPr>
-        <p:txBody>
-          <a:bodyPr wrap="square" rtlCol="0">
-            <a:spAutoFit/>
-          </a:bodyPr>
-          <a:lstStyle/>
-          <a:p>
-            <a:r>
-              <a:rPr lang="fr-FR" sz="650" dirty="0" smtClean="0">
-                <a:solidFill>
-                  <a:srgbClr val="0070C0"/>
-                </a:solidFill>
-              </a:rPr>
-              <a:t>Page d’accueil</a:t>
-            </a:r>
-            <a:endParaRPr lang="fr-FR" sz="650" dirty="0">
-              <a:solidFill>
-                <a:srgbClr val="0070C0"/>
-              </a:solidFill>
-            </a:endParaRPr>
-          </a:p>
-        </p:txBody>
-      </p:sp>
-    </p:spTree>
-    <p:extLst>
-      <p:ext uri="{BB962C8B-B14F-4D97-AF65-F5344CB8AC3E}">
-        <p14:creationId xmlns:p14="http://schemas.microsoft.com/office/powerpoint/2010/main" val="2897457935"/>
-      </p:ext>
-    </p:extLst>
-  </p:cSld>
-  <p:clrMapOvr>
-    <a:masterClrMapping/>
-  </p:clrMapOvr>
-  <p:timing>
-    <p:tnLst>
-      <p:par>
-        <p:cTn id="1" dur="indefinite" restart="never" nodeType="tmRoot"/>
-      </p:par>
-    </p:tnLst>
-  </p:timing>
-</p:sld>
-</file>
-
-<file path=ppt/slides/slide7.xml><?xml version="1.0" encoding="utf-8"?>
-<p:sld xmlns:a="http://schemas.openxmlformats.org/drawingml/2006/main" xmlns:r="http://schemas.openxmlformats.org/officeDocument/2006/relationships" xmlns:p="http://schemas.openxmlformats.org/presentationml/2006/main">
-  <p:cSld>
-    <p:spTree>
-      <p:nvGrpSpPr>
-        <p:cNvPr id="1" name=""/>
-        <p:cNvGrpSpPr/>
-        <p:nvPr/>
-      </p:nvGrpSpPr>
-      <p:grpSpPr>
-        <a:xfrm>
-          <a:off x="0" y="0"/>
-          <a:ext cx="0" cy="0"/>
-          <a:chOff x="0" y="0"/>
-          <a:chExt cx="0" cy="0"/>
-        </a:xfrm>
-      </p:grpSpPr>
-      <p:sp>
-        <p:nvSpPr>
-          <p:cNvPr id="5" name="Pentagone 4"/>
-          <p:cNvSpPr/>
-          <p:nvPr/>
-        </p:nvSpPr>
-        <p:spPr>
-          <a:xfrm>
-            <a:off x="6896" y="195485"/>
-            <a:ext cx="1646608" cy="504056"/>
-          </a:xfrm>
-          <a:prstGeom prst="homePlate">
-            <a:avLst>
-              <a:gd name="adj" fmla="val 0"/>
-            </a:avLst>
-          </a:prstGeom>
-          <a:solidFill>
-            <a:srgbClr val="C3BDC0"/>
-          </a:solidFill>
-          <a:ln>
-            <a:noFill/>
-          </a:ln>
-        </p:spPr>
-        <p:style>
-          <a:lnRef idx="3">
-            <a:schemeClr val="lt1"/>
-          </a:lnRef>
-          <a:fillRef idx="1">
-            <a:schemeClr val="accent3"/>
-          </a:fillRef>
-          <a:effectRef idx="1">
-            <a:schemeClr val="accent3"/>
-          </a:effectRef>
-          <a:fontRef idx="minor">
-            <a:schemeClr val="lt1"/>
-          </a:fontRef>
-        </p:style>
-        <p:txBody>
-          <a:bodyPr rtlCol="0" anchor="ctr"/>
-          <a:lstStyle/>
-          <a:p>
-            <a:pPr algn="ctr"/>
-            <a:r>
-              <a:rPr lang="fr-FR" sz="1400" dirty="0" smtClean="0">
-                <a:solidFill>
-                  <a:schemeClr val="bg1">
-                    <a:lumMod val="50000"/>
-                  </a:schemeClr>
-                </a:solidFill>
-              </a:rPr>
-              <a:t>Contexte</a:t>
-            </a:r>
-            <a:endParaRPr lang="fr-FR" sz="1400" dirty="0">
-              <a:solidFill>
-                <a:schemeClr val="bg1">
-                  <a:lumMod val="50000"/>
-                </a:schemeClr>
-              </a:solidFill>
-            </a:endParaRPr>
-          </a:p>
-        </p:txBody>
-      </p:sp>
-      <p:sp>
-        <p:nvSpPr>
-          <p:cNvPr id="6" name="Pentagone 5"/>
-          <p:cNvSpPr/>
-          <p:nvPr/>
-        </p:nvSpPr>
-        <p:spPr>
-          <a:xfrm>
-            <a:off x="3300112" y="195486"/>
-            <a:ext cx="2207992" cy="504055"/>
-          </a:xfrm>
-          <a:prstGeom prst="homePlate">
-            <a:avLst/>
-          </a:prstGeom>
-          <a:solidFill>
-            <a:schemeClr val="tx2">
-              <a:lumMod val="75000"/>
-            </a:schemeClr>
-          </a:solidFill>
-          <a:ln>
-            <a:noFill/>
-          </a:ln>
-        </p:spPr>
-        <p:style>
-          <a:lnRef idx="3">
-            <a:schemeClr val="lt1"/>
-          </a:lnRef>
-          <a:fillRef idx="1">
-            <a:schemeClr val="accent3"/>
-          </a:fillRef>
-          <a:effectRef idx="1">
-            <a:schemeClr val="accent3"/>
-          </a:effectRef>
-          <a:fontRef idx="minor">
-            <a:schemeClr val="lt1"/>
-          </a:fontRef>
-        </p:style>
-        <p:txBody>
-          <a:bodyPr rtlCol="0" anchor="ctr"/>
-          <a:lstStyle/>
-          <a:p>
-            <a:pPr algn="ctr"/>
-            <a:r>
-              <a:rPr lang="fr-FR" sz="1400" b="1" dirty="0" smtClean="0"/>
-              <a:t>Description technique</a:t>
-            </a:r>
-            <a:endParaRPr lang="fr-FR" sz="1400" b="1" dirty="0" smtClean="0"/>
-          </a:p>
-        </p:txBody>
-      </p:sp>
-      <p:sp>
-        <p:nvSpPr>
-          <p:cNvPr id="11" name="Titre 1"/>
-          <p:cNvSpPr>
-            <a:spLocks noGrp="1"/>
-          </p:cNvSpPr>
-          <p:nvPr>
-            <p:ph type="title"/>
-          </p:nvPr>
-        </p:nvSpPr>
-        <p:spPr>
-          <a:xfrm>
-            <a:off x="179512" y="1131590"/>
-            <a:ext cx="5776464" cy="433557"/>
-          </a:xfrm>
-        </p:spPr>
-        <p:txBody>
-          <a:bodyPr/>
-          <a:lstStyle/>
-          <a:p>
-            <a:pPr marL="342900" indent="-342900">
-              <a:lnSpc>
-                <a:spcPct val="100000"/>
-              </a:lnSpc>
-              <a:spcBef>
-                <a:spcPts val="1200"/>
-              </a:spcBef>
-              <a:buFont typeface="Wingdings" panose="05000000000000000000" pitchFamily="2" charset="2"/>
-              <a:buChar char="Ø"/>
-            </a:pPr>
-            <a:r>
-              <a:rPr lang="fr-FR" sz="2000" dirty="0" smtClean="0"/>
-              <a:t>Architecture de la base de données</a:t>
-            </a:r>
-            <a:endParaRPr lang="fr-FR" sz="2000" dirty="0" smtClean="0"/>
-          </a:p>
-        </p:txBody>
-      </p:sp>
-      <p:sp>
-        <p:nvSpPr>
-          <p:cNvPr id="7" name="Pentagone 6"/>
-          <p:cNvSpPr/>
-          <p:nvPr/>
-        </p:nvSpPr>
-        <p:spPr>
-          <a:xfrm>
-            <a:off x="1653504" y="195485"/>
-            <a:ext cx="1646608" cy="504056"/>
-          </a:xfrm>
-          <a:prstGeom prst="homePlate">
-            <a:avLst>
-              <a:gd name="adj" fmla="val 0"/>
-            </a:avLst>
-          </a:prstGeom>
-          <a:solidFill>
-            <a:srgbClr val="C3BDC0"/>
-          </a:solidFill>
-          <a:ln>
-            <a:noFill/>
-          </a:ln>
-        </p:spPr>
-        <p:style>
-          <a:lnRef idx="3">
-            <a:schemeClr val="lt1"/>
-          </a:lnRef>
-          <a:fillRef idx="1">
-            <a:schemeClr val="accent3"/>
-          </a:fillRef>
-          <a:effectRef idx="1">
-            <a:schemeClr val="accent3"/>
-          </a:effectRef>
-          <a:fontRef idx="minor">
-            <a:schemeClr val="lt1"/>
-          </a:fontRef>
-        </p:style>
-        <p:txBody>
-          <a:bodyPr rtlCol="0" anchor="ctr"/>
-          <a:lstStyle/>
-          <a:p>
-            <a:pPr algn="ctr"/>
-            <a:r>
-              <a:rPr lang="fr-FR" sz="1400" dirty="0" smtClean="0">
-                <a:solidFill>
-                  <a:schemeClr val="bg1">
-                    <a:lumMod val="50000"/>
-                  </a:schemeClr>
-                </a:solidFill>
-              </a:rPr>
-              <a:t>Gestion de projet</a:t>
-            </a:r>
-            <a:endParaRPr lang="fr-FR" sz="1400" dirty="0">
-              <a:solidFill>
-                <a:schemeClr val="bg1">
-                  <a:lumMod val="50000"/>
-                </a:schemeClr>
-              </a:solidFill>
-            </a:endParaRPr>
-          </a:p>
-        </p:txBody>
-      </p:sp>
-      <p:pic>
-        <p:nvPicPr>
-          <p:cNvPr id="10" name="Image 9"/>
-          <p:cNvPicPr/>
-          <p:nvPr/>
-        </p:nvPicPr>
-        <p:blipFill rotWithShape="1">
-          <a:blip r:embed="rId3" cstate="print">
-            <a:extLst>
-              <a:ext uri="{28A0092B-C50C-407E-A947-70E740481C1C}">
-                <a14:useLocalDpi xmlns:a14="http://schemas.microsoft.com/office/drawing/2010/main" val="0"/>
-              </a:ext>
-            </a:extLst>
-          </a:blip>
-          <a:srcRect l="18383" t="5982" r="20520" b="6530"/>
-          <a:stretch/>
-        </p:blipFill>
-        <p:spPr bwMode="auto">
-          <a:xfrm>
-            <a:off x="8210836" y="4539125"/>
-            <a:ext cx="899592" cy="560602"/>
-          </a:xfrm>
-          <a:prstGeom prst="rect">
-            <a:avLst/>
-          </a:prstGeom>
-          <a:ln>
-            <a:noFill/>
-          </a:ln>
-          <a:extLst>
-            <a:ext uri="{53640926-AAD7-44D8-BBD7-CCE9431645EC}">
-              <a14:shadowObscured xmlns:a14="http://schemas.microsoft.com/office/drawing/2010/main"/>
-            </a:ext>
-          </a:extLst>
-        </p:spPr>
-      </p:pic>
-      <p:pic>
-        <p:nvPicPr>
-          <p:cNvPr id="12" name="Image 11" descr="https://raw.githubusercontent.com/zeknoun/yourjob1/master/MCD.png"/>
-          <p:cNvPicPr/>
-          <p:nvPr/>
-        </p:nvPicPr>
-        <p:blipFill>
-          <a:blip r:embed="rId4" cstate="print">
-            <a:extLst>
-              <a:ext uri="{28A0092B-C50C-407E-A947-70E740481C1C}">
-                <a14:useLocalDpi xmlns:a14="http://schemas.microsoft.com/office/drawing/2010/main" val="0"/>
-              </a:ext>
-            </a:extLst>
-          </a:blip>
-          <a:srcRect/>
-          <a:stretch>
-            <a:fillRect/>
-          </a:stretch>
-        </p:blipFill>
-        <p:spPr bwMode="auto">
-          <a:xfrm>
-            <a:off x="1475657" y="1707654"/>
-            <a:ext cx="5904655" cy="3096344"/>
-          </a:xfrm>
-          <a:prstGeom prst="rect">
-            <a:avLst/>
-          </a:prstGeom>
-          <a:noFill/>
-          <a:ln>
-            <a:noFill/>
-          </a:ln>
-        </p:spPr>
-      </p:pic>
-    </p:spTree>
-    <p:extLst>
-      <p:ext uri="{BB962C8B-B14F-4D97-AF65-F5344CB8AC3E}">
-        <p14:creationId xmlns:p14="http://schemas.microsoft.com/office/powerpoint/2010/main" val="472442115"/>
-      </p:ext>
-    </p:extLst>
-  </p:cSld>
-  <p:clrMapOvr>
-    <a:masterClrMapping/>
-  </p:clrMapOvr>
-  <p:timing>
-    <p:tnLst>
-      <p:par>
-        <p:cTn id="1" dur="indefinite" restart="never" nodeType="tmRoot"/>
-      </p:par>
-    </p:tnLst>
-  </p:timing>
-</p:sld>
-</file>
-
-<file path=ppt/slides/slide8.xml><?xml version="1.0" encoding="utf-8"?>
-<p:sld xmlns:a="http://schemas.openxmlformats.org/drawingml/2006/main" xmlns:r="http://schemas.openxmlformats.org/officeDocument/2006/relationships" xmlns:p="http://schemas.openxmlformats.org/presentationml/2006/main">
-  <p:cSld>
-    <p:spTree>
-      <p:nvGrpSpPr>
-        <p:cNvPr id="1" name=""/>
-        <p:cNvGrpSpPr/>
-        <p:nvPr/>
-      </p:nvGrpSpPr>
-      <p:grpSpPr>
-        <a:xfrm>
-          <a:off x="0" y="0"/>
-          <a:ext cx="0" cy="0"/>
-          <a:chOff x="0" y="0"/>
-          <a:chExt cx="0" cy="0"/>
-        </a:xfrm>
-      </p:grpSpPr>
-      <p:sp>
-        <p:nvSpPr>
-          <p:cNvPr id="5" name="Pentagone 4"/>
-          <p:cNvSpPr/>
-          <p:nvPr/>
-        </p:nvSpPr>
-        <p:spPr>
-          <a:xfrm>
-            <a:off x="6896" y="195485"/>
-            <a:ext cx="1252736" cy="504056"/>
-          </a:xfrm>
-          <a:prstGeom prst="homePlate">
-            <a:avLst>
-              <a:gd name="adj" fmla="val 0"/>
-            </a:avLst>
-          </a:prstGeom>
-          <a:solidFill>
-            <a:srgbClr val="C3BDC0"/>
-          </a:solidFill>
-          <a:ln>
-            <a:noFill/>
-          </a:ln>
-        </p:spPr>
-        <p:style>
-          <a:lnRef idx="3">
-            <a:schemeClr val="lt1"/>
-          </a:lnRef>
-          <a:fillRef idx="1">
-            <a:schemeClr val="accent3"/>
-          </a:fillRef>
-          <a:effectRef idx="1">
-            <a:schemeClr val="accent3"/>
-          </a:effectRef>
-          <a:fontRef idx="minor">
-            <a:schemeClr val="lt1"/>
-          </a:fontRef>
-        </p:style>
-        <p:txBody>
-          <a:bodyPr rtlCol="0" anchor="ctr"/>
-          <a:lstStyle/>
-          <a:p>
-            <a:pPr algn="ctr"/>
-            <a:r>
-              <a:rPr lang="fr-FR" sz="1200" dirty="0" smtClean="0">
-                <a:solidFill>
-                  <a:schemeClr val="bg1">
-                    <a:lumMod val="50000"/>
-                  </a:schemeClr>
-                </a:solidFill>
-              </a:rPr>
-              <a:t>Contexte</a:t>
-            </a:r>
-            <a:endParaRPr lang="fr-FR" sz="1200" dirty="0">
-              <a:solidFill>
-                <a:schemeClr val="bg1">
-                  <a:lumMod val="50000"/>
-                </a:schemeClr>
-              </a:solidFill>
-            </a:endParaRPr>
-          </a:p>
-        </p:txBody>
-      </p:sp>
-      <p:sp>
-        <p:nvSpPr>
-          <p:cNvPr id="6" name="Pentagone 5"/>
-          <p:cNvSpPr/>
-          <p:nvPr/>
-        </p:nvSpPr>
-        <p:spPr>
-          <a:xfrm>
-            <a:off x="4499992" y="195486"/>
-            <a:ext cx="2520280" cy="504055"/>
-          </a:xfrm>
-          <a:prstGeom prst="homePlate">
-            <a:avLst/>
-          </a:prstGeom>
-          <a:solidFill>
-            <a:schemeClr val="tx2">
-              <a:lumMod val="75000"/>
-            </a:schemeClr>
-          </a:solidFill>
-          <a:ln>
-            <a:noFill/>
-          </a:ln>
-        </p:spPr>
-        <p:style>
-          <a:lnRef idx="3">
-            <a:schemeClr val="lt1"/>
-          </a:lnRef>
-          <a:fillRef idx="1">
-            <a:schemeClr val="accent3"/>
-          </a:fillRef>
-          <a:effectRef idx="1">
-            <a:schemeClr val="accent3"/>
-          </a:effectRef>
-          <a:fontRef idx="minor">
-            <a:schemeClr val="lt1"/>
-          </a:fontRef>
-        </p:style>
-        <p:txBody>
-          <a:bodyPr rtlCol="0" anchor="ctr"/>
-          <a:lstStyle/>
-          <a:p>
-            <a:pPr algn="ctr"/>
-            <a:r>
-              <a:rPr lang="fr-FR" sz="1400" b="1" dirty="0" smtClean="0"/>
-              <a:t>Description fonctionnelle</a:t>
-            </a:r>
-            <a:endParaRPr lang="fr-FR" sz="1400" b="1" dirty="0" smtClean="0"/>
-          </a:p>
-        </p:txBody>
-      </p:sp>
-      <p:sp>
-        <p:nvSpPr>
-          <p:cNvPr id="11" name="Titre 1"/>
-          <p:cNvSpPr>
-            <a:spLocks noGrp="1"/>
-          </p:cNvSpPr>
-          <p:nvPr>
-            <p:ph type="title"/>
-          </p:nvPr>
-        </p:nvSpPr>
-        <p:spPr>
-          <a:xfrm>
-            <a:off x="107504" y="1059582"/>
-            <a:ext cx="3816424" cy="433557"/>
-          </a:xfrm>
-        </p:spPr>
-        <p:txBody>
-          <a:bodyPr/>
-          <a:lstStyle/>
-          <a:p>
-            <a:pPr marL="342900" indent="-342900">
-              <a:lnSpc>
-                <a:spcPct val="100000"/>
-              </a:lnSpc>
-              <a:spcBef>
-                <a:spcPts val="1200"/>
-              </a:spcBef>
-              <a:buFont typeface="Wingdings" panose="05000000000000000000" pitchFamily="2" charset="2"/>
-              <a:buChar char="Ø"/>
-            </a:pPr>
-            <a:r>
-              <a:rPr lang="fr-FR" sz="2000" dirty="0" smtClean="0"/>
-              <a:t>Pages principales du site:</a:t>
-            </a:r>
-            <a:endParaRPr lang="fr-FR" sz="2000" dirty="0" smtClean="0"/>
-          </a:p>
-        </p:txBody>
-      </p:sp>
-      <p:sp>
-        <p:nvSpPr>
-          <p:cNvPr id="7" name="Pentagone 6"/>
-          <p:cNvSpPr/>
-          <p:nvPr/>
-        </p:nvSpPr>
-        <p:spPr>
-          <a:xfrm>
-            <a:off x="1259633" y="195485"/>
-            <a:ext cx="1512167" cy="504056"/>
-          </a:xfrm>
-          <a:prstGeom prst="homePlate">
-            <a:avLst>
-              <a:gd name="adj" fmla="val 0"/>
-            </a:avLst>
-          </a:prstGeom>
-          <a:solidFill>
-            <a:srgbClr val="C3BDC0"/>
-          </a:solidFill>
-          <a:ln>
-            <a:noFill/>
-          </a:ln>
-        </p:spPr>
-        <p:style>
-          <a:lnRef idx="3">
-            <a:schemeClr val="lt1"/>
-          </a:lnRef>
-          <a:fillRef idx="1">
-            <a:schemeClr val="accent3"/>
-          </a:fillRef>
-          <a:effectRef idx="1">
-            <a:schemeClr val="accent3"/>
-          </a:effectRef>
-          <a:fontRef idx="minor">
-            <a:schemeClr val="lt1"/>
-          </a:fontRef>
-        </p:style>
-        <p:txBody>
-          <a:bodyPr rtlCol="0" anchor="ctr"/>
-          <a:lstStyle/>
-          <a:p>
-            <a:pPr algn="ctr"/>
-            <a:r>
-              <a:rPr lang="fr-FR" sz="1200" dirty="0" smtClean="0">
-                <a:solidFill>
-                  <a:schemeClr val="bg1">
-                    <a:lumMod val="50000"/>
-                  </a:schemeClr>
-                </a:solidFill>
-              </a:rPr>
-              <a:t>Gestion de projet</a:t>
-            </a:r>
-            <a:endParaRPr lang="fr-FR" sz="1200" dirty="0">
-              <a:solidFill>
-                <a:schemeClr val="bg1">
-                  <a:lumMod val="50000"/>
-                </a:schemeClr>
-              </a:solidFill>
-            </a:endParaRPr>
-          </a:p>
-        </p:txBody>
-      </p:sp>
-      <p:sp>
-        <p:nvSpPr>
-          <p:cNvPr id="8" name="Pentagone 7"/>
-          <p:cNvSpPr/>
-          <p:nvPr/>
-        </p:nvSpPr>
-        <p:spPr>
-          <a:xfrm>
-            <a:off x="2771800" y="195485"/>
-            <a:ext cx="1728192" cy="504056"/>
-          </a:xfrm>
-          <a:prstGeom prst="homePlate">
-            <a:avLst>
-              <a:gd name="adj" fmla="val 0"/>
-            </a:avLst>
-          </a:prstGeom>
-          <a:solidFill>
-            <a:srgbClr val="C3BDC0"/>
-          </a:solidFill>
-          <a:ln>
-            <a:noFill/>
-          </a:ln>
-        </p:spPr>
-        <p:style>
-          <a:lnRef idx="3">
-            <a:schemeClr val="lt1"/>
-          </a:lnRef>
-          <a:fillRef idx="1">
-            <a:schemeClr val="accent3"/>
-          </a:fillRef>
-          <a:effectRef idx="1">
-            <a:schemeClr val="accent3"/>
-          </a:effectRef>
-          <a:fontRef idx="minor">
-            <a:schemeClr val="lt1"/>
-          </a:fontRef>
-        </p:style>
-        <p:txBody>
-          <a:bodyPr rtlCol="0" anchor="ctr"/>
-          <a:lstStyle/>
-          <a:p>
-            <a:pPr algn="ctr"/>
-            <a:r>
-              <a:rPr lang="fr-FR" sz="1200" dirty="0" smtClean="0">
-                <a:solidFill>
-                  <a:schemeClr val="bg1">
-                    <a:lumMod val="50000"/>
-                  </a:schemeClr>
-                </a:solidFill>
-              </a:rPr>
-              <a:t>Description technique</a:t>
-            </a:r>
-            <a:endParaRPr lang="fr-FR" sz="1200" dirty="0">
-              <a:solidFill>
-                <a:schemeClr val="bg1">
-                  <a:lumMod val="50000"/>
-                </a:schemeClr>
-              </a:solidFill>
-            </a:endParaRPr>
-          </a:p>
-        </p:txBody>
-      </p:sp>
-      <p:sp>
-        <p:nvSpPr>
-          <p:cNvPr id="13" name="Titre 1"/>
-          <p:cNvSpPr txBox="1">
-            <a:spLocks/>
-          </p:cNvSpPr>
-          <p:nvPr/>
-        </p:nvSpPr>
-        <p:spPr>
-          <a:xfrm>
-            <a:off x="4211960" y="1146745"/>
-            <a:ext cx="2664296" cy="433557"/>
-          </a:xfrm>
-          <a:prstGeom prst="rect">
-            <a:avLst/>
-          </a:prstGeom>
-        </p:spPr>
-        <p:txBody>
-          <a:bodyPr anchor="ctr"/>
-          <a:lstStyle>
-            <a:lvl1pPr algn="l" defTabSz="914400" rtl="0" eaLnBrk="1" latinLnBrk="1" hangingPunct="1">
-              <a:spcBef>
-                <a:spcPct val="0"/>
-              </a:spcBef>
-              <a:buNone/>
-              <a:defRPr sz="3600" b="1" kern="1200">
-                <a:solidFill>
-                  <a:schemeClr val="tx1">
-                    <a:lumMod val="75000"/>
-                    <a:lumOff val="25000"/>
-                  </a:schemeClr>
-                </a:solidFill>
-                <a:latin typeface="Arial" pitchFamily="34" charset="0"/>
-                <a:ea typeface="+mj-ea"/>
-                <a:cs typeface="Arial" pitchFamily="34" charset="0"/>
-              </a:defRPr>
-            </a:lvl1pPr>
-          </a:lstStyle>
-          <a:p>
-            <a:pPr>
-              <a:spcBef>
-                <a:spcPts val="1200"/>
-              </a:spcBef>
-            </a:pPr>
-            <a:r>
-              <a:rPr lang="fr-FR" sz="1800" u="sng" dirty="0" smtClean="0"/>
-              <a:t>Recherche par région</a:t>
-            </a:r>
-            <a:endParaRPr lang="fr-FR" sz="1800" u="sng" dirty="0" smtClean="0"/>
-          </a:p>
-        </p:txBody>
-      </p:sp>
-      <p:pic>
-        <p:nvPicPr>
-          <p:cNvPr id="14" name="Image 13"/>
-          <p:cNvPicPr/>
-          <p:nvPr/>
-        </p:nvPicPr>
-        <p:blipFill rotWithShape="1">
-          <a:blip r:embed="rId3" cstate="print"/>
-          <a:srcRect r="1014" b="6722"/>
-          <a:stretch/>
-        </p:blipFill>
-        <p:spPr bwMode="auto">
-          <a:xfrm>
-            <a:off x="615297" y="1838798"/>
-            <a:ext cx="7846954" cy="2558428"/>
-          </a:xfrm>
-          <a:prstGeom prst="rect">
-            <a:avLst/>
-          </a:prstGeom>
-          <a:ln>
-            <a:noFill/>
-          </a:ln>
-          <a:extLst>
-            <a:ext uri="{53640926-AAD7-44D8-BBD7-CCE9431645EC}">
-              <a14:shadowObscured xmlns:a14="http://schemas.microsoft.com/office/drawing/2010/main"/>
-            </a:ext>
-          </a:extLst>
-        </p:spPr>
-      </p:pic>
-      <p:pic>
-        <p:nvPicPr>
-          <p:cNvPr id="10" name="Image 9"/>
-          <p:cNvPicPr/>
-          <p:nvPr/>
-        </p:nvPicPr>
-        <p:blipFill rotWithShape="1">
-          <a:blip r:embed="rId4" cstate="print">
-            <a:extLst>
-              <a:ext uri="{28A0092B-C50C-407E-A947-70E740481C1C}">
-                <a14:useLocalDpi xmlns:a14="http://schemas.microsoft.com/office/drawing/2010/main" val="0"/>
-              </a:ext>
-            </a:extLst>
-          </a:blip>
-          <a:srcRect l="18383" t="5982" r="20520" b="6530"/>
-          <a:stretch/>
-        </p:blipFill>
-        <p:spPr bwMode="auto">
-          <a:xfrm>
-            <a:off x="8210836" y="4539125"/>
-            <a:ext cx="899592" cy="560602"/>
-          </a:xfrm>
-          <a:prstGeom prst="rect">
-            <a:avLst/>
-          </a:prstGeom>
-          <a:ln>
-            <a:noFill/>
-          </a:ln>
-          <a:extLst>
-            <a:ext uri="{53640926-AAD7-44D8-BBD7-CCE9431645EC}">
-              <a14:shadowObscured xmlns:a14="http://schemas.microsoft.com/office/drawing/2010/main"/>
-            </a:ext>
-          </a:extLst>
-        </p:spPr>
-      </p:pic>
-    </p:spTree>
-    <p:extLst>
-      <p:ext uri="{BB962C8B-B14F-4D97-AF65-F5344CB8AC3E}">
-        <p14:creationId xmlns:p14="http://schemas.microsoft.com/office/powerpoint/2010/main" val="2201989546"/>
-      </p:ext>
-    </p:extLst>
-  </p:cSld>
-  <p:clrMapOvr>
-    <a:masterClrMapping/>
-  </p:clrMapOvr>
-  <p:timing>
-    <p:tnLst>
-      <p:par>
-        <p:cTn id="1" dur="indefinite" restart="never" nodeType="tmRoot"/>
-      </p:par>
-    </p:tnLst>
-  </p:timing>
-</p:sld>
-</file>
-
-<file path=ppt/slides/slide9.xml><?xml version="1.0" encoding="utf-8"?>
-<p:sld xmlns:a="http://schemas.openxmlformats.org/drawingml/2006/main" xmlns:r="http://schemas.openxmlformats.org/officeDocument/2006/relationships" xmlns:p="http://schemas.openxmlformats.org/presentationml/2006/main">
-  <p:cSld>
-    <p:spTree>
-      <p:nvGrpSpPr>
-        <p:cNvPr id="1" name=""/>
-        <p:cNvGrpSpPr/>
-        <p:nvPr/>
-      </p:nvGrpSpPr>
-      <p:grpSpPr>
-        <a:xfrm>
-          <a:off x="0" y="0"/>
-          <a:ext cx="0" cy="0"/>
-          <a:chOff x="0" y="0"/>
-          <a:chExt cx="0" cy="0"/>
-        </a:xfrm>
-      </p:grpSpPr>
-      <p:sp>
-        <p:nvSpPr>
-          <p:cNvPr id="5" name="Pentagone 4"/>
-          <p:cNvSpPr/>
-          <p:nvPr/>
-        </p:nvSpPr>
-        <p:spPr>
-          <a:xfrm>
-            <a:off x="6896" y="195485"/>
-            <a:ext cx="1252736" cy="504056"/>
-          </a:xfrm>
-          <a:prstGeom prst="homePlate">
-            <a:avLst>
-              <a:gd name="adj" fmla="val 0"/>
-            </a:avLst>
-          </a:prstGeom>
-          <a:solidFill>
-            <a:srgbClr val="C3BDC0"/>
-          </a:solidFill>
-          <a:ln>
-            <a:noFill/>
-          </a:ln>
-        </p:spPr>
-        <p:style>
-          <a:lnRef idx="3">
-            <a:schemeClr val="lt1"/>
-          </a:lnRef>
-          <a:fillRef idx="1">
-            <a:schemeClr val="accent3"/>
-          </a:fillRef>
-          <a:effectRef idx="1">
-            <a:schemeClr val="accent3"/>
-          </a:effectRef>
-          <a:fontRef idx="minor">
-            <a:schemeClr val="lt1"/>
-          </a:fontRef>
-        </p:style>
-        <p:txBody>
-          <a:bodyPr rtlCol="0" anchor="ctr"/>
-          <a:lstStyle/>
-          <a:p>
-            <a:pPr algn="ctr"/>
-            <a:r>
-              <a:rPr lang="fr-FR" sz="1200" dirty="0" smtClean="0">
-                <a:solidFill>
-                  <a:schemeClr val="bg1">
-                    <a:lumMod val="50000"/>
-                  </a:schemeClr>
-                </a:solidFill>
-              </a:rPr>
-              <a:t>Contexte</a:t>
-            </a:r>
-            <a:endParaRPr lang="fr-FR" sz="1200" dirty="0">
-              <a:solidFill>
-                <a:schemeClr val="bg1">
-                  <a:lumMod val="50000"/>
-                </a:schemeClr>
-              </a:solidFill>
-            </a:endParaRPr>
-          </a:p>
-        </p:txBody>
-      </p:sp>
-      <p:sp>
-        <p:nvSpPr>
-          <p:cNvPr id="6" name="Pentagone 5"/>
-          <p:cNvSpPr/>
-          <p:nvPr/>
-        </p:nvSpPr>
-        <p:spPr>
-          <a:xfrm>
-            <a:off x="4499992" y="195486"/>
-            <a:ext cx="2520280" cy="504055"/>
-          </a:xfrm>
-          <a:prstGeom prst="homePlate">
-            <a:avLst/>
-          </a:prstGeom>
-          <a:solidFill>
-            <a:schemeClr val="tx2">
-              <a:lumMod val="75000"/>
-            </a:schemeClr>
-          </a:solidFill>
-          <a:ln>
-            <a:noFill/>
-          </a:ln>
-        </p:spPr>
-        <p:style>
-          <a:lnRef idx="3">
-            <a:schemeClr val="lt1"/>
-          </a:lnRef>
-          <a:fillRef idx="1">
-            <a:schemeClr val="accent3"/>
-          </a:fillRef>
-          <a:effectRef idx="1">
-            <a:schemeClr val="accent3"/>
-          </a:effectRef>
-          <a:fontRef idx="minor">
-            <a:schemeClr val="lt1"/>
-          </a:fontRef>
-        </p:style>
-        <p:txBody>
-          <a:bodyPr rtlCol="0" anchor="ctr"/>
-          <a:lstStyle/>
-          <a:p>
-            <a:pPr algn="ctr"/>
-            <a:r>
-              <a:rPr lang="fr-FR" sz="1400" b="1" dirty="0" smtClean="0"/>
-              <a:t>Description fonctionnelle</a:t>
-            </a:r>
-            <a:endParaRPr lang="fr-FR" sz="1400" b="1" dirty="0" smtClean="0"/>
-          </a:p>
-        </p:txBody>
-      </p:sp>
-      <p:sp>
-        <p:nvSpPr>
-          <p:cNvPr id="7" name="Pentagone 6"/>
-          <p:cNvSpPr/>
-          <p:nvPr/>
-        </p:nvSpPr>
-        <p:spPr>
-          <a:xfrm>
-            <a:off x="1259633" y="195485"/>
-            <a:ext cx="1512167" cy="504056"/>
-          </a:xfrm>
-          <a:prstGeom prst="homePlate">
-            <a:avLst>
-              <a:gd name="adj" fmla="val 0"/>
-            </a:avLst>
-          </a:prstGeom>
-          <a:solidFill>
-            <a:srgbClr val="C3BDC0"/>
-          </a:solidFill>
-          <a:ln>
-            <a:noFill/>
-          </a:ln>
-        </p:spPr>
-        <p:style>
-          <a:lnRef idx="3">
-            <a:schemeClr val="lt1"/>
-          </a:lnRef>
-          <a:fillRef idx="1">
-            <a:schemeClr val="accent3"/>
-          </a:fillRef>
-          <a:effectRef idx="1">
-            <a:schemeClr val="accent3"/>
-          </a:effectRef>
-          <a:fontRef idx="minor">
-            <a:schemeClr val="lt1"/>
-          </a:fontRef>
-        </p:style>
-        <p:txBody>
-          <a:bodyPr rtlCol="0" anchor="ctr"/>
-          <a:lstStyle/>
-          <a:p>
-            <a:pPr algn="ctr"/>
-            <a:r>
-              <a:rPr lang="fr-FR" sz="1200" dirty="0" smtClean="0">
-                <a:solidFill>
-                  <a:schemeClr val="bg1">
-                    <a:lumMod val="50000"/>
-                  </a:schemeClr>
-                </a:solidFill>
-              </a:rPr>
-              <a:t>Gestion de projet</a:t>
-            </a:r>
-            <a:endParaRPr lang="fr-FR" sz="1200" dirty="0">
-              <a:solidFill>
-                <a:schemeClr val="bg1">
-                  <a:lumMod val="50000"/>
-                </a:schemeClr>
-              </a:solidFill>
-            </a:endParaRPr>
-          </a:p>
-        </p:txBody>
-      </p:sp>
-      <p:sp>
-        <p:nvSpPr>
-          <p:cNvPr id="8" name="Pentagone 7"/>
-          <p:cNvSpPr/>
-          <p:nvPr/>
-        </p:nvSpPr>
-        <p:spPr>
-          <a:xfrm>
-            <a:off x="2771800" y="195485"/>
-            <a:ext cx="1728192" cy="504056"/>
-          </a:xfrm>
-          <a:prstGeom prst="homePlate">
-            <a:avLst>
-              <a:gd name="adj" fmla="val 0"/>
-            </a:avLst>
-          </a:prstGeom>
-          <a:solidFill>
-            <a:srgbClr val="C3BDC0"/>
-          </a:solidFill>
-          <a:ln>
-            <a:noFill/>
-          </a:ln>
-        </p:spPr>
-        <p:style>
-          <a:lnRef idx="3">
-            <a:schemeClr val="lt1"/>
-          </a:lnRef>
-          <a:fillRef idx="1">
-            <a:schemeClr val="accent3"/>
-          </a:fillRef>
-          <a:effectRef idx="1">
-            <a:schemeClr val="accent3"/>
-          </a:effectRef>
-          <a:fontRef idx="minor">
-            <a:schemeClr val="lt1"/>
-          </a:fontRef>
-        </p:style>
-        <p:txBody>
-          <a:bodyPr rtlCol="0" anchor="ctr"/>
-          <a:lstStyle/>
-          <a:p>
-            <a:pPr algn="ctr"/>
-            <a:r>
-              <a:rPr lang="fr-FR" sz="1200" dirty="0" smtClean="0">
-                <a:solidFill>
-                  <a:schemeClr val="bg1">
-                    <a:lumMod val="50000"/>
-                  </a:schemeClr>
-                </a:solidFill>
-              </a:rPr>
-              <a:t>Description technique</a:t>
-            </a:r>
-            <a:endParaRPr lang="fr-FR" sz="1200" dirty="0">
-              <a:solidFill>
-                <a:schemeClr val="bg1">
-                  <a:lumMod val="50000"/>
-                </a:schemeClr>
-              </a:solidFill>
-            </a:endParaRPr>
-          </a:p>
-        </p:txBody>
-      </p:sp>
-      <p:pic>
-        <p:nvPicPr>
-          <p:cNvPr id="14" name="Image 13"/>
-          <p:cNvPicPr/>
-          <p:nvPr/>
-        </p:nvPicPr>
-        <p:blipFill rotWithShape="1">
-          <a:blip r:embed="rId3" cstate="print"/>
-          <a:srcRect r="1014" b="6722"/>
-          <a:stretch/>
-        </p:blipFill>
-        <p:spPr bwMode="auto">
-          <a:xfrm>
-            <a:off x="143508" y="1117130"/>
-            <a:ext cx="8712968" cy="3456384"/>
-          </a:xfrm>
-          <a:prstGeom prst="rect">
-            <a:avLst/>
-          </a:prstGeom>
-          <a:ln>
-            <a:noFill/>
-          </a:ln>
-          <a:extLst>
-            <a:ext uri="{53640926-AAD7-44D8-BBD7-CCE9431645EC}">
-              <a14:shadowObscured xmlns:a14="http://schemas.microsoft.com/office/drawing/2010/main"/>
-            </a:ext>
-          </a:extLst>
-        </p:spPr>
-      </p:pic>
-      <p:pic>
-        <p:nvPicPr>
-          <p:cNvPr id="10" name="Image 9"/>
-          <p:cNvPicPr/>
-          <p:nvPr/>
-        </p:nvPicPr>
-        <p:blipFill rotWithShape="1">
-          <a:blip r:embed="rId4" cstate="print">
-            <a:extLst>
-              <a:ext uri="{28A0092B-C50C-407E-A947-70E740481C1C}">
-                <a14:useLocalDpi xmlns:a14="http://schemas.microsoft.com/office/drawing/2010/main" val="0"/>
-              </a:ext>
-            </a:extLst>
-          </a:blip>
-          <a:srcRect l="18383" t="5982" r="20520" b="6530"/>
-          <a:stretch/>
-        </p:blipFill>
-        <p:spPr bwMode="auto">
-          <a:xfrm>
-            <a:off x="8210836" y="4539125"/>
-            <a:ext cx="899592" cy="560602"/>
-          </a:xfrm>
-          <a:prstGeom prst="rect">
-            <a:avLst/>
-          </a:prstGeom>
-          <a:ln>
-            <a:noFill/>
-          </a:ln>
-          <a:extLst>
-            <a:ext uri="{53640926-AAD7-44D8-BBD7-CCE9431645EC}">
-              <a14:shadowObscured xmlns:a14="http://schemas.microsoft.com/office/drawing/2010/main"/>
-            </a:ext>
-          </a:extLst>
-        </p:spPr>
-      </p:pic>
-    </p:spTree>
-    <p:extLst>
-      <p:ext uri="{BB962C8B-B14F-4D97-AF65-F5344CB8AC3E}">
-        <p14:creationId xmlns:p14="http://schemas.microsoft.com/office/powerpoint/2010/main" val="2402332221"/>
       </p:ext>
     </p:extLst>
   </p:cSld>
